--- a/Präsentationen/Python Einführung.pptx
+++ b/Präsentationen/Python Einführung.pptx
@@ -6,10 +6,10 @@
     <p:sldMasterId id="2147483656" r:id="rId2"/>
   </p:sldMasterIdLst>
   <p:notesMasterIdLst>
-    <p:notesMasterId r:id="rId71"/>
+    <p:notesMasterId r:id="rId70"/>
   </p:notesMasterIdLst>
   <p:handoutMasterIdLst>
-    <p:handoutMasterId r:id="rId72"/>
+    <p:handoutMasterId r:id="rId71"/>
   </p:handoutMasterIdLst>
   <p:sldIdLst>
     <p:sldId id="256" r:id="rId3"/>
@@ -60,26 +60,25 @@
     <p:sldId id="307" r:id="rId48"/>
     <p:sldId id="308" r:id="rId49"/>
     <p:sldId id="309" r:id="rId50"/>
-    <p:sldId id="310" r:id="rId51"/>
-    <p:sldId id="312" r:id="rId52"/>
-    <p:sldId id="311" r:id="rId53"/>
-    <p:sldId id="313" r:id="rId54"/>
-    <p:sldId id="314" r:id="rId55"/>
-    <p:sldId id="315" r:id="rId56"/>
-    <p:sldId id="316" r:id="rId57"/>
-    <p:sldId id="317" r:id="rId58"/>
-    <p:sldId id="318" r:id="rId59"/>
-    <p:sldId id="319" r:id="rId60"/>
-    <p:sldId id="320" r:id="rId61"/>
-    <p:sldId id="321" r:id="rId62"/>
-    <p:sldId id="322" r:id="rId63"/>
-    <p:sldId id="323" r:id="rId64"/>
-    <p:sldId id="324" r:id="rId65"/>
-    <p:sldId id="325" r:id="rId66"/>
-    <p:sldId id="328" r:id="rId67"/>
-    <p:sldId id="329" r:id="rId68"/>
-    <p:sldId id="258" r:id="rId69"/>
-    <p:sldId id="259" r:id="rId70"/>
+    <p:sldId id="312" r:id="rId51"/>
+    <p:sldId id="311" r:id="rId52"/>
+    <p:sldId id="313" r:id="rId53"/>
+    <p:sldId id="314" r:id="rId54"/>
+    <p:sldId id="315" r:id="rId55"/>
+    <p:sldId id="316" r:id="rId56"/>
+    <p:sldId id="317" r:id="rId57"/>
+    <p:sldId id="318" r:id="rId58"/>
+    <p:sldId id="319" r:id="rId59"/>
+    <p:sldId id="320" r:id="rId60"/>
+    <p:sldId id="321" r:id="rId61"/>
+    <p:sldId id="322" r:id="rId62"/>
+    <p:sldId id="323" r:id="rId63"/>
+    <p:sldId id="324" r:id="rId64"/>
+    <p:sldId id="325" r:id="rId65"/>
+    <p:sldId id="328" r:id="rId66"/>
+    <p:sldId id="329" r:id="rId67"/>
+    <p:sldId id="258" r:id="rId68"/>
+    <p:sldId id="259" r:id="rId69"/>
   </p:sldIdLst>
   <p:sldSz cx="12192000" cy="6858000"/>
   <p:notesSz cx="6858000" cy="9144000"/>
@@ -251,7 +250,6 @@
             <p14:sldId id="307"/>
             <p14:sldId id="308"/>
             <p14:sldId id="309"/>
-            <p14:sldId id="310"/>
             <p14:sldId id="312"/>
             <p14:sldId id="311"/>
             <p14:sldId id="313"/>
@@ -288,7 +286,7 @@
       </p14:sectionLst>
     </p:ext>
     <p:ext uri="{EFAFB233-063F-42B5-8137-9DF3F51BA10A}">
-      <p15:sldGuideLst xmlns:p15="http://schemas.microsoft.com/office/powerpoint/2012/main" xmlns="">
+      <p15:sldGuideLst xmlns:p15="http://schemas.microsoft.com/office/powerpoint/2012/main">
         <p15:guide id="1" orient="horz" pos="2160">
           <p15:clr>
             <a:srgbClr val="A4A3A4"/>
@@ -302,7 +300,7 @@
       </p15:sldGuideLst>
     </p:ext>
     <p:ext uri="{2D200454-40CA-4A62-9FC3-DE9A4176ACB9}">
-      <p15:notesGuideLst xmlns:p15="http://schemas.microsoft.com/office/powerpoint/2012/main" xmlns=""/>
+      <p15:notesGuideLst xmlns:p15="http://schemas.microsoft.com/office/powerpoint/2012/main"/>
     </p:ext>
   </p:extLst>
 </p:presentation>
@@ -398,7 +396,7 @@
                   <a:schemeClr val="tx2"/>
                 </a:solidFill>
               </a:rPr>
-              <a:t>22.02.2018</a:t>
+              <a:t>27.03.2018</a:t>
             </a:fld>
             <a:endParaRPr lang="de-DE">
               <a:solidFill>
@@ -748,7 +746,7 @@
             <a:fld id="{B4113CCE-1A1A-46DB-884A-AE560F65C3AF}" type="datetimeFigureOut">
               <a:rPr lang="de-DE" smtClean="0"/>
               <a:pPr/>
-              <a:t>22.02.2018</a:t>
+              <a:t>27.03.2018</a:t>
             </a:fld>
             <a:endParaRPr lang="de-DE"/>
           </a:p>
@@ -2446,7 +2444,7 @@
             <a:fld id="{927DBD90-B360-417B-B4B3-F05A4AFC1996}" type="slidenum">
               <a:rPr lang="de-DE" smtClean="0"/>
               <a:pPr/>
-              <a:t>58</a:t>
+              <a:t>59</a:t>
             </a:fld>
             <a:endParaRPr lang="de-DE"/>
           </a:p>
@@ -2896,7 +2894,7 @@
             <a:fld id="{927DBD90-B360-417B-B4B3-F05A4AFC1996}" type="slidenum">
               <a:rPr lang="de-DE" smtClean="0"/>
               <a:pPr/>
-              <a:t>64</a:t>
+              <a:t>65</a:t>
             </a:fld>
             <a:endParaRPr lang="de-DE"/>
           </a:p>
@@ -2964,7 +2962,7 @@
           <a:bodyPr/>
           <a:lstStyle/>
           <a:p>
-            <a:endParaRPr lang="de-DE" dirty="0"/>
+            <a:endParaRPr lang="de-DE"/>
           </a:p>
         </p:txBody>
       </p:sp>
@@ -2985,97 +2983,7 @@
           <a:p>
             <a:fld id="{927DBD90-B360-417B-B4B3-F05A4AFC1996}" type="slidenum">
               <a:rPr lang="de-DE" smtClean="0"/>
-              <a:pPr/>
-              <a:t>66</a:t>
-            </a:fld>
-            <a:endParaRPr lang="de-DE"/>
-          </a:p>
-        </p:txBody>
-      </p:sp>
-    </p:spTree>
-    <p:extLst>
-      <p:ext uri="{BB962C8B-B14F-4D97-AF65-F5344CB8AC3E}">
-        <p14:creationId xmlns:p14="http://schemas.microsoft.com/office/powerpoint/2010/main" val="910095642"/>
-      </p:ext>
-    </p:extLst>
-  </p:cSld>
-  <p:clrMapOvr>
-    <a:masterClrMapping/>
-  </p:clrMapOvr>
-</p:notes>
-</file>
-
-<file path=ppt/notesSlides/notesSlide28.xml><?xml version="1.0" encoding="utf-8"?>
-<p:notes xmlns:a="http://schemas.openxmlformats.org/drawingml/2006/main" xmlns:r="http://schemas.openxmlformats.org/officeDocument/2006/relationships" xmlns:p="http://schemas.openxmlformats.org/presentationml/2006/main">
-  <p:cSld>
-    <p:spTree>
-      <p:nvGrpSpPr>
-        <p:cNvPr id="1" name=""/>
-        <p:cNvGrpSpPr/>
-        <p:nvPr/>
-      </p:nvGrpSpPr>
-      <p:grpSpPr>
-        <a:xfrm>
-          <a:off x="0" y="0"/>
-          <a:ext cx="0" cy="0"/>
-          <a:chOff x="0" y="0"/>
-          <a:chExt cx="0" cy="0"/>
-        </a:xfrm>
-      </p:grpSpPr>
-      <p:sp>
-        <p:nvSpPr>
-          <p:cNvPr id="2" name="Folienbildplatzhalter 1"/>
-          <p:cNvSpPr>
-            <a:spLocks noGrp="1" noRot="1" noChangeAspect="1"/>
-          </p:cNvSpPr>
-          <p:nvPr>
-            <p:ph type="sldImg"/>
-          </p:nvPr>
-        </p:nvSpPr>
-        <p:spPr>
-          <a:xfrm>
-            <a:off x="685800" y="1143000"/>
-            <a:ext cx="4270375" cy="2401888"/>
-          </a:xfrm>
-        </p:spPr>
-      </p:sp>
-      <p:sp>
-        <p:nvSpPr>
-          <p:cNvPr id="3" name="Notizenplatzhalter 2"/>
-          <p:cNvSpPr>
-            <a:spLocks noGrp="1"/>
-          </p:cNvSpPr>
-          <p:nvPr>
-            <p:ph type="body" idx="1"/>
-          </p:nvPr>
-        </p:nvSpPr>
-        <p:spPr/>
-        <p:txBody>
-          <a:bodyPr/>
-          <a:lstStyle/>
-          <a:p>
-            <a:endParaRPr lang="de-DE"/>
-          </a:p>
-        </p:txBody>
-      </p:sp>
-      <p:sp>
-        <p:nvSpPr>
-          <p:cNvPr id="4" name="Foliennummernplatzhalter 3"/>
-          <p:cNvSpPr>
-            <a:spLocks noGrp="1"/>
-          </p:cNvSpPr>
-          <p:nvPr>
-            <p:ph type="sldNum" sz="quarter" idx="10"/>
-          </p:nvPr>
-        </p:nvSpPr>
-        <p:spPr/>
-        <p:txBody>
-          <a:bodyPr/>
-          <a:lstStyle/>
-          <a:p>
-            <a:fld id="{927DBD90-B360-417B-B4B3-F05A4AFC1996}" type="slidenum">
-              <a:rPr lang="de-DE" smtClean="0"/>
-              <a:t>68</a:t>
+              <a:t>67</a:t>
             </a:fld>
             <a:endParaRPr lang="de-DE"/>
           </a:p>
@@ -3861,9 +3769,9 @@
           <a:bodyPr/>
           <a:lstStyle/>
           <a:p>
-            <a:fld id="{5668DB08-6D5D-4358-AE5C-396FD458C01C}" type="datetime1">
+            <a:fld id="{B629FF5D-C1A5-48C8-8545-07B501EE72D4}" type="datetime1">
               <a:rPr lang="de-DE" smtClean="0"/>
-              <a:t>22.02.2018</a:t>
+              <a:t>27.03.2018</a:t>
             </a:fld>
             <a:endParaRPr lang="de-DE"/>
           </a:p>
@@ -3884,6 +3792,10 @@
           <a:bodyPr/>
           <a:lstStyle/>
           <a:p>
+            <a:r>
+              <a:rPr lang="de-DE" smtClean="0"/>
+              <a:t>Python Einführung</a:t>
+            </a:r>
             <a:endParaRPr lang="de-DE"/>
           </a:p>
         </p:txBody>
@@ -3990,9 +3902,9 @@
           <a:bodyPr/>
           <a:lstStyle/>
           <a:p>
-            <a:fld id="{D3B4AE11-6847-4A98-9145-2F7B754CAADC}" type="datetime1">
+            <a:fld id="{E187AA6A-184D-40F7-A482-E244A841FFB7}" type="datetime1">
               <a:rPr lang="de-DE" smtClean="0"/>
-              <a:t>22.02.2018</a:t>
+              <a:t>27.03.2018</a:t>
             </a:fld>
             <a:endParaRPr lang="de-DE"/>
           </a:p>
@@ -4013,6 +3925,10 @@
           <a:bodyPr/>
           <a:lstStyle/>
           <a:p>
+            <a:r>
+              <a:rPr lang="de-DE" smtClean="0"/>
+              <a:t>Python Einführung</a:t>
+            </a:r>
             <a:endParaRPr lang="de-DE"/>
           </a:p>
         </p:txBody>
@@ -4253,9 +4169,9 @@
           <a:bodyPr/>
           <a:lstStyle/>
           <a:p>
-            <a:fld id="{370BF3C0-B30A-4C1B-8D77-1643351BA654}" type="datetime1">
+            <a:fld id="{EF4D3471-921C-4F2B-95F2-45CF9F80E55E}" type="datetime1">
               <a:rPr lang="de-DE" smtClean="0"/>
-              <a:t>22.02.2018</a:t>
+              <a:t>27.03.2018</a:t>
             </a:fld>
             <a:endParaRPr lang="de-DE"/>
           </a:p>
@@ -4276,6 +4192,10 @@
           <a:bodyPr/>
           <a:lstStyle/>
           <a:p>
+            <a:r>
+              <a:rPr lang="de-DE" smtClean="0"/>
+              <a:t>Python Einführung</a:t>
+            </a:r>
             <a:endParaRPr lang="de-DE"/>
           </a:p>
         </p:txBody>
@@ -4430,9 +4350,9 @@
           <a:bodyPr/>
           <a:lstStyle/>
           <a:p>
-            <a:fld id="{D3B4AE11-6847-4A98-9145-2F7B754CAADC}" type="datetime1">
+            <a:fld id="{98DD8D00-4265-43DF-9C4A-DE9BEC1EA000}" type="datetime1">
               <a:rPr lang="de-DE" smtClean="0"/>
-              <a:t>22.02.2018</a:t>
+              <a:t>27.03.2018</a:t>
             </a:fld>
             <a:endParaRPr lang="de-DE"/>
           </a:p>
@@ -4453,6 +4373,10 @@
           <a:bodyPr/>
           <a:lstStyle/>
           <a:p>
+            <a:r>
+              <a:rPr lang="de-DE" smtClean="0"/>
+              <a:t>Python Einführung</a:t>
+            </a:r>
             <a:endParaRPr lang="de-DE"/>
           </a:p>
         </p:txBody>
@@ -4555,9 +4479,9 @@
           <a:bodyPr/>
           <a:lstStyle/>
           <a:p>
-            <a:fld id="{66162358-0BE0-4BA6-ACD2-EEBFB8271CB2}" type="datetime1">
+            <a:fld id="{B2FF20D5-ABA5-4FD3-B0E4-58D845B14A52}" type="datetime1">
               <a:rPr lang="de-DE" smtClean="0"/>
-              <a:t>22.02.2018</a:t>
+              <a:t>27.03.2018</a:t>
             </a:fld>
             <a:endParaRPr lang="de-DE"/>
           </a:p>
@@ -4578,6 +4502,10 @@
           <a:bodyPr/>
           <a:lstStyle/>
           <a:p>
+            <a:r>
+              <a:rPr lang="de-DE" smtClean="0"/>
+              <a:t>Python Einführung</a:t>
+            </a:r>
             <a:endParaRPr lang="de-DE"/>
           </a:p>
         </p:txBody>
@@ -4657,9 +4585,9 @@
           <a:bodyPr/>
           <a:lstStyle/>
           <a:p>
-            <a:fld id="{1D22AB36-A5A8-4D1A-9D03-02AEA6BC62BE}" type="datetime1">
+            <a:fld id="{1BFEE2EF-8B70-47BE-8C03-E08F3A67F2E6}" type="datetime1">
               <a:rPr lang="de-DE" smtClean="0"/>
-              <a:t>22.02.2018</a:t>
+              <a:t>27.03.2018</a:t>
             </a:fld>
             <a:endParaRPr lang="de-DE"/>
           </a:p>
@@ -4680,6 +4608,10 @@
           <a:bodyPr/>
           <a:lstStyle/>
           <a:p>
+            <a:r>
+              <a:rPr lang="de-DE" smtClean="0"/>
+              <a:t>Python Einführung</a:t>
+            </a:r>
             <a:endParaRPr lang="de-DE"/>
           </a:p>
         </p:txBody>
@@ -4786,9 +4718,9 @@
           <a:bodyPr/>
           <a:lstStyle/>
           <a:p>
-            <a:fld id="{66162358-0BE0-4BA6-ACD2-EEBFB8271CB2}" type="datetime1">
+            <a:fld id="{CDF945CE-5888-4C05-BE25-1B858D440F1B}" type="datetime1">
               <a:rPr lang="de-DE" smtClean="0"/>
-              <a:t>22.02.2018</a:t>
+              <a:t>27.03.2018</a:t>
             </a:fld>
             <a:endParaRPr lang="de-DE"/>
           </a:p>
@@ -4809,6 +4741,10 @@
           <a:bodyPr/>
           <a:lstStyle/>
           <a:p>
+            <a:r>
+              <a:rPr lang="de-DE" smtClean="0"/>
+              <a:t>Python Einführung</a:t>
+            </a:r>
             <a:endParaRPr lang="de-DE"/>
           </a:p>
         </p:txBody>
@@ -4939,9 +4875,9 @@
           <a:bodyPr/>
           <a:lstStyle/>
           <a:p>
-            <a:fld id="{66162358-0BE0-4BA6-ACD2-EEBFB8271CB2}" type="datetime1">
+            <a:fld id="{93E9CE4B-3359-4535-8239-A69CF3DCEA4F}" type="datetime1">
               <a:rPr lang="de-DE" smtClean="0"/>
-              <a:t>22.02.2018</a:t>
+              <a:t>27.03.2018</a:t>
             </a:fld>
             <a:endParaRPr lang="de-DE"/>
           </a:p>
@@ -4962,6 +4898,10 @@
           <a:bodyPr/>
           <a:lstStyle/>
           <a:p>
+            <a:r>
+              <a:rPr lang="de-DE" smtClean="0"/>
+              <a:t>Python Einführung</a:t>
+            </a:r>
             <a:endParaRPr lang="de-DE"/>
           </a:p>
         </p:txBody>
@@ -5144,9 +5084,9 @@
           <a:bodyPr/>
           <a:lstStyle/>
           <a:p>
-            <a:fld id="{D3B4AE11-6847-4A98-9145-2F7B754CAADC}" type="datetime1">
+            <a:fld id="{35926458-0D16-4690-8BEF-D69D90335FEC}" type="datetime1">
               <a:rPr lang="de-DE" smtClean="0"/>
-              <a:t>22.02.2018</a:t>
+              <a:t>27.03.2018</a:t>
             </a:fld>
             <a:endParaRPr lang="de-DE"/>
           </a:p>
@@ -5167,6 +5107,10 @@
           <a:bodyPr/>
           <a:lstStyle/>
           <a:p>
+            <a:r>
+              <a:rPr lang="de-DE" smtClean="0"/>
+              <a:t>Python Einführung</a:t>
+            </a:r>
             <a:endParaRPr lang="de-DE"/>
           </a:p>
         </p:txBody>
@@ -5349,9 +5293,9 @@
           <a:bodyPr/>
           <a:lstStyle/>
           <a:p>
-            <a:fld id="{D3B4AE11-6847-4A98-9145-2F7B754CAADC}" type="datetime1">
+            <a:fld id="{8C4C0ABC-76E8-4FF4-86A8-DEC3D511F3B2}" type="datetime1">
               <a:rPr lang="de-DE" smtClean="0"/>
-              <a:t>22.02.2018</a:t>
+              <a:t>27.03.2018</a:t>
             </a:fld>
             <a:endParaRPr lang="de-DE"/>
           </a:p>
@@ -5372,6 +5316,10 @@
           <a:bodyPr/>
           <a:lstStyle/>
           <a:p>
+            <a:r>
+              <a:rPr lang="de-DE" smtClean="0"/>
+              <a:t>Python Einführung</a:t>
+            </a:r>
             <a:endParaRPr lang="de-DE"/>
           </a:p>
         </p:txBody>
@@ -5770,9 +5718,9 @@
             </a:lvl1pPr>
           </a:lstStyle>
           <a:p>
-            <a:fld id="{41B3E432-A8CC-4748-A6DA-9139F488DEFA}" type="datetime1">
+            <a:fld id="{ED031EB9-BFFC-4756-816A-B229AB007552}" type="datetime1">
               <a:rPr lang="de-DE" smtClean="0"/>
-              <a:t>22.02.2018</a:t>
+              <a:t>27.03.2018</a:t>
             </a:fld>
             <a:endParaRPr lang="de-DE" dirty="0"/>
           </a:p>
@@ -5813,6 +5761,10 @@
             </a:lvl1pPr>
           </a:lstStyle>
           <a:p>
+            <a:r>
+              <a:rPr lang="de-DE" smtClean="0"/>
+              <a:t>Python Einführung</a:t>
+            </a:r>
             <a:endParaRPr lang="de-DE" dirty="0"/>
           </a:p>
         </p:txBody>
@@ -6350,9 +6302,9 @@
             </a:lvl1pPr>
           </a:lstStyle>
           <a:p>
-            <a:fld id="{8133AAB3-7E43-4D18-9687-C9B86796928A}" type="datetime1">
+            <a:fld id="{A82F6A88-870F-42E1-80C8-044E8549C5CE}" type="datetime1">
               <a:rPr lang="de-DE" smtClean="0"/>
-              <a:t>22.02.2018</a:t>
+              <a:t>27.03.2018</a:t>
             </a:fld>
             <a:endParaRPr lang="de-DE" dirty="0"/>
           </a:p>
@@ -6393,6 +6345,10 @@
             </a:lvl1pPr>
           </a:lstStyle>
           <a:p>
+            <a:r>
+              <a:rPr lang="de-DE" smtClean="0"/>
+              <a:t>Python Einführung</a:t>
+            </a:r>
             <a:endParaRPr lang="de-DE" dirty="0"/>
           </a:p>
         </p:txBody>
@@ -6985,9 +6941,9 @@
           <a:bodyPr/>
           <a:lstStyle/>
           <a:p>
-            <a:fld id="{F2482ABC-DB64-4C92-ABD6-EA2277CE154E}" type="datetime1">
+            <a:fld id="{CE0EB4A9-3129-4D94-9276-6EFCF725FEB5}" type="datetime1">
               <a:rPr lang="de-DE" smtClean="0"/>
-              <a:t>22.02.2018</a:t>
+              <a:t>27.03.2018</a:t>
             </a:fld>
             <a:endParaRPr lang="de-DE"/>
           </a:p>
@@ -7008,6 +6964,10 @@
           <a:bodyPr/>
           <a:lstStyle/>
           <a:p>
+            <a:r>
+              <a:rPr lang="de-DE" smtClean="0"/>
+              <a:t>Python Einführung</a:t>
+            </a:r>
             <a:endParaRPr lang="de-DE"/>
           </a:p>
         </p:txBody>
@@ -7278,9 +7238,9 @@
           <a:bodyPr/>
           <a:lstStyle/>
           <a:p>
-            <a:fld id="{D3B4AE11-6847-4A98-9145-2F7B754CAADC}" type="datetime1">
+            <a:fld id="{5B0789DE-66C1-462D-B123-D68992F3079E}" type="datetime1">
               <a:rPr lang="de-DE" smtClean="0"/>
-              <a:t>22.02.2018</a:t>
+              <a:t>27.03.2018</a:t>
             </a:fld>
             <a:endParaRPr lang="de-DE"/>
           </a:p>
@@ -7301,6 +7261,10 @@
           <a:bodyPr/>
           <a:lstStyle/>
           <a:p>
+            <a:r>
+              <a:rPr lang="de-DE" smtClean="0"/>
+              <a:t>Python Einführung</a:t>
+            </a:r>
             <a:endParaRPr lang="de-DE"/>
           </a:p>
         </p:txBody>
@@ -7994,9 +7958,9 @@
           <a:bodyPr/>
           <a:lstStyle/>
           <a:p>
-            <a:fld id="{905A4CF4-35CC-4668-96ED-1D8C985AD6DE}" type="datetime1">
+            <a:fld id="{FCDD2878-FDDA-4B94-AD4A-3654FDC7BCE4}" type="datetime1">
               <a:rPr lang="de-DE" smtClean="0"/>
-              <a:t>22.02.2018</a:t>
+              <a:t>27.03.2018</a:t>
             </a:fld>
             <a:endParaRPr lang="de-DE"/>
           </a:p>
@@ -8017,6 +7981,10 @@
           <a:bodyPr/>
           <a:lstStyle/>
           <a:p>
+            <a:r>
+              <a:rPr lang="de-DE" smtClean="0"/>
+              <a:t>Python Einführung</a:t>
+            </a:r>
             <a:endParaRPr lang="de-DE"/>
           </a:p>
         </p:txBody>
@@ -8212,9 +8180,9 @@
           <a:bodyPr/>
           <a:lstStyle/>
           <a:p>
-            <a:fld id="{D3B4AE11-6847-4A98-9145-2F7B754CAADC}" type="datetime1">
+            <a:fld id="{906FEFF6-09FF-4C5D-A998-E24E28A3AE2F}" type="datetime1">
               <a:rPr lang="de-DE" smtClean="0"/>
-              <a:t>22.02.2018</a:t>
+              <a:t>27.03.2018</a:t>
             </a:fld>
             <a:endParaRPr lang="de-DE"/>
           </a:p>
@@ -8235,6 +8203,10 @@
           <a:bodyPr/>
           <a:lstStyle/>
           <a:p>
+            <a:r>
+              <a:rPr lang="de-DE" smtClean="0"/>
+              <a:t>Python Einführung</a:t>
+            </a:r>
             <a:endParaRPr lang="de-DE"/>
           </a:p>
         </p:txBody>
@@ -8433,9 +8405,9 @@
           <a:bodyPr/>
           <a:lstStyle/>
           <a:p>
-            <a:fld id="{D3B4AE11-6847-4A98-9145-2F7B754CAADC}" type="datetime1">
+            <a:fld id="{9D3752BF-127A-43A1-9997-CD734D7352E5}" type="datetime1">
               <a:rPr lang="de-DE" smtClean="0"/>
-              <a:t>22.02.2018</a:t>
+              <a:t>27.03.2018</a:t>
             </a:fld>
             <a:endParaRPr lang="de-DE"/>
           </a:p>
@@ -8456,6 +8428,10 @@
           <a:bodyPr/>
           <a:lstStyle/>
           <a:p>
+            <a:r>
+              <a:rPr lang="de-DE" smtClean="0"/>
+              <a:t>Python Einführung</a:t>
+            </a:r>
             <a:endParaRPr lang="de-DE" dirty="0"/>
           </a:p>
         </p:txBody>
@@ -8730,9 +8706,9 @@
           <a:bodyPr/>
           <a:lstStyle/>
           <a:p>
-            <a:fld id="{D3B4AE11-6847-4A98-9145-2F7B754CAADC}" type="datetime1">
+            <a:fld id="{92A8BBDF-07DD-4D85-AA35-D770B117BEF8}" type="datetime1">
               <a:rPr lang="de-DE" smtClean="0"/>
-              <a:t>22.02.2018</a:t>
+              <a:t>27.03.2018</a:t>
             </a:fld>
             <a:endParaRPr lang="de-DE"/>
           </a:p>
@@ -8753,6 +8729,10 @@
           <a:bodyPr/>
           <a:lstStyle/>
           <a:p>
+            <a:r>
+              <a:rPr lang="de-DE" smtClean="0"/>
+              <a:t>Python Einführung</a:t>
+            </a:r>
             <a:endParaRPr lang="de-DE" dirty="0"/>
           </a:p>
         </p:txBody>
@@ -9033,9 +9013,9 @@
           <a:bodyPr/>
           <a:lstStyle/>
           <a:p>
-            <a:fld id="{D3B4AE11-6847-4A98-9145-2F7B754CAADC}" type="datetime1">
+            <a:fld id="{32A94186-FFAA-4919-B83F-24FAACFCEBBE}" type="datetime1">
               <a:rPr lang="de-DE" smtClean="0"/>
-              <a:t>22.02.2018</a:t>
+              <a:t>27.03.2018</a:t>
             </a:fld>
             <a:endParaRPr lang="de-DE"/>
           </a:p>
@@ -9056,6 +9036,10 @@
           <a:bodyPr/>
           <a:lstStyle/>
           <a:p>
+            <a:r>
+              <a:rPr lang="de-DE" smtClean="0"/>
+              <a:t>Python Einführung</a:t>
+            </a:r>
             <a:endParaRPr lang="de-DE" dirty="0"/>
           </a:p>
         </p:txBody>
@@ -9285,9 +9269,9 @@
           <a:bodyPr/>
           <a:lstStyle/>
           <a:p>
-            <a:fld id="{905A4CF4-35CC-4668-96ED-1D8C985AD6DE}" type="datetime1">
+            <a:fld id="{0063BDC9-36CC-4D04-BB12-AAD2D8A5421B}" type="datetime1">
               <a:rPr lang="de-DE" smtClean="0"/>
-              <a:t>22.02.2018</a:t>
+              <a:t>27.03.2018</a:t>
             </a:fld>
             <a:endParaRPr lang="de-DE"/>
           </a:p>
@@ -9308,6 +9292,10 @@
           <a:bodyPr/>
           <a:lstStyle/>
           <a:p>
+            <a:r>
+              <a:rPr lang="de-DE" smtClean="0"/>
+              <a:t>Python Einführung</a:t>
+            </a:r>
             <a:endParaRPr lang="de-DE"/>
           </a:p>
         </p:txBody>
@@ -9528,9 +9516,9 @@
           <a:bodyPr/>
           <a:lstStyle/>
           <a:p>
-            <a:fld id="{D3B4AE11-6847-4A98-9145-2F7B754CAADC}" type="datetime1">
+            <a:fld id="{83468713-7584-40CF-B812-011DDBE4027E}" type="datetime1">
               <a:rPr lang="de-DE" smtClean="0"/>
-              <a:t>22.02.2018</a:t>
+              <a:t>27.03.2018</a:t>
             </a:fld>
             <a:endParaRPr lang="de-DE"/>
           </a:p>
@@ -9551,6 +9539,10 @@
           <a:bodyPr/>
           <a:lstStyle/>
           <a:p>
+            <a:r>
+              <a:rPr lang="de-DE" smtClean="0"/>
+              <a:t>Python Einführung</a:t>
+            </a:r>
             <a:endParaRPr lang="de-DE" dirty="0"/>
           </a:p>
         </p:txBody>
@@ -10482,9 +10474,9 @@
           <a:bodyPr/>
           <a:lstStyle/>
           <a:p>
-            <a:fld id="{D3B4AE11-6847-4A98-9145-2F7B754CAADC}" type="datetime1">
+            <a:fld id="{A593EC17-1A47-412F-8CE6-B549CABBD4A8}" type="datetime1">
               <a:rPr lang="de-DE" smtClean="0"/>
-              <a:t>22.02.2018</a:t>
+              <a:t>27.03.2018</a:t>
             </a:fld>
             <a:endParaRPr lang="de-DE"/>
           </a:p>
@@ -10505,6 +10497,10 @@
           <a:bodyPr/>
           <a:lstStyle/>
           <a:p>
+            <a:r>
+              <a:rPr lang="de-DE" smtClean="0"/>
+              <a:t>Python Einführung</a:t>
+            </a:r>
             <a:endParaRPr lang="de-DE" dirty="0"/>
           </a:p>
         </p:txBody>
@@ -10742,9 +10738,9 @@
           <a:bodyPr/>
           <a:lstStyle/>
           <a:p>
-            <a:fld id="{D3B4AE11-6847-4A98-9145-2F7B754CAADC}" type="datetime1">
+            <a:fld id="{3EFE85D8-2AAB-493B-BF38-280230E506B2}" type="datetime1">
               <a:rPr lang="de-DE" smtClean="0"/>
-              <a:t>22.02.2018</a:t>
+              <a:t>27.03.2018</a:t>
             </a:fld>
             <a:endParaRPr lang="de-DE"/>
           </a:p>
@@ -10765,6 +10761,10 @@
           <a:bodyPr/>
           <a:lstStyle/>
           <a:p>
+            <a:r>
+              <a:rPr lang="de-DE" smtClean="0"/>
+              <a:t>Python Einführung</a:t>
+            </a:r>
             <a:endParaRPr lang="de-DE" dirty="0"/>
           </a:p>
         </p:txBody>
@@ -10928,9 +10928,9 @@
           <a:bodyPr/>
           <a:lstStyle/>
           <a:p>
-            <a:fld id="{905A4CF4-35CC-4668-96ED-1D8C985AD6DE}" type="datetime1">
+            <a:fld id="{0E7DC1E0-BDA5-44C8-9CB7-0226ECCB4287}" type="datetime1">
               <a:rPr lang="de-DE" smtClean="0"/>
-              <a:t>22.02.2018</a:t>
+              <a:t>27.03.2018</a:t>
             </a:fld>
             <a:endParaRPr lang="de-DE"/>
           </a:p>
@@ -10951,6 +10951,10 @@
           <a:bodyPr/>
           <a:lstStyle/>
           <a:p>
+            <a:r>
+              <a:rPr lang="de-DE" smtClean="0"/>
+              <a:t>Python Einführung</a:t>
+            </a:r>
             <a:endParaRPr lang="de-DE"/>
           </a:p>
         </p:txBody>
@@ -11206,9 +11210,9 @@
           <a:bodyPr/>
           <a:lstStyle/>
           <a:p>
-            <a:fld id="{D3B4AE11-6847-4A98-9145-2F7B754CAADC}" type="datetime1">
+            <a:fld id="{1F15A383-2A7D-442F-A80A-F698B5F779ED}" type="datetime1">
               <a:rPr lang="de-DE" smtClean="0"/>
-              <a:t>22.02.2018</a:t>
+              <a:t>27.03.2018</a:t>
             </a:fld>
             <a:endParaRPr lang="de-DE"/>
           </a:p>
@@ -11229,6 +11233,10 @@
           <a:bodyPr/>
           <a:lstStyle/>
           <a:p>
+            <a:r>
+              <a:rPr lang="de-DE" smtClean="0"/>
+              <a:t>Python Einführung</a:t>
+            </a:r>
             <a:endParaRPr lang="de-DE" dirty="0"/>
           </a:p>
         </p:txBody>
@@ -11516,9 +11524,9 @@
           <a:bodyPr/>
           <a:lstStyle/>
           <a:p>
-            <a:fld id="{D3B4AE11-6847-4A98-9145-2F7B754CAADC}" type="datetime1">
+            <a:fld id="{17A47A22-FB29-4A9E-B830-EB8CE7EF8B44}" type="datetime1">
               <a:rPr lang="de-DE" smtClean="0"/>
-              <a:t>22.02.2018</a:t>
+              <a:t>27.03.2018</a:t>
             </a:fld>
             <a:endParaRPr lang="de-DE"/>
           </a:p>
@@ -11539,6 +11547,10 @@
           <a:bodyPr/>
           <a:lstStyle/>
           <a:p>
+            <a:r>
+              <a:rPr lang="de-DE" smtClean="0"/>
+              <a:t>Python Einführung</a:t>
+            </a:r>
             <a:endParaRPr lang="de-DE" dirty="0"/>
           </a:p>
         </p:txBody>
@@ -11816,9 +11828,9 @@
           <a:bodyPr/>
           <a:lstStyle/>
           <a:p>
-            <a:fld id="{D3B4AE11-6847-4A98-9145-2F7B754CAADC}" type="datetime1">
+            <a:fld id="{249F8F50-D413-4C42-B728-AB71DB385A94}" type="datetime1">
               <a:rPr lang="de-DE" smtClean="0"/>
-              <a:t>22.02.2018</a:t>
+              <a:t>27.03.2018</a:t>
             </a:fld>
             <a:endParaRPr lang="de-DE"/>
           </a:p>
@@ -11839,6 +11851,10 @@
           <a:bodyPr/>
           <a:lstStyle/>
           <a:p>
+            <a:r>
+              <a:rPr lang="de-DE" smtClean="0"/>
+              <a:t>Python Einführung</a:t>
+            </a:r>
             <a:endParaRPr lang="de-DE" dirty="0"/>
           </a:p>
         </p:txBody>
@@ -12052,9 +12068,9 @@
           <a:bodyPr/>
           <a:lstStyle/>
           <a:p>
-            <a:fld id="{905A4CF4-35CC-4668-96ED-1D8C985AD6DE}" type="datetime1">
+            <a:fld id="{E522CA18-9E0F-4B52-BD09-5C88C5CAA05F}" type="datetime1">
               <a:rPr lang="de-DE" smtClean="0"/>
-              <a:t>22.02.2018</a:t>
+              <a:t>27.03.2018</a:t>
             </a:fld>
             <a:endParaRPr lang="de-DE"/>
           </a:p>
@@ -12075,6 +12091,10 @@
           <a:bodyPr/>
           <a:lstStyle/>
           <a:p>
+            <a:r>
+              <a:rPr lang="de-DE" smtClean="0"/>
+              <a:t>Python Einführung</a:t>
+            </a:r>
             <a:endParaRPr lang="de-DE"/>
           </a:p>
         </p:txBody>
@@ -12320,9 +12340,9 @@
           <a:bodyPr/>
           <a:lstStyle/>
           <a:p>
-            <a:fld id="{D3B4AE11-6847-4A98-9145-2F7B754CAADC}" type="datetime1">
+            <a:fld id="{7F662C5E-2FD1-46D7-BED1-038091AD8DAE}" type="datetime1">
               <a:rPr lang="de-DE" smtClean="0"/>
-              <a:t>22.02.2018</a:t>
+              <a:t>27.03.2018</a:t>
             </a:fld>
             <a:endParaRPr lang="de-DE"/>
           </a:p>
@@ -12343,6 +12363,10 @@
           <a:bodyPr/>
           <a:lstStyle/>
           <a:p>
+            <a:r>
+              <a:rPr lang="de-DE" smtClean="0"/>
+              <a:t>Python Einführung</a:t>
+            </a:r>
             <a:endParaRPr lang="de-DE" dirty="0"/>
           </a:p>
         </p:txBody>
@@ -12586,9 +12610,9 @@
           <a:bodyPr/>
           <a:lstStyle/>
           <a:p>
-            <a:fld id="{D3B4AE11-6847-4A98-9145-2F7B754CAADC}" type="datetime1">
+            <a:fld id="{4447688E-1776-4428-B0A5-F175CECF7938}" type="datetime1">
               <a:rPr lang="de-DE" smtClean="0"/>
-              <a:t>22.02.2018</a:t>
+              <a:t>27.03.2018</a:t>
             </a:fld>
             <a:endParaRPr lang="de-DE"/>
           </a:p>
@@ -12609,6 +12633,10 @@
           <a:bodyPr/>
           <a:lstStyle/>
           <a:p>
+            <a:r>
+              <a:rPr lang="de-DE" smtClean="0"/>
+              <a:t>Python Einführung</a:t>
+            </a:r>
             <a:endParaRPr lang="de-DE" dirty="0"/>
           </a:p>
         </p:txBody>
@@ -12890,9 +12918,9 @@
           <a:bodyPr/>
           <a:lstStyle/>
           <a:p>
-            <a:fld id="{D3B4AE11-6847-4A98-9145-2F7B754CAADC}" type="datetime1">
+            <a:fld id="{56B33E50-8FD2-4CEE-972A-D49A363CE77B}" type="datetime1">
               <a:rPr lang="de-DE" smtClean="0"/>
-              <a:t>22.02.2018</a:t>
+              <a:t>27.03.2018</a:t>
             </a:fld>
             <a:endParaRPr lang="de-DE"/>
           </a:p>
@@ -12913,6 +12941,10 @@
           <a:bodyPr/>
           <a:lstStyle/>
           <a:p>
+            <a:r>
+              <a:rPr lang="de-DE" smtClean="0"/>
+              <a:t>Python Einführung</a:t>
+            </a:r>
             <a:endParaRPr lang="de-DE" dirty="0"/>
           </a:p>
         </p:txBody>
@@ -13296,9 +13328,9 @@
           <a:bodyPr/>
           <a:lstStyle/>
           <a:p>
-            <a:fld id="{D3B4AE11-6847-4A98-9145-2F7B754CAADC}" type="datetime1">
+            <a:fld id="{C1A449D8-E3B9-4E0B-9A9A-61F4E8B35412}" type="datetime1">
               <a:rPr lang="de-DE" smtClean="0"/>
-              <a:t>22.02.2018</a:t>
+              <a:t>27.03.2018</a:t>
             </a:fld>
             <a:endParaRPr lang="de-DE"/>
           </a:p>
@@ -13319,6 +13351,10 @@
           <a:bodyPr/>
           <a:lstStyle/>
           <a:p>
+            <a:r>
+              <a:rPr lang="de-DE" smtClean="0"/>
+              <a:t>Python Einführung</a:t>
+            </a:r>
             <a:endParaRPr lang="de-DE" dirty="0"/>
           </a:p>
         </p:txBody>
@@ -13765,9 +13801,9 @@
           <a:bodyPr/>
           <a:lstStyle/>
           <a:p>
-            <a:fld id="{D3B4AE11-6847-4A98-9145-2F7B754CAADC}" type="datetime1">
+            <a:fld id="{1EC4E88F-121A-4BCB-BF0E-D3797C910E03}" type="datetime1">
               <a:rPr lang="de-DE" smtClean="0"/>
-              <a:t>22.02.2018</a:t>
+              <a:t>27.03.2018</a:t>
             </a:fld>
             <a:endParaRPr lang="de-DE"/>
           </a:p>
@@ -13788,6 +13824,10 @@
           <a:bodyPr/>
           <a:lstStyle/>
           <a:p>
+            <a:r>
+              <a:rPr lang="de-DE" smtClean="0"/>
+              <a:t>Python Einführung</a:t>
+            </a:r>
             <a:endParaRPr lang="de-DE" dirty="0"/>
           </a:p>
         </p:txBody>
@@ -14334,9 +14374,9 @@
           <a:bodyPr/>
           <a:lstStyle/>
           <a:p>
-            <a:fld id="{D3B4AE11-6847-4A98-9145-2F7B754CAADC}" type="datetime1">
+            <a:fld id="{A8654AF1-82C6-4ADC-A7F2-B4AEE1A98348}" type="datetime1">
               <a:rPr lang="de-DE" smtClean="0"/>
-              <a:t>22.02.2018</a:t>
+              <a:t>27.03.2018</a:t>
             </a:fld>
             <a:endParaRPr lang="de-DE"/>
           </a:p>
@@ -14357,6 +14397,10 @@
           <a:bodyPr/>
           <a:lstStyle/>
           <a:p>
+            <a:r>
+              <a:rPr lang="de-DE" smtClean="0"/>
+              <a:t>Python Einführung</a:t>
+            </a:r>
             <a:endParaRPr lang="de-DE" dirty="0"/>
           </a:p>
         </p:txBody>
@@ -14576,9 +14620,9 @@
           <a:bodyPr/>
           <a:lstStyle/>
           <a:p>
-            <a:fld id="{905A4CF4-35CC-4668-96ED-1D8C985AD6DE}" type="datetime1">
+            <a:fld id="{F4EDD76D-7386-4666-A48C-D6F2DCD70B2B}" type="datetime1">
               <a:rPr lang="de-DE" smtClean="0"/>
-              <a:t>22.02.2018</a:t>
+              <a:t>27.03.2018</a:t>
             </a:fld>
             <a:endParaRPr lang="de-DE"/>
           </a:p>
@@ -14599,6 +14643,10 @@
           <a:bodyPr/>
           <a:lstStyle/>
           <a:p>
+            <a:r>
+              <a:rPr lang="de-DE" smtClean="0"/>
+              <a:t>Python Einführung</a:t>
+            </a:r>
             <a:endParaRPr lang="de-DE"/>
           </a:p>
         </p:txBody>
@@ -15022,9 +15070,9 @@
           <a:bodyPr/>
           <a:lstStyle/>
           <a:p>
-            <a:fld id="{D3B4AE11-6847-4A98-9145-2F7B754CAADC}" type="datetime1">
+            <a:fld id="{ACD76AD2-EB50-4CAA-B749-1CA7AD92AF96}" type="datetime1">
               <a:rPr lang="de-DE" smtClean="0"/>
-              <a:t>22.02.2018</a:t>
+              <a:t>27.03.2018</a:t>
             </a:fld>
             <a:endParaRPr lang="de-DE"/>
           </a:p>
@@ -15045,6 +15093,10 @@
           <a:bodyPr/>
           <a:lstStyle/>
           <a:p>
+            <a:r>
+              <a:rPr lang="de-DE" smtClean="0"/>
+              <a:t>Python Einführung</a:t>
+            </a:r>
             <a:endParaRPr lang="de-DE" dirty="0"/>
           </a:p>
         </p:txBody>
@@ -15346,9 +15398,9 @@
           <a:bodyPr/>
           <a:lstStyle/>
           <a:p>
-            <a:fld id="{D3B4AE11-6847-4A98-9145-2F7B754CAADC}" type="datetime1">
+            <a:fld id="{01FACE75-9AC0-4AFD-B75F-251826FD2CBC}" type="datetime1">
               <a:rPr lang="de-DE" smtClean="0"/>
-              <a:t>22.02.2018</a:t>
+              <a:t>27.03.2018</a:t>
             </a:fld>
             <a:endParaRPr lang="de-DE"/>
           </a:p>
@@ -15369,6 +15421,10 @@
           <a:bodyPr/>
           <a:lstStyle/>
           <a:p>
+            <a:r>
+              <a:rPr lang="de-DE" smtClean="0"/>
+              <a:t>Python Einführung</a:t>
+            </a:r>
             <a:endParaRPr lang="de-DE" dirty="0"/>
           </a:p>
         </p:txBody>
@@ -15729,9 +15785,9 @@
           <a:bodyPr/>
           <a:lstStyle/>
           <a:p>
-            <a:fld id="{D3B4AE11-6847-4A98-9145-2F7B754CAADC}" type="datetime1">
+            <a:fld id="{1C7419EF-796B-42D8-AB5A-3E8CCB0ED8CB}" type="datetime1">
               <a:rPr lang="de-DE" smtClean="0"/>
-              <a:t>22.02.2018</a:t>
+              <a:t>27.03.2018</a:t>
             </a:fld>
             <a:endParaRPr lang="de-DE"/>
           </a:p>
@@ -15752,6 +15808,10 @@
           <a:bodyPr/>
           <a:lstStyle/>
           <a:p>
+            <a:r>
+              <a:rPr lang="de-DE" smtClean="0"/>
+              <a:t>Python Einführung</a:t>
+            </a:r>
             <a:endParaRPr lang="de-DE" dirty="0"/>
           </a:p>
         </p:txBody>
@@ -16105,9 +16165,9 @@
           <a:bodyPr/>
           <a:lstStyle/>
           <a:p>
-            <a:fld id="{D3B4AE11-6847-4A98-9145-2F7B754CAADC}" type="datetime1">
+            <a:fld id="{212C206A-EE2D-4D5E-9C6B-9F484E460468}" type="datetime1">
               <a:rPr lang="de-DE" smtClean="0"/>
-              <a:t>22.02.2018</a:t>
+              <a:t>27.03.2018</a:t>
             </a:fld>
             <a:endParaRPr lang="de-DE"/>
           </a:p>
@@ -16128,6 +16188,10 @@
           <a:bodyPr/>
           <a:lstStyle/>
           <a:p>
+            <a:r>
+              <a:rPr lang="de-DE" smtClean="0"/>
+              <a:t>Python Einführung</a:t>
+            </a:r>
             <a:endParaRPr lang="de-DE" dirty="0"/>
           </a:p>
         </p:txBody>
@@ -16493,14 +16557,14 @@
                 </a:solidFill>
                 <a:ea typeface="+mj-ea"/>
               </a:rPr>
-              <a:t>\“</a:t>
+              <a:t>\"</a:t>
             </a:r>
             <a:r>
               <a:rPr lang="de-DE" dirty="0" smtClean="0"/>
               <a:t> , </a:t>
             </a:r>
             <a:r>
-              <a:rPr lang="de-DE" sz="2800" b="1" dirty="0">
+              <a:rPr lang="de-DE" sz="2800" b="1" dirty="0" smtClean="0">
                 <a:solidFill>
                   <a:schemeClr val="accent1">
                     <a:lumMod val="75000"/>
@@ -16508,36 +16572,7 @@
                 </a:solidFill>
                 <a:ea typeface="+mj-ea"/>
               </a:rPr>
-              <a:t>\‘</a:t>
-            </a:r>
-          </a:p>
-          <a:p>
-            <a:pPr lvl="1"/>
-            <a:r>
-              <a:rPr lang="de-DE" dirty="0" smtClean="0"/>
-              <a:t>Sonderzeichen aus Zeichentabelle (Unicode-Tabelle): </a:t>
-            </a:r>
-            <a:r>
-              <a:rPr lang="de-DE" sz="2800" b="1" dirty="0" smtClean="0">
-                <a:solidFill>
-                  <a:schemeClr val="accent1">
-                    <a:lumMod val="75000"/>
-                  </a:schemeClr>
-                </a:solidFill>
-                <a:ea typeface="+mj-ea"/>
-              </a:rPr>
-              <a:t>\</a:t>
-            </a:r>
-            <a:r>
-              <a:rPr lang="de-DE" sz="2800" b="1" dirty="0" err="1" smtClean="0">
-                <a:solidFill>
-                  <a:schemeClr val="accent1">
-                    <a:lumMod val="75000"/>
-                  </a:schemeClr>
-                </a:solidFill>
-                <a:ea typeface="+mj-ea"/>
-              </a:rPr>
-              <a:t>uhhhh</a:t>
+              <a:t>\'</a:t>
             </a:r>
             <a:endParaRPr lang="de-DE" sz="2800" b="1" dirty="0">
               <a:solidFill>
@@ -16549,6 +16584,43 @@
             </a:endParaRPr>
           </a:p>
           <a:p>
+            <a:pPr lvl="1"/>
+            <a:r>
+              <a:rPr lang="de-DE" dirty="0" smtClean="0"/>
+              <a:t>Sonderzeichen aus Zeichentabelle (Unicode-Tabelle): </a:t>
+            </a:r>
+            <a:r>
+              <a:rPr lang="de-DE" sz="2800" b="1" dirty="0" smtClean="0">
+                <a:solidFill>
+                  <a:schemeClr val="accent1">
+                    <a:lumMod val="75000"/>
+                  </a:schemeClr>
+                </a:solidFill>
+                <a:ea typeface="+mj-ea"/>
+              </a:rPr>
+              <a:t>\</a:t>
+            </a:r>
+            <a:r>
+              <a:rPr lang="de-DE" sz="2800" b="1" dirty="0" err="1" smtClean="0">
+                <a:solidFill>
+                  <a:schemeClr val="accent1">
+                    <a:lumMod val="75000"/>
+                  </a:schemeClr>
+                </a:solidFill>
+                <a:ea typeface="+mj-ea"/>
+              </a:rPr>
+              <a:t>uhhhh</a:t>
+            </a:r>
+            <a:endParaRPr lang="de-DE" sz="2800" b="1" dirty="0">
+              <a:solidFill>
+                <a:schemeClr val="accent1">
+                  <a:lumMod val="75000"/>
+                </a:schemeClr>
+              </a:solidFill>
+              <a:ea typeface="+mj-ea"/>
+            </a:endParaRPr>
+          </a:p>
+          <a:p>
             <a:pPr lvl="2"/>
             <a:r>
               <a:rPr lang="de-DE" dirty="0" smtClean="0"/>
@@ -16587,9 +16659,9 @@
           <a:bodyPr/>
           <a:lstStyle/>
           <a:p>
-            <a:fld id="{D3B4AE11-6847-4A98-9145-2F7B754CAADC}" type="datetime1">
+            <a:fld id="{4B25BD17-D927-49E2-B452-E213A9E194A6}" type="datetime1">
               <a:rPr lang="de-DE" smtClean="0"/>
-              <a:t>22.02.2018</a:t>
+              <a:t>27.03.2018</a:t>
             </a:fld>
             <a:endParaRPr lang="de-DE"/>
           </a:p>
@@ -16610,6 +16682,10 @@
           <a:bodyPr/>
           <a:lstStyle/>
           <a:p>
+            <a:r>
+              <a:rPr lang="de-DE" smtClean="0"/>
+              <a:t>Python Einführung</a:t>
+            </a:r>
             <a:endParaRPr lang="de-DE" dirty="0"/>
           </a:p>
         </p:txBody>
@@ -16953,9 +17029,9 @@
           <a:bodyPr/>
           <a:lstStyle/>
           <a:p>
-            <a:fld id="{D3B4AE11-6847-4A98-9145-2F7B754CAADC}" type="datetime1">
+            <a:fld id="{E1A6A946-6638-4186-B043-3EA9BD1D6DDA}" type="datetime1">
               <a:rPr lang="de-DE" smtClean="0"/>
-              <a:t>22.02.2018</a:t>
+              <a:t>27.03.2018</a:t>
             </a:fld>
             <a:endParaRPr lang="de-DE"/>
           </a:p>
@@ -16976,6 +17052,10 @@
           <a:bodyPr/>
           <a:lstStyle/>
           <a:p>
+            <a:r>
+              <a:rPr lang="de-DE" smtClean="0"/>
+              <a:t>Python Einführung</a:t>
+            </a:r>
             <a:endParaRPr lang="de-DE" dirty="0"/>
           </a:p>
         </p:txBody>
@@ -17328,9 +17408,10 @@
           <a:p>
             <a:pPr lvl="2"/>
             <a:r>
-              <a:rPr lang="de-DE" dirty="0"/>
-              <a:t>[5]</a:t>
-            </a:r>
+              <a:rPr lang="de-DE" dirty="0" smtClean="0"/>
+              <a:t>[6]</a:t>
+            </a:r>
+            <a:endParaRPr lang="de-DE" dirty="0"/>
           </a:p>
           <a:p>
             <a:pPr lvl="2"/>
@@ -17371,9 +17452,9 @@
           <a:bodyPr/>
           <a:lstStyle/>
           <a:p>
-            <a:fld id="{D3B4AE11-6847-4A98-9145-2F7B754CAADC}" type="datetime1">
+            <a:fld id="{CF4085D9-06B7-4FD4-909D-1B487320FEF5}" type="datetime1">
               <a:rPr lang="de-DE" smtClean="0"/>
-              <a:t>22.02.2018</a:t>
+              <a:t>27.03.2018</a:t>
             </a:fld>
             <a:endParaRPr lang="de-DE"/>
           </a:p>
@@ -17394,6 +17475,10 @@
           <a:bodyPr/>
           <a:lstStyle/>
           <a:p>
+            <a:r>
+              <a:rPr lang="de-DE" smtClean="0"/>
+              <a:t>Python Einführung</a:t>
+            </a:r>
             <a:endParaRPr lang="de-DE" dirty="0"/>
           </a:p>
         </p:txBody>
@@ -17851,9 +17936,9 @@
           <a:bodyPr/>
           <a:lstStyle/>
           <a:p>
-            <a:fld id="{D3B4AE11-6847-4A98-9145-2F7B754CAADC}" type="datetime1">
+            <a:fld id="{E6477017-8420-453C-A4F5-9874759FFB1C}" type="datetime1">
               <a:rPr lang="de-DE" smtClean="0"/>
-              <a:t>22.02.2018</a:t>
+              <a:t>27.03.2018</a:t>
             </a:fld>
             <a:endParaRPr lang="de-DE"/>
           </a:p>
@@ -17874,6 +17959,10 @@
           <a:bodyPr/>
           <a:lstStyle/>
           <a:p>
+            <a:r>
+              <a:rPr lang="de-DE" smtClean="0"/>
+              <a:t>Python Einführung</a:t>
+            </a:r>
             <a:endParaRPr lang="de-DE" dirty="0"/>
           </a:p>
         </p:txBody>
@@ -18213,9 +18302,9 @@
           <a:bodyPr/>
           <a:lstStyle/>
           <a:p>
-            <a:fld id="{D3B4AE11-6847-4A98-9145-2F7B754CAADC}" type="datetime1">
+            <a:fld id="{8D936150-CEBE-4D0E-AA56-CD92215D4299}" type="datetime1">
               <a:rPr lang="de-DE" smtClean="0"/>
-              <a:t>22.02.2018</a:t>
+              <a:t>27.03.2018</a:t>
             </a:fld>
             <a:endParaRPr lang="de-DE"/>
           </a:p>
@@ -18236,6 +18325,10 @@
           <a:bodyPr/>
           <a:lstStyle/>
           <a:p>
+            <a:r>
+              <a:rPr lang="de-DE" smtClean="0"/>
+              <a:t>Python Einführung</a:t>
+            </a:r>
             <a:endParaRPr lang="de-DE" dirty="0"/>
           </a:p>
         </p:txBody>
@@ -18676,9 +18769,9 @@
           <a:bodyPr/>
           <a:lstStyle/>
           <a:p>
-            <a:fld id="{D3B4AE11-6847-4A98-9145-2F7B754CAADC}" type="datetime1">
+            <a:fld id="{C251BD82-81F5-4AB8-95F1-D612B114E619}" type="datetime1">
               <a:rPr lang="de-DE" smtClean="0"/>
-              <a:t>22.02.2018</a:t>
+              <a:t>27.03.2018</a:t>
             </a:fld>
             <a:endParaRPr lang="de-DE"/>
           </a:p>
@@ -18699,6 +18792,10 @@
           <a:bodyPr/>
           <a:lstStyle/>
           <a:p>
+            <a:r>
+              <a:rPr lang="de-DE" smtClean="0"/>
+              <a:t>Python Einführung</a:t>
+            </a:r>
             <a:endParaRPr lang="de-DE" dirty="0"/>
           </a:p>
         </p:txBody>
@@ -18978,9 +19075,9 @@
           <a:bodyPr/>
           <a:lstStyle/>
           <a:p>
-            <a:fld id="{D3B4AE11-6847-4A98-9145-2F7B754CAADC}" type="datetime1">
+            <a:fld id="{9517C36B-82DD-413F-9B15-BA2E4B50F4F8}" type="datetime1">
               <a:rPr lang="de-DE" smtClean="0"/>
-              <a:t>22.02.2018</a:t>
+              <a:t>27.03.2018</a:t>
             </a:fld>
             <a:endParaRPr lang="de-DE"/>
           </a:p>
@@ -19001,6 +19098,10 @@
           <a:bodyPr/>
           <a:lstStyle/>
           <a:p>
+            <a:r>
+              <a:rPr lang="de-DE" smtClean="0"/>
+              <a:t>Python Einführung</a:t>
+            </a:r>
             <a:endParaRPr lang="de-DE"/>
           </a:p>
         </p:txBody>
@@ -19468,9 +19569,9 @@
           <a:bodyPr/>
           <a:lstStyle/>
           <a:p>
-            <a:fld id="{D3B4AE11-6847-4A98-9145-2F7B754CAADC}" type="datetime1">
+            <a:fld id="{ABE81AD2-829D-4072-9688-6B66C98C624B}" type="datetime1">
               <a:rPr lang="de-DE" smtClean="0"/>
-              <a:t>22.02.2018</a:t>
+              <a:t>27.03.2018</a:t>
             </a:fld>
             <a:endParaRPr lang="de-DE"/>
           </a:p>
@@ -19491,6 +19592,10 @@
           <a:bodyPr/>
           <a:lstStyle/>
           <a:p>
+            <a:r>
+              <a:rPr lang="de-DE" smtClean="0"/>
+              <a:t>Python Einführung</a:t>
+            </a:r>
             <a:endParaRPr lang="de-DE" dirty="0"/>
           </a:p>
         </p:txBody>
@@ -19796,9 +19901,9 @@
           <a:bodyPr/>
           <a:lstStyle/>
           <a:p>
-            <a:fld id="{D3B4AE11-6847-4A98-9145-2F7B754CAADC}" type="datetime1">
+            <a:fld id="{6EF1BF9D-B1FC-41DE-A4C6-8332BF0AAB8C}" type="datetime1">
               <a:rPr lang="de-DE" smtClean="0"/>
-              <a:t>22.02.2018</a:t>
+              <a:t>27.03.2018</a:t>
             </a:fld>
             <a:endParaRPr lang="de-DE"/>
           </a:p>
@@ -19819,6 +19924,10 @@
           <a:bodyPr/>
           <a:lstStyle/>
           <a:p>
+            <a:r>
+              <a:rPr lang="de-DE" smtClean="0"/>
+              <a:t>Python Einführung</a:t>
+            </a:r>
             <a:endParaRPr lang="de-DE" dirty="0"/>
           </a:p>
         </p:txBody>
@@ -20146,9 +20255,9 @@
           <a:bodyPr/>
           <a:lstStyle/>
           <a:p>
-            <a:fld id="{D3B4AE11-6847-4A98-9145-2F7B754CAADC}" type="datetime1">
+            <a:fld id="{108BF655-CA69-4CA1-8392-0482341FA3AB}" type="datetime1">
               <a:rPr lang="de-DE" smtClean="0"/>
-              <a:t>22.02.2018</a:t>
+              <a:t>27.03.2018</a:t>
             </a:fld>
             <a:endParaRPr lang="de-DE"/>
           </a:p>
@@ -20169,6 +20278,10 @@
           <a:bodyPr/>
           <a:lstStyle/>
           <a:p>
+            <a:r>
+              <a:rPr lang="de-DE" smtClean="0"/>
+              <a:t>Python Einführung</a:t>
+            </a:r>
             <a:endParaRPr lang="de-DE" dirty="0"/>
           </a:p>
         </p:txBody>
@@ -20456,9 +20569,9 @@
           <a:bodyPr/>
           <a:lstStyle/>
           <a:p>
-            <a:fld id="{D3B4AE11-6847-4A98-9145-2F7B754CAADC}" type="datetime1">
+            <a:fld id="{06A903DF-1128-46CD-B417-38F6214F535A}" type="datetime1">
               <a:rPr lang="de-DE" smtClean="0"/>
-              <a:t>22.02.2018</a:t>
+              <a:t>27.03.2018</a:t>
             </a:fld>
             <a:endParaRPr lang="de-DE"/>
           </a:p>
@@ -20479,6 +20592,10 @@
           <a:bodyPr/>
           <a:lstStyle/>
           <a:p>
+            <a:r>
+              <a:rPr lang="de-DE" smtClean="0"/>
+              <a:t>Python Einführung</a:t>
+            </a:r>
             <a:endParaRPr lang="de-DE" dirty="0"/>
           </a:p>
         </p:txBody>
@@ -20885,9 +21002,9 @@
           <a:bodyPr/>
           <a:lstStyle/>
           <a:p>
-            <a:fld id="{D3B4AE11-6847-4A98-9145-2F7B754CAADC}" type="datetime1">
+            <a:fld id="{540273FD-E4DC-432A-B7EC-710AF36B5BF9}" type="datetime1">
               <a:rPr lang="de-DE" smtClean="0"/>
-              <a:t>22.02.2018</a:t>
+              <a:t>27.03.2018</a:t>
             </a:fld>
             <a:endParaRPr lang="de-DE"/>
           </a:p>
@@ -20908,6 +21025,10 @@
           <a:bodyPr/>
           <a:lstStyle/>
           <a:p>
+            <a:r>
+              <a:rPr lang="de-DE" smtClean="0"/>
+              <a:t>Python Einführung</a:t>
+            </a:r>
             <a:endParaRPr lang="de-DE" dirty="0"/>
           </a:p>
         </p:txBody>
@@ -21296,9 +21417,9 @@
           <a:bodyPr/>
           <a:lstStyle/>
           <a:p>
-            <a:fld id="{D3B4AE11-6847-4A98-9145-2F7B754CAADC}" type="datetime1">
+            <a:fld id="{F5A85240-7C7D-40AC-881C-FD470AC28E28}" type="datetime1">
               <a:rPr lang="de-DE" smtClean="0"/>
-              <a:t>22.02.2018</a:t>
+              <a:t>27.03.2018</a:t>
             </a:fld>
             <a:endParaRPr lang="de-DE"/>
           </a:p>
@@ -21319,6 +21440,10 @@
           <a:bodyPr/>
           <a:lstStyle/>
           <a:p>
+            <a:r>
+              <a:rPr lang="de-DE" smtClean="0"/>
+              <a:t>Python Einführung</a:t>
+            </a:r>
             <a:endParaRPr lang="de-DE" dirty="0"/>
           </a:p>
         </p:txBody>
@@ -21610,9 +21735,9 @@
           <a:bodyPr/>
           <a:lstStyle/>
           <a:p>
-            <a:fld id="{D3B4AE11-6847-4A98-9145-2F7B754CAADC}" type="datetime1">
+            <a:fld id="{DC06A4FB-3FEC-46DD-B898-227DF1300745}" type="datetime1">
               <a:rPr lang="de-DE" smtClean="0"/>
-              <a:t>22.02.2018</a:t>
+              <a:t>27.03.2018</a:t>
             </a:fld>
             <a:endParaRPr lang="de-DE"/>
           </a:p>
@@ -21633,6 +21758,10 @@
           <a:bodyPr/>
           <a:lstStyle/>
           <a:p>
+            <a:r>
+              <a:rPr lang="de-DE" smtClean="0"/>
+              <a:t>Python Einführung</a:t>
+            </a:r>
             <a:endParaRPr lang="de-DE" dirty="0"/>
           </a:p>
         </p:txBody>
@@ -21898,9 +22027,9 @@
           <a:bodyPr/>
           <a:lstStyle/>
           <a:p>
-            <a:fld id="{D3B4AE11-6847-4A98-9145-2F7B754CAADC}" type="datetime1">
+            <a:fld id="{3B98499C-917A-4F26-B40E-695BD0FFC74B}" type="datetime1">
               <a:rPr lang="de-DE" smtClean="0"/>
-              <a:t>22.02.2018</a:t>
+              <a:t>27.03.2018</a:t>
             </a:fld>
             <a:endParaRPr lang="de-DE"/>
           </a:p>
@@ -21921,6 +22050,10 @@
           <a:bodyPr/>
           <a:lstStyle/>
           <a:p>
+            <a:r>
+              <a:rPr lang="de-DE" smtClean="0"/>
+              <a:t>Python Einführung</a:t>
+            </a:r>
             <a:endParaRPr lang="de-DE" dirty="0"/>
           </a:p>
         </p:txBody>
@@ -22312,9 +22445,9 @@
           <a:bodyPr/>
           <a:lstStyle/>
           <a:p>
-            <a:fld id="{D3B4AE11-6847-4A98-9145-2F7B754CAADC}" type="datetime1">
+            <a:fld id="{5246C73B-41C6-44B0-8E99-FE85FF2BCCB2}" type="datetime1">
               <a:rPr lang="de-DE" smtClean="0"/>
-              <a:t>22.02.2018</a:t>
+              <a:t>27.03.2018</a:t>
             </a:fld>
             <a:endParaRPr lang="de-DE"/>
           </a:p>
@@ -22335,6 +22468,10 @@
           <a:bodyPr/>
           <a:lstStyle/>
           <a:p>
+            <a:r>
+              <a:rPr lang="de-DE" smtClean="0"/>
+              <a:t>Python Einführung</a:t>
+            </a:r>
             <a:endParaRPr lang="de-DE" dirty="0"/>
           </a:p>
         </p:txBody>
@@ -22526,7 +22663,7 @@
                   <a:schemeClr val="tx1"/>
                 </a:solidFill>
               </a:rPr>
-              <a:t>Listen</a:t>
+              <a:t>Wiederholungen</a:t>
             </a:r>
             <a:r>
               <a:rPr lang="de-DE" sz="2800" b="1" dirty="0" smtClean="0">
@@ -22543,26 +22680,10 @@
                   </a:outerShdw>
                 </a:effectLst>
               </a:rPr>
-              <a:t>	   </a:t>
-            </a:r>
-            <a:r>
-              <a:rPr lang="de-DE" sz="2400" dirty="0">
-                <a:solidFill>
-                  <a:schemeClr val="tx1"/>
-                </a:solidFill>
-              </a:rPr>
-              <a:t>Wahrheitswerte</a:t>
-            </a:r>
-            <a:r>
-              <a:rPr lang="de-DE" sz="2400" dirty="0" smtClean="0">
-                <a:solidFill>
-                  <a:schemeClr val="tx1"/>
-                </a:solidFill>
-              </a:rPr>
               <a:t>	</a:t>
             </a:r>
             <a:r>
-              <a:rPr lang="de-DE" sz="2800" b="1" dirty="0" smtClean="0">
+              <a:rPr lang="de-DE" sz="2800" b="1" dirty="0">
                 <a:solidFill>
                   <a:schemeClr val="accent1">
                     <a:lumMod val="75000"/>
@@ -22576,7 +22697,7 @@
                   </a:outerShdw>
                 </a:effectLst>
               </a:rPr>
-              <a:t>Wiederholungen	</a:t>
+              <a:t>Verzweigungen</a:t>
             </a:r>
             <a:r>
               <a:rPr lang="de-DE" sz="2400" dirty="0" smtClean="0">
@@ -22584,7 +22705,7 @@
                   <a:schemeClr val="tx1"/>
                 </a:solidFill>
               </a:rPr>
-              <a:t>Verzweigungen  Methoden</a:t>
+              <a:t>  	Methoden</a:t>
             </a:r>
             <a:r>
               <a:rPr lang="de-DE" sz="2400" dirty="0">
@@ -22594,6 +22715,19 @@
               </a:rPr>
               <a:t>	</a:t>
             </a:r>
+            <a:r>
+              <a:rPr lang="de-DE" sz="2400" dirty="0" smtClean="0">
+                <a:solidFill>
+                  <a:schemeClr val="tx1"/>
+                </a:solidFill>
+              </a:rPr>
+              <a:t>	Funktionen</a:t>
+            </a:r>
+            <a:endParaRPr lang="de-DE" sz="2400" dirty="0">
+              <a:solidFill>
+                <a:schemeClr val="tx1"/>
+              </a:solidFill>
+            </a:endParaRPr>
           </a:p>
         </p:txBody>
       </p:sp>
@@ -22621,11 +22755,11 @@
           <a:p>
             <a:r>
               <a:rPr lang="de-DE" dirty="0" err="1" smtClean="0"/>
-              <a:t>For</a:t>
-            </a:r>
-            <a:r>
-              <a:rPr lang="de-DE" dirty="0" smtClean="0"/>
-              <a:t>-Schleife für bekannte Anzahl von Wiederholungen</a:t>
+              <a:t>If</a:t>
+            </a:r>
+            <a:r>
+              <a:rPr lang="de-DE" dirty="0" smtClean="0"/>
+              <a:t> - Befehl</a:t>
             </a:r>
           </a:p>
           <a:p>
@@ -22642,15 +22776,89 @@
                   </a:schemeClr>
                 </a:solidFill>
               </a:rPr>
-              <a:t>for</a:t>
-            </a:r>
-            <a:r>
-              <a:rPr lang="de-DE" dirty="0" smtClean="0"/>
+              <a:t>if</a:t>
+            </a:r>
+            <a:r>
+              <a:rPr lang="de-DE" b="1" smtClean="0">
+                <a:solidFill>
+                  <a:schemeClr val="accent1">
+                    <a:lumMod val="75000"/>
+                  </a:schemeClr>
+                </a:solidFill>
+              </a:rPr>
               <a:t> </a:t>
             </a:r>
             <a:r>
+              <a:rPr lang="de-DE" i="1" smtClean="0">
+                <a:solidFill>
+                  <a:schemeClr val="accent2">
+                    <a:lumMod val="75000"/>
+                  </a:schemeClr>
+                </a:solidFill>
+              </a:rPr>
+              <a:t>Bedingung </a:t>
+            </a:r>
+            <a:r>
+              <a:rPr lang="de-DE" b="1" smtClean="0">
+                <a:solidFill>
+                  <a:schemeClr val="accent1">
+                    <a:lumMod val="75000"/>
+                  </a:schemeClr>
+                </a:solidFill>
+              </a:rPr>
+              <a:t>:</a:t>
+            </a:r>
+            <a:r>
               <a:rPr lang="de-DE" i="1" dirty="0" smtClean="0"/>
-              <a:t>Bedingung </a:t>
+              <a:t/>
+            </a:r>
+            <a:br>
+              <a:rPr lang="de-DE" i="1" dirty="0" smtClean="0"/>
+            </a:br>
+            <a:r>
+              <a:rPr lang="de-DE" dirty="0" smtClean="0"/>
+              <a:t>	# wenn </a:t>
+            </a:r>
+            <a:r>
+              <a:rPr lang="de-DE" i="1" dirty="0">
+                <a:solidFill>
+                  <a:schemeClr val="accent2">
+                    <a:lumMod val="75000"/>
+                  </a:schemeClr>
+                </a:solidFill>
+              </a:rPr>
+              <a:t>Bedingung</a:t>
+            </a:r>
+            <a:r>
+              <a:rPr lang="de-DE" dirty="0" smtClean="0"/>
+              <a:t> wahr ist</a:t>
+            </a:r>
+            <a:br>
+              <a:rPr lang="de-DE" dirty="0" smtClean="0"/>
+            </a:br>
+            <a:r>
+              <a:rPr lang="de-DE" b="1" dirty="0" err="1">
+                <a:solidFill>
+                  <a:schemeClr val="accent1">
+                    <a:lumMod val="75000"/>
+                  </a:schemeClr>
+                </a:solidFill>
+              </a:rPr>
+              <a:t>elif</a:t>
+            </a:r>
+            <a:r>
+              <a:rPr lang="de-DE" dirty="0" smtClean="0"/>
+              <a:t> </a:t>
+            </a:r>
+            <a:r>
+              <a:rPr lang="de-DE" i="1" dirty="0" smtClean="0">
+                <a:solidFill>
+                  <a:schemeClr val="accent2">
+                    <a:lumMod val="75000"/>
+                  </a:schemeClr>
+                </a:solidFill>
+              </a:rPr>
+              <a:t>Bedingung2</a:t>
             </a:r>
             <a:r>
               <a:rPr lang="de-DE" b="1" dirty="0">
@@ -22660,48 +22868,54 @@
                   </a:schemeClr>
                 </a:solidFill>
               </a:rPr>
-              <a:t>in</a:t>
+              <a:t> :</a:t>
             </a:r>
             <a:r>
               <a:rPr lang="de-DE" i="1" dirty="0" smtClean="0"/>
-              <a:t> zählbarem</a:t>
-            </a:r>
-          </a:p>
-          <a:p>
-            <a:pPr lvl="1"/>
-            <a:r>
-              <a:rPr lang="de-DE" dirty="0" smtClean="0"/>
-              <a:t>Danach eingerückt arbeiten</a:t>
-            </a:r>
-          </a:p>
-          <a:p>
-            <a:pPr lvl="1"/>
-            <a:r>
-              <a:rPr lang="de-DE" dirty="0" smtClean="0"/>
-              <a:t>Am Ende nicht eingerückt weiterarbeiten</a:t>
-            </a:r>
-          </a:p>
-          <a:p>
-            <a:endParaRPr lang="de-DE" dirty="0" smtClean="0"/>
-          </a:p>
-          <a:p>
-            <a:pPr marL="0" indent="0">
-              <a:buNone/>
-            </a:pPr>
-            <a:endParaRPr lang="de-DE" dirty="0" smtClean="0"/>
-          </a:p>
-          <a:p>
-            <a:pPr marL="0" indent="0">
-              <a:buNone/>
-            </a:pPr>
-            <a:endParaRPr lang="de-DE" dirty="0" smtClean="0"/>
-          </a:p>
-          <a:p>
-            <a:pPr lvl="1"/>
-            <a:r>
-              <a:rPr lang="de-DE" dirty="0" smtClean="0"/>
-              <a:t>Beliebt: </a:t>
-            </a:r>
+              <a:t/>
+            </a:r>
+            <a:br>
+              <a:rPr lang="de-DE" i="1" dirty="0" smtClean="0"/>
+            </a:br>
+            <a:r>
+              <a:rPr lang="de-DE" dirty="0" smtClean="0"/>
+              <a:t>	# wenn </a:t>
+            </a:r>
+            <a:r>
+              <a:rPr lang="de-DE" i="1" dirty="0">
+                <a:solidFill>
+                  <a:schemeClr val="accent2">
+                    <a:lumMod val="75000"/>
+                  </a:schemeClr>
+                </a:solidFill>
+              </a:rPr>
+              <a:t>Bedingung</a:t>
+            </a:r>
+            <a:r>
+              <a:rPr lang="de-DE" dirty="0" smtClean="0"/>
+              <a:t> nicht wahr aber </a:t>
+            </a:r>
+            <a:r>
+              <a:rPr lang="de-DE" i="1" dirty="0">
+                <a:solidFill>
+                  <a:schemeClr val="accent2">
+                    <a:lumMod val="75000"/>
+                  </a:schemeClr>
+                </a:solidFill>
+              </a:rPr>
+              <a:t>Bedingung2</a:t>
+            </a:r>
+            <a:r>
+              <a:rPr lang="de-DE" dirty="0" smtClean="0"/>
+              <a:t> wahr ist</a:t>
+            </a:r>
+            <a:r>
+              <a:rPr lang="de-DE" dirty="0"/>
+              <a:t/>
+            </a:r>
+            <a:br>
+              <a:rPr lang="de-DE" dirty="0"/>
+            </a:br>
             <a:r>
               <a:rPr lang="de-DE" b="1" dirty="0" err="1">
                 <a:solidFill>
@@ -22710,7 +22924,7 @@
                   </a:schemeClr>
                 </a:solidFill>
               </a:rPr>
-              <a:t>range</a:t>
+              <a:t>else</a:t>
             </a:r>
             <a:r>
               <a:rPr lang="de-DE" b="1" dirty="0">
@@ -22720,35 +22934,46 @@
                   </a:schemeClr>
                 </a:solidFill>
               </a:rPr>
-              <a:t>(</a:t>
-            </a:r>
-            <a:r>
-              <a:rPr lang="de-DE" dirty="0" err="1"/>
-              <a:t>start</a:t>
-            </a:r>
-            <a:r>
-              <a:rPr lang="de-DE" b="1" dirty="0" smtClean="0">
-                <a:solidFill>
-                  <a:schemeClr val="accent1">
-                    <a:lumMod val="75000"/>
-                  </a:schemeClr>
-                </a:solidFill>
-              </a:rPr>
-              <a:t>, </a:t>
-            </a:r>
-            <a:r>
-              <a:rPr lang="de-DE" dirty="0" smtClean="0"/>
-              <a:t>ende</a:t>
-            </a:r>
-            <a:r>
-              <a:rPr lang="de-DE" b="1" dirty="0">
-                <a:solidFill>
-                  <a:schemeClr val="accent1">
-                    <a:lumMod val="75000"/>
-                  </a:schemeClr>
-                </a:solidFill>
-              </a:rPr>
-              <a:t>)</a:t>
+              <a:t> :</a:t>
+            </a:r>
+            <a:r>
+              <a:rPr lang="de-DE" dirty="0" smtClean="0"/>
+              <a:t/>
+            </a:r>
+            <a:br>
+              <a:rPr lang="de-DE" dirty="0" smtClean="0"/>
+            </a:br>
+            <a:r>
+              <a:rPr lang="de-DE" dirty="0" smtClean="0"/>
+              <a:t>	# wenn weder </a:t>
+            </a:r>
+            <a:r>
+              <a:rPr lang="de-DE" i="1" dirty="0">
+                <a:solidFill>
+                  <a:schemeClr val="accent2">
+                    <a:lumMod val="75000"/>
+                  </a:schemeClr>
+                </a:solidFill>
+              </a:rPr>
+              <a:t>Bedingung</a:t>
+            </a:r>
+            <a:r>
+              <a:rPr lang="de-DE" dirty="0" smtClean="0"/>
+              <a:t> noch </a:t>
+            </a:r>
+            <a:r>
+              <a:rPr lang="de-DE" i="1" dirty="0">
+                <a:solidFill>
+                  <a:schemeClr val="accent2">
+                    <a:lumMod val="75000"/>
+                  </a:schemeClr>
+                </a:solidFill>
+              </a:rPr>
+              <a:t>Bedingung2</a:t>
+            </a:r>
+            <a:r>
+              <a:rPr lang="de-DE" dirty="0" smtClean="0"/>
+              <a:t> wahr sind</a:t>
             </a:r>
           </a:p>
         </p:txBody>
@@ -22768,9 +22993,9 @@
           <a:bodyPr/>
           <a:lstStyle/>
           <a:p>
-            <a:fld id="{D3B4AE11-6847-4A98-9145-2F7B754CAADC}" type="datetime1">
+            <a:fld id="{49C6F141-7B96-497F-93A3-E688D5682946}" type="datetime1">
               <a:rPr lang="de-DE" smtClean="0"/>
-              <a:t>22.02.2018</a:t>
+              <a:t>27.03.2018</a:t>
             </a:fld>
             <a:endParaRPr lang="de-DE"/>
           </a:p>
@@ -22791,6 +23016,10 @@
           <a:bodyPr/>
           <a:lstStyle/>
           <a:p>
+            <a:r>
+              <a:rPr lang="de-DE" smtClean="0"/>
+              <a:t>Python Einführung</a:t>
+            </a:r>
             <a:endParaRPr lang="de-DE" dirty="0"/>
           </a:p>
         </p:txBody>
@@ -22813,1071 +23042,6 @@
             <a:fld id="{3A1F27E2-D58A-4028-9FF2-B12D897F257E}" type="slidenum">
               <a:rPr lang="de-DE" smtClean="0"/>
               <a:t>49</a:t>
-            </a:fld>
-            <a:endParaRPr lang="de-DE"/>
-          </a:p>
-        </p:txBody>
-      </p:sp>
-      <p:pic>
-        <p:nvPicPr>
-          <p:cNvPr id="8" name="Grafik 7"/>
-          <p:cNvPicPr>
-            <a:picLocks noChangeAspect="1"/>
-          </p:cNvPicPr>
-          <p:nvPr/>
-        </p:nvPicPr>
-        <p:blipFill>
-          <a:blip r:embed="rId3">
-            <a:extLst>
-              <a:ext uri="{28A0092B-C50C-407E-A947-70E740481C1C}">
-                <a14:useLocalDpi xmlns:a14="http://schemas.microsoft.com/office/drawing/2010/main" val="0"/>
-              </a:ext>
-            </a:extLst>
-          </a:blip>
-          <a:stretch>
-            <a:fillRect/>
-          </a:stretch>
-        </p:blipFill>
-        <p:spPr>
-          <a:xfrm>
-            <a:off x="1390700" y="3765884"/>
-            <a:ext cx="4608512" cy="950062"/>
-          </a:xfrm>
-          <a:prstGeom prst="rect">
-            <a:avLst/>
-          </a:prstGeom>
-          <a:ln w="88900" cap="sq" cmpd="thickThin">
-            <a:solidFill>
-              <a:srgbClr val="000000"/>
-            </a:solidFill>
-            <a:prstDash val="solid"/>
-            <a:miter lim="800000"/>
-          </a:ln>
-          <a:effectLst>
-            <a:innerShdw blurRad="76200">
-              <a:srgbClr val="000000"/>
-            </a:innerShdw>
-          </a:effectLst>
-        </p:spPr>
-      </p:pic>
-      <p:pic>
-        <p:nvPicPr>
-          <p:cNvPr id="9" name="Grafik 8"/>
-          <p:cNvPicPr>
-            <a:picLocks noChangeAspect="1"/>
-          </p:cNvPicPr>
-          <p:nvPr/>
-        </p:nvPicPr>
-        <p:blipFill>
-          <a:blip r:embed="rId4">
-            <a:extLst>
-              <a:ext uri="{28A0092B-C50C-407E-A947-70E740481C1C}">
-                <a14:useLocalDpi xmlns:a14="http://schemas.microsoft.com/office/drawing/2010/main" val="0"/>
-              </a:ext>
-            </a:extLst>
-          </a:blip>
-          <a:stretch>
-            <a:fillRect/>
-          </a:stretch>
-        </p:blipFill>
-        <p:spPr>
-          <a:xfrm>
-            <a:off x="5708700" y="5010555"/>
-            <a:ext cx="4608512" cy="1032941"/>
-          </a:xfrm>
-          <a:prstGeom prst="rect">
-            <a:avLst/>
-          </a:prstGeom>
-          <a:ln w="88900" cap="sq" cmpd="thickThin">
-            <a:solidFill>
-              <a:srgbClr val="000000"/>
-            </a:solidFill>
-            <a:prstDash val="solid"/>
-            <a:miter lim="800000"/>
-          </a:ln>
-          <a:effectLst>
-            <a:innerShdw blurRad="76200">
-              <a:srgbClr val="000000"/>
-            </a:innerShdw>
-          </a:effectLst>
-        </p:spPr>
-      </p:pic>
-    </p:spTree>
-    <p:extLst>
-      <p:ext uri="{BB962C8B-B14F-4D97-AF65-F5344CB8AC3E}">
-        <p14:creationId xmlns:p14="http://schemas.microsoft.com/office/powerpoint/2010/main" val="839255455"/>
-      </p:ext>
-    </p:extLst>
-  </p:cSld>
-  <p:clrMapOvr>
-    <a:masterClrMapping/>
-  </p:clrMapOvr>
-  <mc:AlternateContent xmlns:mc="http://schemas.openxmlformats.org/markup-compatibility/2006" xmlns:p14="http://schemas.microsoft.com/office/powerpoint/2010/main">
-    <mc:Choice Requires="p14">
-      <p:transition p14:dur="0"/>
-    </mc:Choice>
-    <mc:Fallback xmlns="">
-      <p:transition/>
-    </mc:Fallback>
-  </mc:AlternateContent>
-  <p:timing>
-    <p:tnLst>
-      <p:par>
-        <p:cTn id="1" dur="indefinite" restart="never" nodeType="tmRoot"/>
-      </p:par>
-    </p:tnLst>
-  </p:timing>
-</p:sld>
-</file>
-
-<file path=ppt/slides/slide5.xml><?xml version="1.0" encoding="utf-8"?>
-<p:sld xmlns:a="http://schemas.openxmlformats.org/drawingml/2006/main" xmlns:r="http://schemas.openxmlformats.org/officeDocument/2006/relationships" xmlns:p="http://schemas.openxmlformats.org/presentationml/2006/main">
-  <p:cSld>
-    <p:spTree>
-      <p:nvGrpSpPr>
-        <p:cNvPr id="1" name=""/>
-        <p:cNvGrpSpPr/>
-        <p:nvPr/>
-      </p:nvGrpSpPr>
-      <p:grpSpPr>
-        <a:xfrm>
-          <a:off x="0" y="0"/>
-          <a:ext cx="0" cy="0"/>
-          <a:chOff x="0" y="0"/>
-          <a:chExt cx="0" cy="0"/>
-        </a:xfrm>
-      </p:grpSpPr>
-      <p:sp>
-        <p:nvSpPr>
-          <p:cNvPr id="2" name="Titel 1"/>
-          <p:cNvSpPr>
-            <a:spLocks noGrp="1"/>
-          </p:cNvSpPr>
-          <p:nvPr>
-            <p:ph type="title"/>
-          </p:nvPr>
-        </p:nvSpPr>
-        <p:spPr/>
-        <p:txBody>
-          <a:bodyPr>
-            <a:normAutofit/>
-          </a:bodyPr>
-          <a:lstStyle/>
-          <a:p>
-            <a:r>
-              <a:rPr lang="de-DE" dirty="0" smtClean="0"/>
-              <a:t>Programmiersprachen</a:t>
-            </a:r>
-            <a:br>
-              <a:rPr lang="de-DE" dirty="0" smtClean="0"/>
-            </a:br>
-            <a:r>
-              <a:rPr lang="de-DE" sz="2800" b="1" dirty="0" smtClean="0">
-                <a:solidFill>
-                  <a:schemeClr val="accent1">
-                    <a:lumMod val="75000"/>
-                  </a:schemeClr>
-                </a:solidFill>
-                <a:effectLst>
-                  <a:outerShdw blurRad="60007" dir="2000400" sy="-30000" kx="-800400" algn="bl" rotWithShape="0">
-                    <a:prstClr val="black">
-                      <a:alpha val="20000"/>
-                    </a:prstClr>
-                  </a:outerShdw>
-                </a:effectLst>
-              </a:rPr>
-              <a:t>Maschinensprache</a:t>
-            </a:r>
-            <a:r>
-              <a:rPr lang="de-DE" sz="2800" dirty="0" smtClean="0">
-                <a:solidFill>
-                  <a:schemeClr val="tx1"/>
-                </a:solidFill>
-              </a:rPr>
-              <a:t> 	</a:t>
-            </a:r>
-            <a:r>
-              <a:rPr lang="de-DE" sz="2400" dirty="0">
-                <a:solidFill>
-                  <a:schemeClr val="tx1"/>
-                </a:solidFill>
-              </a:rPr>
-              <a:t>Assembler</a:t>
-            </a:r>
-            <a:r>
-              <a:rPr lang="de-DE" sz="2800" dirty="0" smtClean="0">
-                <a:solidFill>
-                  <a:schemeClr val="tx1"/>
-                </a:solidFill>
-              </a:rPr>
-              <a:t> 		</a:t>
-            </a:r>
-            <a:r>
-              <a:rPr lang="de-DE" sz="2400" dirty="0">
-                <a:solidFill>
-                  <a:schemeClr val="tx1"/>
-                </a:solidFill>
-              </a:rPr>
-              <a:t>C</a:t>
-            </a:r>
-            <a:r>
-              <a:rPr lang="de-DE" sz="2800" dirty="0" smtClean="0">
-                <a:solidFill>
-                  <a:schemeClr val="tx1"/>
-                </a:solidFill>
-              </a:rPr>
-              <a:t> 		</a:t>
-            </a:r>
-            <a:r>
-              <a:rPr lang="de-DE" sz="2400" dirty="0">
-                <a:solidFill>
-                  <a:schemeClr val="tx1"/>
-                </a:solidFill>
-              </a:rPr>
-              <a:t>Python</a:t>
-            </a:r>
-          </a:p>
-        </p:txBody>
-      </p:sp>
-      <p:sp>
-        <p:nvSpPr>
-          <p:cNvPr id="3" name="Inhaltsplatzhalter 2"/>
-          <p:cNvSpPr>
-            <a:spLocks noGrp="1"/>
-          </p:cNvSpPr>
-          <p:nvPr>
-            <p:ph idx="1"/>
-          </p:nvPr>
-        </p:nvSpPr>
-        <p:spPr>
-          <a:xfrm>
-            <a:off x="838200" y="1993900"/>
-            <a:ext cx="10515600" cy="4183062"/>
-          </a:xfrm>
-        </p:spPr>
-        <p:txBody>
-          <a:bodyPr/>
-          <a:lstStyle/>
-          <a:p>
-            <a:r>
-              <a:rPr lang="de-DE" dirty="0" smtClean="0"/>
-              <a:t>Prozessor versteht Maschinensprache</a:t>
-            </a:r>
-          </a:p>
-          <a:p>
-            <a:r>
-              <a:rPr lang="de-DE" dirty="0" smtClean="0"/>
-              <a:t>Prozessoren führen Befehle / Berechnungen aus</a:t>
-            </a:r>
-          </a:p>
-          <a:p>
-            <a:r>
-              <a:rPr lang="de-DE" dirty="0" smtClean="0"/>
-              <a:t>Maschinensprache sind Zahlen</a:t>
-            </a:r>
-          </a:p>
-          <a:p>
-            <a:pPr lvl="1"/>
-            <a:r>
-              <a:rPr lang="de-DE" dirty="0" smtClean="0"/>
-              <a:t>Meist Hexadezimal</a:t>
-            </a:r>
-            <a:endParaRPr lang="de-DE" dirty="0"/>
-          </a:p>
-        </p:txBody>
-      </p:sp>
-      <p:sp>
-        <p:nvSpPr>
-          <p:cNvPr id="4" name="Datumsplatzhalter 3"/>
-          <p:cNvSpPr>
-            <a:spLocks noGrp="1"/>
-          </p:cNvSpPr>
-          <p:nvPr>
-            <p:ph type="dt" sz="half" idx="10"/>
-          </p:nvPr>
-        </p:nvSpPr>
-        <p:spPr/>
-        <p:txBody>
-          <a:bodyPr/>
-          <a:lstStyle/>
-          <a:p>
-            <a:fld id="{D3B4AE11-6847-4A98-9145-2F7B754CAADC}" type="datetime1">
-              <a:rPr lang="de-DE" smtClean="0"/>
-              <a:t>22.02.2018</a:t>
-            </a:fld>
-            <a:endParaRPr lang="de-DE"/>
-          </a:p>
-        </p:txBody>
-      </p:sp>
-      <p:sp>
-        <p:nvSpPr>
-          <p:cNvPr id="5" name="Fußzeilenplatzhalter 4"/>
-          <p:cNvSpPr>
-            <a:spLocks noGrp="1"/>
-          </p:cNvSpPr>
-          <p:nvPr>
-            <p:ph type="ftr" sz="quarter" idx="11"/>
-          </p:nvPr>
-        </p:nvSpPr>
-        <p:spPr/>
-        <p:txBody>
-          <a:bodyPr/>
-          <a:lstStyle/>
-          <a:p>
-            <a:endParaRPr lang="de-DE"/>
-          </a:p>
-        </p:txBody>
-      </p:sp>
-      <p:pic>
-        <p:nvPicPr>
-          <p:cNvPr id="1028" name="Picture 4" descr="Related image"/>
-          <p:cNvPicPr>
-            <a:picLocks noChangeAspect="1" noChangeArrowheads="1"/>
-          </p:cNvPicPr>
-          <p:nvPr/>
-        </p:nvPicPr>
-        <p:blipFill>
-          <a:blip r:embed="rId2" cstate="print">
-            <a:extLst>
-              <a:ext uri="{28A0092B-C50C-407E-A947-70E740481C1C}">
-                <a14:useLocalDpi xmlns:a14="http://schemas.microsoft.com/office/drawing/2010/main" val="0"/>
-              </a:ext>
-            </a:extLst>
-          </a:blip>
-          <a:srcRect/>
-          <a:stretch>
-            <a:fillRect/>
-          </a:stretch>
-        </p:blipFill>
-        <p:spPr bwMode="auto">
-          <a:xfrm>
-            <a:off x="9278937" y="1828800"/>
-            <a:ext cx="2338388" cy="2338388"/>
-          </a:xfrm>
-          <a:prstGeom prst="rect">
-            <a:avLst/>
-          </a:prstGeom>
-          <a:noFill/>
-          <a:extLst>
-            <a:ext uri="{909E8E84-426E-40DD-AFC4-6F175D3DCCD1}">
-              <a14:hiddenFill xmlns:a14="http://schemas.microsoft.com/office/drawing/2010/main">
-                <a:solidFill>
-                  <a:srgbClr val="FFFFFF"/>
-                </a:solidFill>
-              </a14:hiddenFill>
-            </a:ext>
-          </a:extLst>
-        </p:spPr>
-      </p:pic>
-      <p:sp>
-        <p:nvSpPr>
-          <p:cNvPr id="6" name="Foliennummernplatzhalter 5"/>
-          <p:cNvSpPr>
-            <a:spLocks noGrp="1"/>
-          </p:cNvSpPr>
-          <p:nvPr>
-            <p:ph type="sldNum" sz="quarter" idx="12"/>
-          </p:nvPr>
-        </p:nvSpPr>
-        <p:spPr/>
-        <p:txBody>
-          <a:bodyPr/>
-          <a:lstStyle/>
-          <a:p>
-            <a:fld id="{3A1F27E2-D58A-4028-9FF2-B12D897F257E}" type="slidenum">
-              <a:rPr lang="de-DE" smtClean="0"/>
-              <a:t>5</a:t>
-            </a:fld>
-            <a:endParaRPr lang="de-DE"/>
-          </a:p>
-        </p:txBody>
-      </p:sp>
-      <p:sp>
-        <p:nvSpPr>
-          <p:cNvPr id="9" name="Inhaltsplatzhalter 2"/>
-          <p:cNvSpPr txBox="1">
-            <a:spLocks/>
-          </p:cNvSpPr>
-          <p:nvPr/>
-        </p:nvSpPr>
-        <p:spPr>
-          <a:xfrm>
-            <a:off x="863600" y="1930400"/>
-            <a:ext cx="10629900" cy="774700"/>
-          </a:xfrm>
-          <a:prstGeom prst="rect">
-            <a:avLst/>
-          </a:prstGeom>
-        </p:spPr>
-        <p:txBody>
-          <a:bodyPr vert="horz" lIns="91440" tIns="45720" rIns="91440" bIns="45720" rtlCol="0">
-            <a:normAutofit/>
-          </a:bodyPr>
-          <a:lstStyle>
-            <a:lvl1pPr marL="228600" indent="-228600" algn="l" defTabSz="914400" rtl="0" eaLnBrk="1" latinLnBrk="0" hangingPunct="1">
-              <a:lnSpc>
-                <a:spcPct val="90000"/>
-              </a:lnSpc>
-              <a:spcBef>
-                <a:spcPts val="1000"/>
-              </a:spcBef>
-              <a:buFont typeface="Arial" panose="020B0604020202020204" pitchFamily="34" charset="0"/>
-              <a:buChar char="•"/>
-              <a:defRPr sz="2800" kern="1200">
-                <a:solidFill>
-                  <a:schemeClr val="tx1"/>
-                </a:solidFill>
-                <a:latin typeface="Arial" panose="020B0604020202020204" pitchFamily="34" charset="0"/>
-                <a:ea typeface="+mn-ea"/>
-                <a:cs typeface="Arial" panose="020B0604020202020204" pitchFamily="34" charset="0"/>
-              </a:defRPr>
-            </a:lvl1pPr>
-            <a:lvl2pPr marL="685800" indent="-228600" algn="l" defTabSz="914400" rtl="0" eaLnBrk="1" latinLnBrk="0" hangingPunct="1">
-              <a:lnSpc>
-                <a:spcPct val="90000"/>
-              </a:lnSpc>
-              <a:spcBef>
-                <a:spcPts val="500"/>
-              </a:spcBef>
-              <a:buFont typeface="Arial" panose="020B0604020202020204" pitchFamily="34" charset="0"/>
-              <a:buChar char="•"/>
-              <a:defRPr sz="2400" kern="1200">
-                <a:solidFill>
-                  <a:schemeClr val="tx1"/>
-                </a:solidFill>
-                <a:latin typeface="Arial" panose="020B0604020202020204" pitchFamily="34" charset="0"/>
-                <a:ea typeface="+mn-ea"/>
-                <a:cs typeface="Arial" panose="020B0604020202020204" pitchFamily="34" charset="0"/>
-              </a:defRPr>
-            </a:lvl2pPr>
-            <a:lvl3pPr marL="1143000" indent="-228600" algn="l" defTabSz="914400" rtl="0" eaLnBrk="1" latinLnBrk="0" hangingPunct="1">
-              <a:lnSpc>
-                <a:spcPct val="90000"/>
-              </a:lnSpc>
-              <a:spcBef>
-                <a:spcPts val="500"/>
-              </a:spcBef>
-              <a:buFont typeface="Arial" panose="020B0604020202020204" pitchFamily="34" charset="0"/>
-              <a:buChar char="•"/>
-              <a:defRPr sz="2000" kern="1200">
-                <a:solidFill>
-                  <a:schemeClr val="tx1"/>
-                </a:solidFill>
-                <a:latin typeface="Arial" panose="020B0604020202020204" pitchFamily="34" charset="0"/>
-                <a:ea typeface="+mn-ea"/>
-                <a:cs typeface="Arial" panose="020B0604020202020204" pitchFamily="34" charset="0"/>
-              </a:defRPr>
-            </a:lvl3pPr>
-            <a:lvl4pPr marL="1600200" indent="-228600" algn="l" defTabSz="914400" rtl="0" eaLnBrk="1" latinLnBrk="0" hangingPunct="1">
-              <a:lnSpc>
-                <a:spcPct val="90000"/>
-              </a:lnSpc>
-              <a:spcBef>
-                <a:spcPts val="500"/>
-              </a:spcBef>
-              <a:buFont typeface="Arial" panose="020B0604020202020204" pitchFamily="34" charset="0"/>
-              <a:buChar char="•"/>
-              <a:defRPr sz="1800" kern="1200">
-                <a:solidFill>
-                  <a:schemeClr val="tx1"/>
-                </a:solidFill>
-                <a:latin typeface="Arial" panose="020B0604020202020204" pitchFamily="34" charset="0"/>
-                <a:ea typeface="+mn-ea"/>
-                <a:cs typeface="Arial" panose="020B0604020202020204" pitchFamily="34" charset="0"/>
-              </a:defRPr>
-            </a:lvl4pPr>
-            <a:lvl5pPr marL="2057400" indent="-228600" algn="l" defTabSz="914400" rtl="0" eaLnBrk="1" latinLnBrk="0" hangingPunct="1">
-              <a:lnSpc>
-                <a:spcPct val="90000"/>
-              </a:lnSpc>
-              <a:spcBef>
-                <a:spcPts val="500"/>
-              </a:spcBef>
-              <a:buFont typeface="Arial" panose="020B0604020202020204" pitchFamily="34" charset="0"/>
-              <a:buChar char="•"/>
-              <a:defRPr sz="1800" kern="1200">
-                <a:solidFill>
-                  <a:schemeClr val="tx1"/>
-                </a:solidFill>
-                <a:latin typeface="Arial" panose="020B0604020202020204" pitchFamily="34" charset="0"/>
-                <a:ea typeface="+mn-ea"/>
-                <a:cs typeface="Arial" panose="020B0604020202020204" pitchFamily="34" charset="0"/>
-              </a:defRPr>
-            </a:lvl5pPr>
-            <a:lvl6pPr marL="2514600" indent="-228600" algn="l" defTabSz="914400" rtl="0" eaLnBrk="1" latinLnBrk="0" hangingPunct="1">
-              <a:lnSpc>
-                <a:spcPct val="90000"/>
-              </a:lnSpc>
-              <a:spcBef>
-                <a:spcPts val="500"/>
-              </a:spcBef>
-              <a:buFont typeface="Arial" panose="020B0604020202020204" pitchFamily="34" charset="0"/>
-              <a:buChar char="•"/>
-              <a:defRPr sz="1800" kern="1200">
-                <a:solidFill>
-                  <a:schemeClr val="tx1"/>
-                </a:solidFill>
-                <a:latin typeface="+mn-lt"/>
-                <a:ea typeface="+mn-ea"/>
-                <a:cs typeface="+mn-cs"/>
-              </a:defRPr>
-            </a:lvl6pPr>
-            <a:lvl7pPr marL="2971800" indent="-228600" algn="l" defTabSz="914400" rtl="0" eaLnBrk="1" latinLnBrk="0" hangingPunct="1">
-              <a:lnSpc>
-                <a:spcPct val="90000"/>
-              </a:lnSpc>
-              <a:spcBef>
-                <a:spcPts val="500"/>
-              </a:spcBef>
-              <a:buFont typeface="Arial" panose="020B0604020202020204" pitchFamily="34" charset="0"/>
-              <a:buChar char="•"/>
-              <a:defRPr sz="1800" kern="1200">
-                <a:solidFill>
-                  <a:schemeClr val="tx1"/>
-                </a:solidFill>
-                <a:latin typeface="+mn-lt"/>
-                <a:ea typeface="+mn-ea"/>
-                <a:cs typeface="+mn-cs"/>
-              </a:defRPr>
-            </a:lvl7pPr>
-            <a:lvl8pPr marL="3429000" indent="-228600" algn="l" defTabSz="914400" rtl="0" eaLnBrk="1" latinLnBrk="0" hangingPunct="1">
-              <a:lnSpc>
-                <a:spcPct val="90000"/>
-              </a:lnSpc>
-              <a:spcBef>
-                <a:spcPts val="500"/>
-              </a:spcBef>
-              <a:buFont typeface="Arial" panose="020B0604020202020204" pitchFamily="34" charset="0"/>
-              <a:buChar char="•"/>
-              <a:defRPr sz="1800" kern="1200">
-                <a:solidFill>
-                  <a:schemeClr val="tx1"/>
-                </a:solidFill>
-                <a:latin typeface="+mn-lt"/>
-                <a:ea typeface="+mn-ea"/>
-                <a:cs typeface="+mn-cs"/>
-              </a:defRPr>
-            </a:lvl8pPr>
-            <a:lvl9pPr marL="3886200" indent="-228600" algn="l" defTabSz="914400" rtl="0" eaLnBrk="1" latinLnBrk="0" hangingPunct="1">
-              <a:lnSpc>
-                <a:spcPct val="90000"/>
-              </a:lnSpc>
-              <a:spcBef>
-                <a:spcPts val="500"/>
-              </a:spcBef>
-              <a:buFont typeface="Arial" panose="020B0604020202020204" pitchFamily="34" charset="0"/>
-              <a:buChar char="•"/>
-              <a:defRPr sz="1800" kern="1200">
-                <a:solidFill>
-                  <a:schemeClr val="tx1"/>
-                </a:solidFill>
-                <a:latin typeface="+mn-lt"/>
-                <a:ea typeface="+mn-ea"/>
-                <a:cs typeface="+mn-cs"/>
-              </a:defRPr>
-            </a:lvl9pPr>
-          </a:lstStyle>
-          <a:p>
-            <a:pPr marL="0" indent="0">
-              <a:buNone/>
-            </a:pPr>
-            <a:endParaRPr lang="de-DE" sz="3200" dirty="0">
-              <a:solidFill>
-                <a:schemeClr val="tx2"/>
-              </a:solidFill>
-              <a:ea typeface="+mj-ea"/>
-            </a:endParaRPr>
-          </a:p>
-        </p:txBody>
-      </p:sp>
-      <p:pic>
-        <p:nvPicPr>
-          <p:cNvPr id="10" name="Grafik 9"/>
-          <p:cNvPicPr>
-            <a:picLocks noChangeAspect="1"/>
-          </p:cNvPicPr>
-          <p:nvPr/>
-        </p:nvPicPr>
-        <p:blipFill>
-          <a:blip r:embed="rId3"/>
-          <a:stretch>
-            <a:fillRect/>
-          </a:stretch>
-        </p:blipFill>
-        <p:spPr>
-          <a:xfrm>
-            <a:off x="4464720" y="3687826"/>
-            <a:ext cx="1656184" cy="2398155"/>
-          </a:xfrm>
-          <a:prstGeom prst="rect">
-            <a:avLst/>
-          </a:prstGeom>
-        </p:spPr>
-      </p:pic>
-      <p:pic>
-        <p:nvPicPr>
-          <p:cNvPr id="1026" name="Picture 2" descr="Related image"/>
-          <p:cNvPicPr>
-            <a:picLocks noChangeAspect="1" noChangeArrowheads="1"/>
-          </p:cNvPicPr>
-          <p:nvPr/>
-        </p:nvPicPr>
-        <p:blipFill rotWithShape="1">
-          <a:blip r:embed="rId4" cstate="print">
-            <a:extLst>
-              <a:ext uri="{28A0092B-C50C-407E-A947-70E740481C1C}">
-                <a14:useLocalDpi xmlns:a14="http://schemas.microsoft.com/office/drawing/2010/main" val="0"/>
-              </a:ext>
-            </a:extLst>
-          </a:blip>
-          <a:srcRect l="7480" t="3745" r="13910" b="5366"/>
-          <a:stretch/>
-        </p:blipFill>
-        <p:spPr bwMode="auto">
-          <a:xfrm rot="16200000">
-            <a:off x="6370095" y="3129505"/>
-            <a:ext cx="3160213" cy="2921000"/>
-          </a:xfrm>
-          <a:prstGeom prst="rect">
-            <a:avLst/>
-          </a:prstGeom>
-          <a:noFill/>
-          <a:extLst>
-            <a:ext uri="{909E8E84-426E-40DD-AFC4-6F175D3DCCD1}">
-              <a14:hiddenFill xmlns:a14="http://schemas.microsoft.com/office/drawing/2010/main">
-                <a:solidFill>
-                  <a:srgbClr val="FFFFFF"/>
-                </a:solidFill>
-              </a14:hiddenFill>
-            </a:ext>
-          </a:extLst>
-        </p:spPr>
-      </p:pic>
-    </p:spTree>
-    <p:extLst>
-      <p:ext uri="{BB962C8B-B14F-4D97-AF65-F5344CB8AC3E}">
-        <p14:creationId xmlns:p14="http://schemas.microsoft.com/office/powerpoint/2010/main" val="1734047464"/>
-      </p:ext>
-    </p:extLst>
-  </p:cSld>
-  <p:clrMapOvr>
-    <a:masterClrMapping/>
-  </p:clrMapOvr>
-  <mc:AlternateContent xmlns:mc="http://schemas.openxmlformats.org/markup-compatibility/2006" xmlns:p14="http://schemas.microsoft.com/office/powerpoint/2010/main">
-    <mc:Choice Requires="p14">
-      <p:transition p14:dur="0"/>
-    </mc:Choice>
-    <mc:Fallback xmlns="">
-      <p:transition/>
-    </mc:Fallback>
-  </mc:AlternateContent>
-  <p:timing>
-    <p:tnLst>
-      <p:par>
-        <p:cTn id="1" dur="indefinite" restart="never" nodeType="tmRoot"/>
-      </p:par>
-    </p:tnLst>
-  </p:timing>
-</p:sld>
-</file>
-
-<file path=ppt/slides/slide50.xml><?xml version="1.0" encoding="utf-8"?>
-<p:sld xmlns:a="http://schemas.openxmlformats.org/drawingml/2006/main" xmlns:r="http://schemas.openxmlformats.org/officeDocument/2006/relationships" xmlns:p="http://schemas.openxmlformats.org/presentationml/2006/main">
-  <p:cSld>
-    <p:spTree>
-      <p:nvGrpSpPr>
-        <p:cNvPr id="1" name=""/>
-        <p:cNvGrpSpPr/>
-        <p:nvPr/>
-      </p:nvGrpSpPr>
-      <p:grpSpPr>
-        <a:xfrm>
-          <a:off x="0" y="0"/>
-          <a:ext cx="0" cy="0"/>
-          <a:chOff x="0" y="0"/>
-          <a:chExt cx="0" cy="0"/>
-        </a:xfrm>
-      </p:grpSpPr>
-      <p:sp>
-        <p:nvSpPr>
-          <p:cNvPr id="2" name="Titel 1"/>
-          <p:cNvSpPr>
-            <a:spLocks noGrp="1"/>
-          </p:cNvSpPr>
-          <p:nvPr>
-            <p:ph type="title"/>
-          </p:nvPr>
-        </p:nvSpPr>
-        <p:spPr>
-          <a:xfrm>
-            <a:off x="838200" y="365126"/>
-            <a:ext cx="11252200" cy="1240116"/>
-          </a:xfrm>
-        </p:spPr>
-        <p:txBody>
-          <a:bodyPr>
-            <a:normAutofit/>
-          </a:bodyPr>
-          <a:lstStyle/>
-          <a:p>
-            <a:r>
-              <a:rPr lang="de-DE" dirty="0" smtClean="0"/>
-              <a:t>Python Grundlagen</a:t>
-            </a:r>
-            <a:br>
-              <a:rPr lang="de-DE" dirty="0" smtClean="0"/>
-            </a:br>
-            <a:r>
-              <a:rPr lang="de-DE" sz="2400" dirty="0" smtClean="0">
-                <a:solidFill>
-                  <a:schemeClr val="tx1"/>
-                </a:solidFill>
-              </a:rPr>
-              <a:t>Wiederholungen</a:t>
-            </a:r>
-            <a:r>
-              <a:rPr lang="de-DE" sz="2800" b="1" dirty="0" smtClean="0">
-                <a:solidFill>
-                  <a:schemeClr val="accent1">
-                    <a:lumMod val="75000"/>
-                  </a:schemeClr>
-                </a:solidFill>
-                <a:effectLst>
-                  <a:outerShdw blurRad="60007" dir="2000400" sy="-30000" kx="-800400" algn="bl" rotWithShape="0">
-                    <a:prstClr val="black">
-                      <a:alpha val="20000"/>
-                    </a:prstClr>
-                  </a:outerShdw>
-                </a:effectLst>
-              </a:rPr>
-              <a:t>	</a:t>
-            </a:r>
-            <a:r>
-              <a:rPr lang="de-DE" sz="2800" b="1" dirty="0">
-                <a:solidFill>
-                  <a:schemeClr val="accent1">
-                    <a:lumMod val="75000"/>
-                  </a:schemeClr>
-                </a:solidFill>
-                <a:effectLst>
-                  <a:outerShdw blurRad="60007" dir="2000400" sy="-30000" kx="-800400" algn="bl" rotWithShape="0">
-                    <a:prstClr val="black">
-                      <a:alpha val="20000"/>
-                    </a:prstClr>
-                  </a:outerShdw>
-                </a:effectLst>
-              </a:rPr>
-              <a:t>Verzweigungen</a:t>
-            </a:r>
-            <a:r>
-              <a:rPr lang="de-DE" sz="2400" dirty="0" smtClean="0">
-                <a:solidFill>
-                  <a:schemeClr val="tx1"/>
-                </a:solidFill>
-              </a:rPr>
-              <a:t>  	Methoden</a:t>
-            </a:r>
-            <a:r>
-              <a:rPr lang="de-DE" sz="2400" dirty="0">
-                <a:solidFill>
-                  <a:schemeClr val="tx1"/>
-                </a:solidFill>
-              </a:rPr>
-              <a:t>	</a:t>
-            </a:r>
-            <a:r>
-              <a:rPr lang="de-DE" sz="2400" dirty="0" smtClean="0">
-                <a:solidFill>
-                  <a:schemeClr val="tx1"/>
-                </a:solidFill>
-              </a:rPr>
-              <a:t>	Funktionen</a:t>
-            </a:r>
-            <a:endParaRPr lang="de-DE" sz="2400" dirty="0">
-              <a:solidFill>
-                <a:schemeClr val="tx1"/>
-              </a:solidFill>
-            </a:endParaRPr>
-          </a:p>
-        </p:txBody>
-      </p:sp>
-      <p:sp>
-        <p:nvSpPr>
-          <p:cNvPr id="3" name="Inhaltsplatzhalter 2"/>
-          <p:cNvSpPr>
-            <a:spLocks noGrp="1"/>
-          </p:cNvSpPr>
-          <p:nvPr>
-            <p:ph idx="1"/>
-          </p:nvPr>
-        </p:nvSpPr>
-        <p:spPr>
-          <a:xfrm>
-            <a:off x="838200" y="1993900"/>
-            <a:ext cx="10591800" cy="4267200"/>
-          </a:xfrm>
-        </p:spPr>
-        <p:txBody>
-          <a:bodyPr>
-            <a:normAutofit/>
-          </a:bodyPr>
-          <a:lstStyle/>
-          <a:p>
-            <a:r>
-              <a:rPr lang="de-DE" dirty="0" err="1" smtClean="0"/>
-              <a:t>If</a:t>
-            </a:r>
-            <a:r>
-              <a:rPr lang="de-DE" dirty="0" smtClean="0"/>
-              <a:t> - Befehl</a:t>
-            </a:r>
-          </a:p>
-          <a:p>
-            <a:pPr lvl="1">
-              <a:buClr>
-                <a:schemeClr val="tx1"/>
-              </a:buClr>
-            </a:pPr>
-            <a:r>
-              <a:rPr lang="de-DE" b="1" dirty="0" err="1" smtClean="0">
-                <a:solidFill>
-                  <a:schemeClr val="accent1">
-                    <a:lumMod val="75000"/>
-                  </a:schemeClr>
-                </a:solidFill>
-              </a:rPr>
-              <a:t>if</a:t>
-            </a:r>
-            <a:r>
-              <a:rPr lang="de-DE" b="1" dirty="0" smtClean="0">
-                <a:solidFill>
-                  <a:schemeClr val="accent1">
-                    <a:lumMod val="75000"/>
-                  </a:schemeClr>
-                </a:solidFill>
-              </a:rPr>
-              <a:t> </a:t>
-            </a:r>
-            <a:r>
-              <a:rPr lang="de-DE" i="1" dirty="0" smtClean="0">
-                <a:solidFill>
-                  <a:schemeClr val="accent2">
-                    <a:lumMod val="75000"/>
-                  </a:schemeClr>
-                </a:solidFill>
-              </a:rPr>
-              <a:t>Bedingung</a:t>
-            </a:r>
-            <a:r>
-              <a:rPr lang="de-DE" i="1" dirty="0" smtClean="0"/>
-              <a:t/>
-            </a:r>
-            <a:br>
-              <a:rPr lang="de-DE" i="1" dirty="0" smtClean="0"/>
-            </a:br>
-            <a:r>
-              <a:rPr lang="de-DE" dirty="0" smtClean="0"/>
-              <a:t>	# wenn </a:t>
-            </a:r>
-            <a:r>
-              <a:rPr lang="de-DE" i="1" dirty="0">
-                <a:solidFill>
-                  <a:schemeClr val="accent2">
-                    <a:lumMod val="75000"/>
-                  </a:schemeClr>
-                </a:solidFill>
-              </a:rPr>
-              <a:t>Bedingung</a:t>
-            </a:r>
-            <a:r>
-              <a:rPr lang="de-DE" dirty="0" smtClean="0"/>
-              <a:t> wahr ist</a:t>
-            </a:r>
-            <a:br>
-              <a:rPr lang="de-DE" dirty="0" smtClean="0"/>
-            </a:br>
-            <a:r>
-              <a:rPr lang="de-DE" b="1" dirty="0" err="1">
-                <a:solidFill>
-                  <a:schemeClr val="accent1">
-                    <a:lumMod val="75000"/>
-                  </a:schemeClr>
-                </a:solidFill>
-              </a:rPr>
-              <a:t>elif</a:t>
-            </a:r>
-            <a:r>
-              <a:rPr lang="de-DE" dirty="0" smtClean="0"/>
-              <a:t> </a:t>
-            </a:r>
-            <a:r>
-              <a:rPr lang="de-DE" i="1" dirty="0">
-                <a:solidFill>
-                  <a:schemeClr val="accent2">
-                    <a:lumMod val="75000"/>
-                  </a:schemeClr>
-                </a:solidFill>
-              </a:rPr>
-              <a:t>Bedingung2</a:t>
-            </a:r>
-            <a:r>
-              <a:rPr lang="de-DE" i="1" dirty="0" smtClean="0"/>
-              <a:t/>
-            </a:r>
-            <a:br>
-              <a:rPr lang="de-DE" i="1" dirty="0" smtClean="0"/>
-            </a:br>
-            <a:r>
-              <a:rPr lang="de-DE" dirty="0" smtClean="0"/>
-              <a:t>	# wenn </a:t>
-            </a:r>
-            <a:r>
-              <a:rPr lang="de-DE" i="1" dirty="0">
-                <a:solidFill>
-                  <a:schemeClr val="accent2">
-                    <a:lumMod val="75000"/>
-                  </a:schemeClr>
-                </a:solidFill>
-              </a:rPr>
-              <a:t>Bedingung</a:t>
-            </a:r>
-            <a:r>
-              <a:rPr lang="de-DE" dirty="0" smtClean="0"/>
-              <a:t> nicht wahr aber </a:t>
-            </a:r>
-            <a:r>
-              <a:rPr lang="de-DE" i="1" dirty="0">
-                <a:solidFill>
-                  <a:schemeClr val="accent2">
-                    <a:lumMod val="75000"/>
-                  </a:schemeClr>
-                </a:solidFill>
-              </a:rPr>
-              <a:t>Bedingung2</a:t>
-            </a:r>
-            <a:r>
-              <a:rPr lang="de-DE" dirty="0" smtClean="0"/>
-              <a:t> wahr ist</a:t>
-            </a:r>
-            <a:r>
-              <a:rPr lang="de-DE" dirty="0"/>
-              <a:t/>
-            </a:r>
-            <a:br>
-              <a:rPr lang="de-DE" dirty="0"/>
-            </a:br>
-            <a:r>
-              <a:rPr lang="de-DE" b="1" dirty="0" err="1">
-                <a:solidFill>
-                  <a:schemeClr val="accent1">
-                    <a:lumMod val="75000"/>
-                  </a:schemeClr>
-                </a:solidFill>
-              </a:rPr>
-              <a:t>else</a:t>
-            </a:r>
-            <a:r>
-              <a:rPr lang="de-DE" dirty="0" smtClean="0"/>
-              <a:t/>
-            </a:r>
-            <a:br>
-              <a:rPr lang="de-DE" dirty="0" smtClean="0"/>
-            </a:br>
-            <a:r>
-              <a:rPr lang="de-DE" dirty="0" smtClean="0"/>
-              <a:t>	# wenn weder </a:t>
-            </a:r>
-            <a:r>
-              <a:rPr lang="de-DE" i="1" dirty="0">
-                <a:solidFill>
-                  <a:schemeClr val="accent2">
-                    <a:lumMod val="75000"/>
-                  </a:schemeClr>
-                </a:solidFill>
-              </a:rPr>
-              <a:t>Bedingung</a:t>
-            </a:r>
-            <a:r>
-              <a:rPr lang="de-DE" dirty="0" smtClean="0"/>
-              <a:t> noch </a:t>
-            </a:r>
-            <a:r>
-              <a:rPr lang="de-DE" i="1" dirty="0">
-                <a:solidFill>
-                  <a:schemeClr val="accent2">
-                    <a:lumMod val="75000"/>
-                  </a:schemeClr>
-                </a:solidFill>
-              </a:rPr>
-              <a:t>Bedingung2</a:t>
-            </a:r>
-            <a:r>
-              <a:rPr lang="de-DE" dirty="0" smtClean="0"/>
-              <a:t> wahr sind</a:t>
-            </a:r>
-          </a:p>
-        </p:txBody>
-      </p:sp>
-      <p:sp>
-        <p:nvSpPr>
-          <p:cNvPr id="4" name="Datumsplatzhalter 3"/>
-          <p:cNvSpPr>
-            <a:spLocks noGrp="1"/>
-          </p:cNvSpPr>
-          <p:nvPr>
-            <p:ph type="dt" sz="half" idx="10"/>
-          </p:nvPr>
-        </p:nvSpPr>
-        <p:spPr/>
-        <p:txBody>
-          <a:bodyPr/>
-          <a:lstStyle/>
-          <a:p>
-            <a:fld id="{D3B4AE11-6847-4A98-9145-2F7B754CAADC}" type="datetime1">
-              <a:rPr lang="de-DE" smtClean="0"/>
-              <a:t>22.02.2018</a:t>
-            </a:fld>
-            <a:endParaRPr lang="de-DE"/>
-          </a:p>
-        </p:txBody>
-      </p:sp>
-      <p:sp>
-        <p:nvSpPr>
-          <p:cNvPr id="5" name="Fußzeilenplatzhalter 4"/>
-          <p:cNvSpPr>
-            <a:spLocks noGrp="1"/>
-          </p:cNvSpPr>
-          <p:nvPr>
-            <p:ph type="ftr" sz="quarter" idx="11"/>
-          </p:nvPr>
-        </p:nvSpPr>
-        <p:spPr/>
-        <p:txBody>
-          <a:bodyPr/>
-          <a:lstStyle/>
-          <a:p>
-            <a:endParaRPr lang="de-DE" dirty="0"/>
-          </a:p>
-        </p:txBody>
-      </p:sp>
-      <p:sp>
-        <p:nvSpPr>
-          <p:cNvPr id="6" name="Foliennummernplatzhalter 5"/>
-          <p:cNvSpPr>
-            <a:spLocks noGrp="1"/>
-          </p:cNvSpPr>
-          <p:nvPr>
-            <p:ph type="sldNum" sz="quarter" idx="12"/>
-          </p:nvPr>
-        </p:nvSpPr>
-        <p:spPr/>
-        <p:txBody>
-          <a:bodyPr/>
-          <a:lstStyle/>
-          <a:p>
-            <a:fld id="{3A1F27E2-D58A-4028-9FF2-B12D897F257E}" type="slidenum">
-              <a:rPr lang="de-DE" smtClean="0"/>
-              <a:t>50</a:t>
             </a:fld>
             <a:endParaRPr lang="de-DE"/>
           </a:p>
@@ -23953,7 +23117,7 @@
 </p:sld>
 </file>
 
-<file path=ppt/slides/slide51.xml><?xml version="1.0" encoding="utf-8"?>
+<file path=ppt/slides/slide5.xml><?xml version="1.0" encoding="utf-8"?>
 <p:sld xmlns:a="http://schemas.openxmlformats.org/drawingml/2006/main" xmlns:r="http://schemas.openxmlformats.org/officeDocument/2006/relationships" xmlns:p="http://schemas.openxmlformats.org/presentationml/2006/main">
   <p:cSld>
     <p:spTree>
@@ -23980,12 +23144,7 @@
             <p:ph type="title"/>
           </p:nvPr>
         </p:nvSpPr>
-        <p:spPr>
-          <a:xfrm>
-            <a:off x="838200" y="365126"/>
-            <a:ext cx="11252200" cy="1240116"/>
-          </a:xfrm>
-        </p:spPr>
+        <p:spPr/>
         <p:txBody>
           <a:bodyPr>
             <a:normAutofit/>
@@ -23994,13 +23153,13 @@
           <a:p>
             <a:r>
               <a:rPr lang="de-DE" dirty="0" smtClean="0"/>
-              <a:t>Python Grundlagen</a:t>
+              <a:t>Programmiersprachen</a:t>
             </a:r>
             <a:br>
               <a:rPr lang="de-DE" dirty="0" smtClean="0"/>
             </a:br>
             <a:r>
-              <a:rPr lang="de-DE" sz="2800" b="1" dirty="0">
+              <a:rPr lang="de-DE" sz="2800" b="1" dirty="0" smtClean="0">
                 <a:solidFill>
                   <a:schemeClr val="accent1">
                     <a:lumMod val="75000"/>
@@ -24014,6 +23173,566 @@
                   </a:outerShdw>
                 </a:effectLst>
               </a:rPr>
+              <a:t>Maschinensprache</a:t>
+            </a:r>
+            <a:r>
+              <a:rPr lang="de-DE" sz="2800" dirty="0" smtClean="0">
+                <a:solidFill>
+                  <a:schemeClr val="tx1"/>
+                </a:solidFill>
+              </a:rPr>
+              <a:t> 	</a:t>
+            </a:r>
+            <a:r>
+              <a:rPr lang="de-DE" sz="2400" dirty="0">
+                <a:solidFill>
+                  <a:schemeClr val="tx1"/>
+                </a:solidFill>
+              </a:rPr>
+              <a:t>Assembler</a:t>
+            </a:r>
+            <a:r>
+              <a:rPr lang="de-DE" sz="2800" dirty="0" smtClean="0">
+                <a:solidFill>
+                  <a:schemeClr val="tx1"/>
+                </a:solidFill>
+              </a:rPr>
+              <a:t> 		</a:t>
+            </a:r>
+            <a:r>
+              <a:rPr lang="de-DE" sz="2400" dirty="0">
+                <a:solidFill>
+                  <a:schemeClr val="tx1"/>
+                </a:solidFill>
+              </a:rPr>
+              <a:t>C</a:t>
+            </a:r>
+            <a:r>
+              <a:rPr lang="de-DE" sz="2800" dirty="0" smtClean="0">
+                <a:solidFill>
+                  <a:schemeClr val="tx1"/>
+                </a:solidFill>
+              </a:rPr>
+              <a:t> 		</a:t>
+            </a:r>
+            <a:r>
+              <a:rPr lang="de-DE" sz="2400" dirty="0">
+                <a:solidFill>
+                  <a:schemeClr val="tx1"/>
+                </a:solidFill>
+              </a:rPr>
+              <a:t>Python</a:t>
+            </a:r>
+          </a:p>
+        </p:txBody>
+      </p:sp>
+      <p:sp>
+        <p:nvSpPr>
+          <p:cNvPr id="3" name="Inhaltsplatzhalter 2"/>
+          <p:cNvSpPr>
+            <a:spLocks noGrp="1"/>
+          </p:cNvSpPr>
+          <p:nvPr>
+            <p:ph idx="1"/>
+          </p:nvPr>
+        </p:nvSpPr>
+        <p:spPr>
+          <a:xfrm>
+            <a:off x="838200" y="1993900"/>
+            <a:ext cx="10515600" cy="4183062"/>
+          </a:xfrm>
+        </p:spPr>
+        <p:txBody>
+          <a:bodyPr/>
+          <a:lstStyle/>
+          <a:p>
+            <a:r>
+              <a:rPr lang="de-DE" dirty="0" smtClean="0"/>
+              <a:t>Prozessor versteht Maschinensprache</a:t>
+            </a:r>
+          </a:p>
+          <a:p>
+            <a:r>
+              <a:rPr lang="de-DE" dirty="0" smtClean="0"/>
+              <a:t>Prozessoren führen Befehle / Berechnungen aus</a:t>
+            </a:r>
+          </a:p>
+          <a:p>
+            <a:r>
+              <a:rPr lang="de-DE" dirty="0" smtClean="0"/>
+              <a:t>Maschinensprache sind Zahlen</a:t>
+            </a:r>
+          </a:p>
+          <a:p>
+            <a:pPr lvl="1"/>
+            <a:r>
+              <a:rPr lang="de-DE" dirty="0" smtClean="0"/>
+              <a:t>Meist Hexadezimal</a:t>
+            </a:r>
+            <a:endParaRPr lang="de-DE" dirty="0"/>
+          </a:p>
+        </p:txBody>
+      </p:sp>
+      <p:sp>
+        <p:nvSpPr>
+          <p:cNvPr id="4" name="Datumsplatzhalter 3"/>
+          <p:cNvSpPr>
+            <a:spLocks noGrp="1"/>
+          </p:cNvSpPr>
+          <p:nvPr>
+            <p:ph type="dt" sz="half" idx="10"/>
+          </p:nvPr>
+        </p:nvSpPr>
+        <p:spPr/>
+        <p:txBody>
+          <a:bodyPr/>
+          <a:lstStyle/>
+          <a:p>
+            <a:fld id="{C1921D34-303B-4044-A77B-A7659C9CFEF9}" type="datetime1">
+              <a:rPr lang="de-DE" smtClean="0"/>
+              <a:t>27.03.2018</a:t>
+            </a:fld>
+            <a:endParaRPr lang="de-DE"/>
+          </a:p>
+        </p:txBody>
+      </p:sp>
+      <p:sp>
+        <p:nvSpPr>
+          <p:cNvPr id="5" name="Fußzeilenplatzhalter 4"/>
+          <p:cNvSpPr>
+            <a:spLocks noGrp="1"/>
+          </p:cNvSpPr>
+          <p:nvPr>
+            <p:ph type="ftr" sz="quarter" idx="11"/>
+          </p:nvPr>
+        </p:nvSpPr>
+        <p:spPr/>
+        <p:txBody>
+          <a:bodyPr/>
+          <a:lstStyle/>
+          <a:p>
+            <a:r>
+              <a:rPr lang="de-DE" smtClean="0"/>
+              <a:t>Python Einführung</a:t>
+            </a:r>
+            <a:endParaRPr lang="de-DE"/>
+          </a:p>
+        </p:txBody>
+      </p:sp>
+      <p:pic>
+        <p:nvPicPr>
+          <p:cNvPr id="1028" name="Picture 4" descr="Related image"/>
+          <p:cNvPicPr>
+            <a:picLocks noChangeAspect="1" noChangeArrowheads="1"/>
+          </p:cNvPicPr>
+          <p:nvPr/>
+        </p:nvPicPr>
+        <p:blipFill>
+          <a:blip r:embed="rId2" cstate="print">
+            <a:extLst>
+              <a:ext uri="{28A0092B-C50C-407E-A947-70E740481C1C}">
+                <a14:useLocalDpi xmlns:a14="http://schemas.microsoft.com/office/drawing/2010/main" val="0"/>
+              </a:ext>
+            </a:extLst>
+          </a:blip>
+          <a:srcRect/>
+          <a:stretch>
+            <a:fillRect/>
+          </a:stretch>
+        </p:blipFill>
+        <p:spPr bwMode="auto">
+          <a:xfrm>
+            <a:off x="9278937" y="1828800"/>
+            <a:ext cx="2338388" cy="2338388"/>
+          </a:xfrm>
+          <a:prstGeom prst="rect">
+            <a:avLst/>
+          </a:prstGeom>
+          <a:noFill/>
+          <a:extLst>
+            <a:ext uri="{909E8E84-426E-40DD-AFC4-6F175D3DCCD1}">
+              <a14:hiddenFill xmlns:a14="http://schemas.microsoft.com/office/drawing/2010/main">
+                <a:solidFill>
+                  <a:srgbClr val="FFFFFF"/>
+                </a:solidFill>
+              </a14:hiddenFill>
+            </a:ext>
+          </a:extLst>
+        </p:spPr>
+      </p:pic>
+      <p:sp>
+        <p:nvSpPr>
+          <p:cNvPr id="6" name="Foliennummernplatzhalter 5"/>
+          <p:cNvSpPr>
+            <a:spLocks noGrp="1"/>
+          </p:cNvSpPr>
+          <p:nvPr>
+            <p:ph type="sldNum" sz="quarter" idx="12"/>
+          </p:nvPr>
+        </p:nvSpPr>
+        <p:spPr/>
+        <p:txBody>
+          <a:bodyPr/>
+          <a:lstStyle/>
+          <a:p>
+            <a:fld id="{3A1F27E2-D58A-4028-9FF2-B12D897F257E}" type="slidenum">
+              <a:rPr lang="de-DE" smtClean="0"/>
+              <a:t>5</a:t>
+            </a:fld>
+            <a:endParaRPr lang="de-DE"/>
+          </a:p>
+        </p:txBody>
+      </p:sp>
+      <p:sp>
+        <p:nvSpPr>
+          <p:cNvPr id="9" name="Inhaltsplatzhalter 2"/>
+          <p:cNvSpPr txBox="1">
+            <a:spLocks/>
+          </p:cNvSpPr>
+          <p:nvPr/>
+        </p:nvSpPr>
+        <p:spPr>
+          <a:xfrm>
+            <a:off x="863600" y="1930400"/>
+            <a:ext cx="10629900" cy="774700"/>
+          </a:xfrm>
+          <a:prstGeom prst="rect">
+            <a:avLst/>
+          </a:prstGeom>
+        </p:spPr>
+        <p:txBody>
+          <a:bodyPr vert="horz" lIns="91440" tIns="45720" rIns="91440" bIns="45720" rtlCol="0">
+            <a:normAutofit/>
+          </a:bodyPr>
+          <a:lstStyle>
+            <a:lvl1pPr marL="228600" indent="-228600" algn="l" defTabSz="914400" rtl="0" eaLnBrk="1" latinLnBrk="0" hangingPunct="1">
+              <a:lnSpc>
+                <a:spcPct val="90000"/>
+              </a:lnSpc>
+              <a:spcBef>
+                <a:spcPts val="1000"/>
+              </a:spcBef>
+              <a:buFont typeface="Arial" panose="020B0604020202020204" pitchFamily="34" charset="0"/>
+              <a:buChar char="•"/>
+              <a:defRPr sz="2800" kern="1200">
+                <a:solidFill>
+                  <a:schemeClr val="tx1"/>
+                </a:solidFill>
+                <a:latin typeface="Arial" panose="020B0604020202020204" pitchFamily="34" charset="0"/>
+                <a:ea typeface="+mn-ea"/>
+                <a:cs typeface="Arial" panose="020B0604020202020204" pitchFamily="34" charset="0"/>
+              </a:defRPr>
+            </a:lvl1pPr>
+            <a:lvl2pPr marL="685800" indent="-228600" algn="l" defTabSz="914400" rtl="0" eaLnBrk="1" latinLnBrk="0" hangingPunct="1">
+              <a:lnSpc>
+                <a:spcPct val="90000"/>
+              </a:lnSpc>
+              <a:spcBef>
+                <a:spcPts val="500"/>
+              </a:spcBef>
+              <a:buFont typeface="Arial" panose="020B0604020202020204" pitchFamily="34" charset="0"/>
+              <a:buChar char="•"/>
+              <a:defRPr sz="2400" kern="1200">
+                <a:solidFill>
+                  <a:schemeClr val="tx1"/>
+                </a:solidFill>
+                <a:latin typeface="Arial" panose="020B0604020202020204" pitchFamily="34" charset="0"/>
+                <a:ea typeface="+mn-ea"/>
+                <a:cs typeface="Arial" panose="020B0604020202020204" pitchFamily="34" charset="0"/>
+              </a:defRPr>
+            </a:lvl2pPr>
+            <a:lvl3pPr marL="1143000" indent="-228600" algn="l" defTabSz="914400" rtl="0" eaLnBrk="1" latinLnBrk="0" hangingPunct="1">
+              <a:lnSpc>
+                <a:spcPct val="90000"/>
+              </a:lnSpc>
+              <a:spcBef>
+                <a:spcPts val="500"/>
+              </a:spcBef>
+              <a:buFont typeface="Arial" panose="020B0604020202020204" pitchFamily="34" charset="0"/>
+              <a:buChar char="•"/>
+              <a:defRPr sz="2000" kern="1200">
+                <a:solidFill>
+                  <a:schemeClr val="tx1"/>
+                </a:solidFill>
+                <a:latin typeface="Arial" panose="020B0604020202020204" pitchFamily="34" charset="0"/>
+                <a:ea typeface="+mn-ea"/>
+                <a:cs typeface="Arial" panose="020B0604020202020204" pitchFamily="34" charset="0"/>
+              </a:defRPr>
+            </a:lvl3pPr>
+            <a:lvl4pPr marL="1600200" indent="-228600" algn="l" defTabSz="914400" rtl="0" eaLnBrk="1" latinLnBrk="0" hangingPunct="1">
+              <a:lnSpc>
+                <a:spcPct val="90000"/>
+              </a:lnSpc>
+              <a:spcBef>
+                <a:spcPts val="500"/>
+              </a:spcBef>
+              <a:buFont typeface="Arial" panose="020B0604020202020204" pitchFamily="34" charset="0"/>
+              <a:buChar char="•"/>
+              <a:defRPr sz="1800" kern="1200">
+                <a:solidFill>
+                  <a:schemeClr val="tx1"/>
+                </a:solidFill>
+                <a:latin typeface="Arial" panose="020B0604020202020204" pitchFamily="34" charset="0"/>
+                <a:ea typeface="+mn-ea"/>
+                <a:cs typeface="Arial" panose="020B0604020202020204" pitchFamily="34" charset="0"/>
+              </a:defRPr>
+            </a:lvl4pPr>
+            <a:lvl5pPr marL="2057400" indent="-228600" algn="l" defTabSz="914400" rtl="0" eaLnBrk="1" latinLnBrk="0" hangingPunct="1">
+              <a:lnSpc>
+                <a:spcPct val="90000"/>
+              </a:lnSpc>
+              <a:spcBef>
+                <a:spcPts val="500"/>
+              </a:spcBef>
+              <a:buFont typeface="Arial" panose="020B0604020202020204" pitchFamily="34" charset="0"/>
+              <a:buChar char="•"/>
+              <a:defRPr sz="1800" kern="1200">
+                <a:solidFill>
+                  <a:schemeClr val="tx1"/>
+                </a:solidFill>
+                <a:latin typeface="Arial" panose="020B0604020202020204" pitchFamily="34" charset="0"/>
+                <a:ea typeface="+mn-ea"/>
+                <a:cs typeface="Arial" panose="020B0604020202020204" pitchFamily="34" charset="0"/>
+              </a:defRPr>
+            </a:lvl5pPr>
+            <a:lvl6pPr marL="2514600" indent="-228600" algn="l" defTabSz="914400" rtl="0" eaLnBrk="1" latinLnBrk="0" hangingPunct="1">
+              <a:lnSpc>
+                <a:spcPct val="90000"/>
+              </a:lnSpc>
+              <a:spcBef>
+                <a:spcPts val="500"/>
+              </a:spcBef>
+              <a:buFont typeface="Arial" panose="020B0604020202020204" pitchFamily="34" charset="0"/>
+              <a:buChar char="•"/>
+              <a:defRPr sz="1800" kern="1200">
+                <a:solidFill>
+                  <a:schemeClr val="tx1"/>
+                </a:solidFill>
+                <a:latin typeface="+mn-lt"/>
+                <a:ea typeface="+mn-ea"/>
+                <a:cs typeface="+mn-cs"/>
+              </a:defRPr>
+            </a:lvl6pPr>
+            <a:lvl7pPr marL="2971800" indent="-228600" algn="l" defTabSz="914400" rtl="0" eaLnBrk="1" latinLnBrk="0" hangingPunct="1">
+              <a:lnSpc>
+                <a:spcPct val="90000"/>
+              </a:lnSpc>
+              <a:spcBef>
+                <a:spcPts val="500"/>
+              </a:spcBef>
+              <a:buFont typeface="Arial" panose="020B0604020202020204" pitchFamily="34" charset="0"/>
+              <a:buChar char="•"/>
+              <a:defRPr sz="1800" kern="1200">
+                <a:solidFill>
+                  <a:schemeClr val="tx1"/>
+                </a:solidFill>
+                <a:latin typeface="+mn-lt"/>
+                <a:ea typeface="+mn-ea"/>
+                <a:cs typeface="+mn-cs"/>
+              </a:defRPr>
+            </a:lvl7pPr>
+            <a:lvl8pPr marL="3429000" indent="-228600" algn="l" defTabSz="914400" rtl="0" eaLnBrk="1" latinLnBrk="0" hangingPunct="1">
+              <a:lnSpc>
+                <a:spcPct val="90000"/>
+              </a:lnSpc>
+              <a:spcBef>
+                <a:spcPts val="500"/>
+              </a:spcBef>
+              <a:buFont typeface="Arial" panose="020B0604020202020204" pitchFamily="34" charset="0"/>
+              <a:buChar char="•"/>
+              <a:defRPr sz="1800" kern="1200">
+                <a:solidFill>
+                  <a:schemeClr val="tx1"/>
+                </a:solidFill>
+                <a:latin typeface="+mn-lt"/>
+                <a:ea typeface="+mn-ea"/>
+                <a:cs typeface="+mn-cs"/>
+              </a:defRPr>
+            </a:lvl8pPr>
+            <a:lvl9pPr marL="3886200" indent="-228600" algn="l" defTabSz="914400" rtl="0" eaLnBrk="1" latinLnBrk="0" hangingPunct="1">
+              <a:lnSpc>
+                <a:spcPct val="90000"/>
+              </a:lnSpc>
+              <a:spcBef>
+                <a:spcPts val="500"/>
+              </a:spcBef>
+              <a:buFont typeface="Arial" panose="020B0604020202020204" pitchFamily="34" charset="0"/>
+              <a:buChar char="•"/>
+              <a:defRPr sz="1800" kern="1200">
+                <a:solidFill>
+                  <a:schemeClr val="tx1"/>
+                </a:solidFill>
+                <a:latin typeface="+mn-lt"/>
+                <a:ea typeface="+mn-ea"/>
+                <a:cs typeface="+mn-cs"/>
+              </a:defRPr>
+            </a:lvl9pPr>
+          </a:lstStyle>
+          <a:p>
+            <a:pPr marL="0" indent="0">
+              <a:buNone/>
+            </a:pPr>
+            <a:endParaRPr lang="de-DE" sz="3200" dirty="0">
+              <a:solidFill>
+                <a:schemeClr val="tx2"/>
+              </a:solidFill>
+              <a:ea typeface="+mj-ea"/>
+            </a:endParaRPr>
+          </a:p>
+        </p:txBody>
+      </p:sp>
+      <p:pic>
+        <p:nvPicPr>
+          <p:cNvPr id="10" name="Grafik 9"/>
+          <p:cNvPicPr>
+            <a:picLocks noChangeAspect="1"/>
+          </p:cNvPicPr>
+          <p:nvPr/>
+        </p:nvPicPr>
+        <p:blipFill>
+          <a:blip r:embed="rId3"/>
+          <a:stretch>
+            <a:fillRect/>
+          </a:stretch>
+        </p:blipFill>
+        <p:spPr>
+          <a:xfrm>
+            <a:off x="4464720" y="3687826"/>
+            <a:ext cx="1656184" cy="2398155"/>
+          </a:xfrm>
+          <a:prstGeom prst="rect">
+            <a:avLst/>
+          </a:prstGeom>
+        </p:spPr>
+      </p:pic>
+      <p:pic>
+        <p:nvPicPr>
+          <p:cNvPr id="1026" name="Picture 2" descr="Related image"/>
+          <p:cNvPicPr>
+            <a:picLocks noChangeAspect="1" noChangeArrowheads="1"/>
+          </p:cNvPicPr>
+          <p:nvPr/>
+        </p:nvPicPr>
+        <p:blipFill rotWithShape="1">
+          <a:blip r:embed="rId4" cstate="print">
+            <a:extLst>
+              <a:ext uri="{28A0092B-C50C-407E-A947-70E740481C1C}">
+                <a14:useLocalDpi xmlns:a14="http://schemas.microsoft.com/office/drawing/2010/main" val="0"/>
+              </a:ext>
+            </a:extLst>
+          </a:blip>
+          <a:srcRect l="7480" t="3745" r="13910" b="5366"/>
+          <a:stretch/>
+        </p:blipFill>
+        <p:spPr bwMode="auto">
+          <a:xfrm rot="16200000">
+            <a:off x="6370095" y="3129505"/>
+            <a:ext cx="3160213" cy="2921000"/>
+          </a:xfrm>
+          <a:prstGeom prst="rect">
+            <a:avLst/>
+          </a:prstGeom>
+          <a:noFill/>
+          <a:extLst>
+            <a:ext uri="{909E8E84-426E-40DD-AFC4-6F175D3DCCD1}">
+              <a14:hiddenFill xmlns:a14="http://schemas.microsoft.com/office/drawing/2010/main">
+                <a:solidFill>
+                  <a:srgbClr val="FFFFFF"/>
+                </a:solidFill>
+              </a14:hiddenFill>
+            </a:ext>
+          </a:extLst>
+        </p:spPr>
+      </p:pic>
+    </p:spTree>
+    <p:extLst>
+      <p:ext uri="{BB962C8B-B14F-4D97-AF65-F5344CB8AC3E}">
+        <p14:creationId xmlns:p14="http://schemas.microsoft.com/office/powerpoint/2010/main" val="1734047464"/>
+      </p:ext>
+    </p:extLst>
+  </p:cSld>
+  <p:clrMapOvr>
+    <a:masterClrMapping/>
+  </p:clrMapOvr>
+  <mc:AlternateContent xmlns:mc="http://schemas.openxmlformats.org/markup-compatibility/2006" xmlns:p14="http://schemas.microsoft.com/office/powerpoint/2010/main">
+    <mc:Choice Requires="p14">
+      <p:transition p14:dur="0"/>
+    </mc:Choice>
+    <mc:Fallback xmlns="">
+      <p:transition/>
+    </mc:Fallback>
+  </mc:AlternateContent>
+  <p:timing>
+    <p:tnLst>
+      <p:par>
+        <p:cTn id="1" dur="indefinite" restart="never" nodeType="tmRoot"/>
+      </p:par>
+    </p:tnLst>
+  </p:timing>
+</p:sld>
+</file>
+
+<file path=ppt/slides/slide50.xml><?xml version="1.0" encoding="utf-8"?>
+<p:sld xmlns:a="http://schemas.openxmlformats.org/drawingml/2006/main" xmlns:r="http://schemas.openxmlformats.org/officeDocument/2006/relationships" xmlns:p="http://schemas.openxmlformats.org/presentationml/2006/main">
+  <p:cSld>
+    <p:spTree>
+      <p:nvGrpSpPr>
+        <p:cNvPr id="1" name=""/>
+        <p:cNvGrpSpPr/>
+        <p:nvPr/>
+      </p:nvGrpSpPr>
+      <p:grpSpPr>
+        <a:xfrm>
+          <a:off x="0" y="0"/>
+          <a:ext cx="0" cy="0"/>
+          <a:chOff x="0" y="0"/>
+          <a:chExt cx="0" cy="0"/>
+        </a:xfrm>
+      </p:grpSpPr>
+      <p:sp>
+        <p:nvSpPr>
+          <p:cNvPr id="2" name="Titel 1"/>
+          <p:cNvSpPr>
+            <a:spLocks noGrp="1"/>
+          </p:cNvSpPr>
+          <p:nvPr>
+            <p:ph type="title"/>
+          </p:nvPr>
+        </p:nvSpPr>
+        <p:spPr>
+          <a:xfrm>
+            <a:off x="838200" y="365126"/>
+            <a:ext cx="11252200" cy="1240116"/>
+          </a:xfrm>
+        </p:spPr>
+        <p:txBody>
+          <a:bodyPr>
+            <a:normAutofit/>
+          </a:bodyPr>
+          <a:lstStyle/>
+          <a:p>
+            <a:r>
+              <a:rPr lang="de-DE" dirty="0" smtClean="0"/>
+              <a:t>Python Grundlagen</a:t>
+            </a:r>
+            <a:br>
+              <a:rPr lang="de-DE" dirty="0" smtClean="0"/>
+            </a:br>
+            <a:r>
+              <a:rPr lang="de-DE" sz="2800" b="1" dirty="0">
+                <a:solidFill>
+                  <a:schemeClr val="accent1">
+                    <a:lumMod val="75000"/>
+                  </a:schemeClr>
+                </a:solidFill>
+                <a:effectLst>
+                  <a:outerShdw blurRad="60007" dir="2000400" sy="-30000" kx="-800400" algn="bl" rotWithShape="0">
+                    <a:prstClr val="black">
+                      <a:alpha val="20000"/>
+                    </a:prstClr>
+                  </a:outerShdw>
+                </a:effectLst>
+              </a:rPr>
               <a:t>Wiederholungen	Verzweigungen</a:t>
             </a:r>
             <a:r>
@@ -24173,9 +23892,9 @@
           <a:bodyPr/>
           <a:lstStyle/>
           <a:p>
-            <a:fld id="{D3B4AE11-6847-4A98-9145-2F7B754CAADC}" type="datetime1">
+            <a:fld id="{1D88C1FA-871A-4A05-A6B3-E88443BF9D3D}" type="datetime1">
               <a:rPr lang="de-DE" smtClean="0"/>
-              <a:t>22.02.2018</a:t>
+              <a:t>27.03.2018</a:t>
             </a:fld>
             <a:endParaRPr lang="de-DE"/>
           </a:p>
@@ -24196,6 +23915,10 @@
           <a:bodyPr/>
           <a:lstStyle/>
           <a:p>
+            <a:r>
+              <a:rPr lang="de-DE" smtClean="0"/>
+              <a:t>Python Einführung</a:t>
+            </a:r>
             <a:endParaRPr lang="de-DE" dirty="0"/>
           </a:p>
         </p:txBody>
@@ -24217,7 +23940,7 @@
           <a:p>
             <a:fld id="{3A1F27E2-D58A-4028-9FF2-B12D897F257E}" type="slidenum">
               <a:rPr lang="de-DE" smtClean="0"/>
-              <a:t>51</a:t>
+              <a:t>50</a:t>
             </a:fld>
             <a:endParaRPr lang="de-DE"/>
           </a:p>
@@ -24701,7 +24424,7 @@
 </p:sld>
 </file>
 
-<file path=ppt/slides/slide52.xml><?xml version="1.0" encoding="utf-8"?>
+<file path=ppt/slides/slide51.xml><?xml version="1.0" encoding="utf-8"?>
 <p:sld xmlns:a="http://schemas.openxmlformats.org/drawingml/2006/main" xmlns:r="http://schemas.openxmlformats.org/officeDocument/2006/relationships" xmlns:p="http://schemas.openxmlformats.org/presentationml/2006/main">
   <p:cSld>
     <p:spTree>
@@ -24842,9 +24565,9 @@
           <a:bodyPr/>
           <a:lstStyle/>
           <a:p>
-            <a:fld id="{D3B4AE11-6847-4A98-9145-2F7B754CAADC}" type="datetime1">
+            <a:fld id="{2E0FAE72-4302-4067-A7B4-5361ED9C2922}" type="datetime1">
               <a:rPr lang="de-DE" smtClean="0"/>
-              <a:t>22.02.2018</a:t>
+              <a:t>27.03.2018</a:t>
             </a:fld>
             <a:endParaRPr lang="de-DE"/>
           </a:p>
@@ -24865,6 +24588,10 @@
           <a:bodyPr/>
           <a:lstStyle/>
           <a:p>
+            <a:r>
+              <a:rPr lang="de-DE" smtClean="0"/>
+              <a:t>Python Einführung</a:t>
+            </a:r>
             <a:endParaRPr lang="de-DE" dirty="0"/>
           </a:p>
         </p:txBody>
@@ -24886,7 +24613,7 @@
           <a:p>
             <a:fld id="{3A1F27E2-D58A-4028-9FF2-B12D897F257E}" type="slidenum">
               <a:rPr lang="de-DE" smtClean="0"/>
-              <a:t>52</a:t>
+              <a:t>51</a:t>
             </a:fld>
             <a:endParaRPr lang="de-DE"/>
           </a:p>
@@ -25024,7 +24751,7 @@
 </p:sld>
 </file>
 
-<file path=ppt/slides/slide53.xml><?xml version="1.0" encoding="utf-8"?>
+<file path=ppt/slides/slide52.xml><?xml version="1.0" encoding="utf-8"?>
 <p:sld xmlns:a="http://schemas.openxmlformats.org/drawingml/2006/main" xmlns:r="http://schemas.openxmlformats.org/officeDocument/2006/relationships" xmlns:p="http://schemas.openxmlformats.org/presentationml/2006/main">
   <p:cSld>
     <p:spTree>
@@ -25291,9 +25018,9 @@
           <a:bodyPr/>
           <a:lstStyle/>
           <a:p>
-            <a:fld id="{D3B4AE11-6847-4A98-9145-2F7B754CAADC}" type="datetime1">
+            <a:fld id="{BB9862A8-04CB-49F3-B3A2-15F0F5882BD1}" type="datetime1">
               <a:rPr lang="de-DE" smtClean="0"/>
-              <a:t>22.02.2018</a:t>
+              <a:t>27.03.2018</a:t>
             </a:fld>
             <a:endParaRPr lang="de-DE"/>
           </a:p>
@@ -25314,6 +25041,10 @@
           <a:bodyPr/>
           <a:lstStyle/>
           <a:p>
+            <a:r>
+              <a:rPr lang="de-DE" smtClean="0"/>
+              <a:t>Python Einführung</a:t>
+            </a:r>
             <a:endParaRPr lang="de-DE" dirty="0"/>
           </a:p>
         </p:txBody>
@@ -25335,7 +25066,7 @@
           <a:p>
             <a:fld id="{3A1F27E2-D58A-4028-9FF2-B12D897F257E}" type="slidenum">
               <a:rPr lang="de-DE" smtClean="0"/>
-              <a:t>53</a:t>
+              <a:t>52</a:t>
             </a:fld>
             <a:endParaRPr lang="de-DE"/>
           </a:p>
@@ -25411,7 +25142,7 @@
 </p:sld>
 </file>
 
-<file path=ppt/slides/slide54.xml><?xml version="1.0" encoding="utf-8"?>
+<file path=ppt/slides/slide53.xml><?xml version="1.0" encoding="utf-8"?>
 <p:sld xmlns:a="http://schemas.openxmlformats.org/drawingml/2006/main" xmlns:r="http://schemas.openxmlformats.org/officeDocument/2006/relationships" xmlns:p="http://schemas.openxmlformats.org/presentationml/2006/main">
   <p:cSld>
     <p:spTree>
@@ -25731,9 +25462,9 @@
           <a:bodyPr/>
           <a:lstStyle/>
           <a:p>
-            <a:fld id="{D3B4AE11-6847-4A98-9145-2F7B754CAADC}" type="datetime1">
+            <a:fld id="{793655B7-CBEA-457D-BD5B-ACC421B4D76A}" type="datetime1">
               <a:rPr lang="de-DE" smtClean="0"/>
-              <a:t>22.02.2018</a:t>
+              <a:t>27.03.2018</a:t>
             </a:fld>
             <a:endParaRPr lang="de-DE"/>
           </a:p>
@@ -25754,6 +25485,10 @@
           <a:bodyPr/>
           <a:lstStyle/>
           <a:p>
+            <a:r>
+              <a:rPr lang="de-DE" smtClean="0"/>
+              <a:t>Python Einführung</a:t>
+            </a:r>
             <a:endParaRPr lang="de-DE" dirty="0"/>
           </a:p>
         </p:txBody>
@@ -25775,7 +25510,7 @@
           <a:p>
             <a:fld id="{3A1F27E2-D58A-4028-9FF2-B12D897F257E}" type="slidenum">
               <a:rPr lang="de-DE" smtClean="0"/>
-              <a:t>54</a:t>
+              <a:t>53</a:t>
             </a:fld>
             <a:endParaRPr lang="de-DE"/>
           </a:p>
@@ -25851,7 +25586,7 @@
 </p:sld>
 </file>
 
-<file path=ppt/slides/slide55.xml><?xml version="1.0" encoding="utf-8"?>
+<file path=ppt/slides/slide54.xml><?xml version="1.0" encoding="utf-8"?>
 <p:sld xmlns:a="http://schemas.openxmlformats.org/drawingml/2006/main" xmlns:r="http://schemas.openxmlformats.org/officeDocument/2006/relationships" xmlns:p="http://schemas.openxmlformats.org/presentationml/2006/main">
   <p:cSld>
     <p:spTree>
@@ -26038,9 +25773,9 @@
           <a:bodyPr/>
           <a:lstStyle/>
           <a:p>
-            <a:fld id="{D3B4AE11-6847-4A98-9145-2F7B754CAADC}" type="datetime1">
+            <a:fld id="{FC061112-BDD9-4A67-BD62-58AEF83B3F31}" type="datetime1">
               <a:rPr lang="de-DE" smtClean="0"/>
-              <a:t>22.02.2018</a:t>
+              <a:t>27.03.2018</a:t>
             </a:fld>
             <a:endParaRPr lang="de-DE"/>
           </a:p>
@@ -26061,6 +25796,10 @@
           <a:bodyPr/>
           <a:lstStyle/>
           <a:p>
+            <a:r>
+              <a:rPr lang="de-DE" smtClean="0"/>
+              <a:t>Python Einführung</a:t>
+            </a:r>
             <a:endParaRPr lang="de-DE" dirty="0"/>
           </a:p>
         </p:txBody>
@@ -26082,7 +25821,7 @@
           <a:p>
             <a:fld id="{3A1F27E2-D58A-4028-9FF2-B12D897F257E}" type="slidenum">
               <a:rPr lang="de-DE" smtClean="0"/>
-              <a:t>55</a:t>
+              <a:t>54</a:t>
             </a:fld>
             <a:endParaRPr lang="de-DE"/>
           </a:p>
@@ -26157,7 +25896,7 @@
 </p:sld>
 </file>
 
-<file path=ppt/slides/slide56.xml><?xml version="1.0" encoding="utf-8"?>
+<file path=ppt/slides/slide55.xml><?xml version="1.0" encoding="utf-8"?>
 <p:sld xmlns:a="http://schemas.openxmlformats.org/drawingml/2006/main" xmlns:r="http://schemas.openxmlformats.org/officeDocument/2006/relationships" xmlns:p="http://schemas.openxmlformats.org/presentationml/2006/main">
   <p:cSld>
     <p:spTree>
@@ -26489,9 +26228,9 @@
           <a:bodyPr/>
           <a:lstStyle/>
           <a:p>
-            <a:fld id="{D3B4AE11-6847-4A98-9145-2F7B754CAADC}" type="datetime1">
+            <a:fld id="{3B41BE4B-80DE-4C35-9D51-52DD4B79173A}" type="datetime1">
               <a:rPr lang="de-DE" smtClean="0"/>
-              <a:t>22.02.2018</a:t>
+              <a:t>27.03.2018</a:t>
             </a:fld>
             <a:endParaRPr lang="de-DE"/>
           </a:p>
@@ -26512,6 +26251,10 @@
           <a:bodyPr/>
           <a:lstStyle/>
           <a:p>
+            <a:r>
+              <a:rPr lang="de-DE" smtClean="0"/>
+              <a:t>Python Einführung</a:t>
+            </a:r>
             <a:endParaRPr lang="de-DE" dirty="0"/>
           </a:p>
         </p:txBody>
@@ -26533,7 +26276,7 @@
           <a:p>
             <a:fld id="{3A1F27E2-D58A-4028-9FF2-B12D897F257E}" type="slidenum">
               <a:rPr lang="de-DE" smtClean="0"/>
-              <a:t>56</a:t>
+              <a:t>55</a:t>
             </a:fld>
             <a:endParaRPr lang="de-DE"/>
           </a:p>
@@ -26609,7 +26352,7 @@
 </p:sld>
 </file>
 
-<file path=ppt/slides/slide57.xml><?xml version="1.0" encoding="utf-8"?>
+<file path=ppt/slides/slide56.xml><?xml version="1.0" encoding="utf-8"?>
 <p:sld xmlns:a="http://schemas.openxmlformats.org/drawingml/2006/main" xmlns:r="http://schemas.openxmlformats.org/officeDocument/2006/relationships" xmlns:p="http://schemas.openxmlformats.org/presentationml/2006/main">
   <p:cSld>
     <p:spTree>
@@ -27020,9 +26763,9 @@
           <a:bodyPr/>
           <a:lstStyle/>
           <a:p>
-            <a:fld id="{D3B4AE11-6847-4A98-9145-2F7B754CAADC}" type="datetime1">
+            <a:fld id="{B5B31E73-7F2F-4C80-B0B3-B7B75D1A2D3F}" type="datetime1">
               <a:rPr lang="de-DE" smtClean="0"/>
-              <a:t>22.02.2018</a:t>
+              <a:t>27.03.2018</a:t>
             </a:fld>
             <a:endParaRPr lang="de-DE"/>
           </a:p>
@@ -27043,6 +26786,10 @@
           <a:bodyPr/>
           <a:lstStyle/>
           <a:p>
+            <a:r>
+              <a:rPr lang="de-DE" smtClean="0"/>
+              <a:t>Python Einführung</a:t>
+            </a:r>
             <a:endParaRPr lang="de-DE" dirty="0"/>
           </a:p>
         </p:txBody>
@@ -27064,7 +26811,7 @@
           <a:p>
             <a:fld id="{3A1F27E2-D58A-4028-9FF2-B12D897F257E}" type="slidenum">
               <a:rPr lang="de-DE" smtClean="0"/>
-              <a:t>57</a:t>
+              <a:t>56</a:t>
             </a:fld>
             <a:endParaRPr lang="de-DE"/>
           </a:p>
@@ -27140,6 +26887,497 @@
 </p:sld>
 </file>
 
+<file path=ppt/slides/slide57.xml><?xml version="1.0" encoding="utf-8"?>
+<p:sld xmlns:a="http://schemas.openxmlformats.org/drawingml/2006/main" xmlns:r="http://schemas.openxmlformats.org/officeDocument/2006/relationships" xmlns:p="http://schemas.openxmlformats.org/presentationml/2006/main">
+  <p:cSld>
+    <p:spTree>
+      <p:nvGrpSpPr>
+        <p:cNvPr id="1" name=""/>
+        <p:cNvGrpSpPr/>
+        <p:nvPr/>
+      </p:nvGrpSpPr>
+      <p:grpSpPr>
+        <a:xfrm>
+          <a:off x="0" y="0"/>
+          <a:ext cx="0" cy="0"/>
+          <a:chOff x="0" y="0"/>
+          <a:chExt cx="0" cy="0"/>
+        </a:xfrm>
+      </p:grpSpPr>
+      <p:sp>
+        <p:nvSpPr>
+          <p:cNvPr id="2" name="Titel 1"/>
+          <p:cNvSpPr>
+            <a:spLocks noGrp="1"/>
+          </p:cNvSpPr>
+          <p:nvPr>
+            <p:ph type="title"/>
+          </p:nvPr>
+        </p:nvSpPr>
+        <p:spPr>
+          <a:xfrm>
+            <a:off x="838200" y="365126"/>
+            <a:ext cx="11252200" cy="1240116"/>
+          </a:xfrm>
+        </p:spPr>
+        <p:txBody>
+          <a:bodyPr>
+            <a:normAutofit/>
+          </a:bodyPr>
+          <a:lstStyle/>
+          <a:p>
+            <a:r>
+              <a:rPr lang="de-DE" dirty="0" smtClean="0"/>
+              <a:t>Python Grundlagen</a:t>
+            </a:r>
+            <a:br>
+              <a:rPr lang="de-DE" dirty="0" smtClean="0"/>
+            </a:br>
+            <a:r>
+              <a:rPr lang="de-DE" sz="2800" b="1" dirty="0" smtClean="0">
+                <a:solidFill>
+                  <a:schemeClr val="accent1">
+                    <a:lumMod val="75000"/>
+                  </a:schemeClr>
+                </a:solidFill>
+                <a:effectLst>
+                  <a:outerShdw blurRad="60007" dir="2000400" sy="-30000" kx="-800400" algn="bl" rotWithShape="0">
+                    <a:prstClr val="black">
+                      <a:alpha val="20000"/>
+                    </a:prstClr>
+                  </a:outerShdw>
+                </a:effectLst>
+              </a:rPr>
+              <a:t>Aufgabe 7</a:t>
+            </a:r>
+            <a:endParaRPr lang="de-DE" sz="2800" b="1" dirty="0">
+              <a:solidFill>
+                <a:schemeClr val="accent1">
+                  <a:lumMod val="75000"/>
+                </a:schemeClr>
+              </a:solidFill>
+              <a:effectLst>
+                <a:outerShdw blurRad="60007" dir="2000400" sy="-30000" kx="-800400" algn="bl" rotWithShape="0">
+                  <a:prstClr val="black">
+                    <a:alpha val="20000"/>
+                  </a:prstClr>
+                </a:outerShdw>
+              </a:effectLst>
+            </a:endParaRPr>
+          </a:p>
+        </p:txBody>
+      </p:sp>
+      <p:sp>
+        <p:nvSpPr>
+          <p:cNvPr id="3" name="Inhaltsplatzhalter 2"/>
+          <p:cNvSpPr>
+            <a:spLocks noGrp="1"/>
+          </p:cNvSpPr>
+          <p:nvPr>
+            <p:ph idx="1"/>
+          </p:nvPr>
+        </p:nvSpPr>
+        <p:spPr>
+          <a:xfrm>
+            <a:off x="838200" y="1993900"/>
+            <a:ext cx="10591800" cy="4267200"/>
+          </a:xfrm>
+        </p:spPr>
+        <p:txBody>
+          <a:bodyPr>
+            <a:normAutofit/>
+          </a:bodyPr>
+          <a:lstStyle/>
+          <a:p>
+            <a:pPr lvl="1"/>
+            <a:r>
+              <a:rPr lang="de-DE" dirty="0"/>
+              <a:t>Schreibe ein Programm, das die </a:t>
+            </a:r>
+            <a:r>
+              <a:rPr lang="de-DE" i="1" dirty="0">
+                <a:solidFill>
+                  <a:schemeClr val="accent2">
+                    <a:lumMod val="75000"/>
+                  </a:schemeClr>
+                </a:solidFill>
+              </a:rPr>
+              <a:t>Zahlen</a:t>
+            </a:r>
+            <a:r>
+              <a:rPr lang="de-DE" dirty="0"/>
+              <a:t> </a:t>
+            </a:r>
+            <a:r>
+              <a:rPr lang="de-DE" i="1" dirty="0">
+                <a:solidFill>
+                  <a:schemeClr val="accent2">
+                    <a:lumMod val="75000"/>
+                  </a:schemeClr>
+                </a:solidFill>
+              </a:rPr>
+              <a:t>1</a:t>
+            </a:r>
+            <a:r>
+              <a:rPr lang="de-DE" dirty="0"/>
+              <a:t> bis </a:t>
+            </a:r>
+            <a:r>
+              <a:rPr lang="de-DE" i="1" dirty="0">
+                <a:solidFill>
+                  <a:schemeClr val="accent2">
+                    <a:lumMod val="75000"/>
+                  </a:schemeClr>
+                </a:solidFill>
+              </a:rPr>
+              <a:t>10</a:t>
+            </a:r>
+            <a:r>
+              <a:rPr lang="de-DE" dirty="0"/>
+              <a:t> und deren </a:t>
+            </a:r>
+            <a:r>
+              <a:rPr lang="de-DE" i="1" dirty="0">
+                <a:solidFill>
+                  <a:schemeClr val="accent2">
+                    <a:lumMod val="75000"/>
+                  </a:schemeClr>
+                </a:solidFill>
+              </a:rPr>
+              <a:t>Quadrat</a:t>
+            </a:r>
+            <a:r>
+              <a:rPr lang="de-DE" dirty="0"/>
+              <a:t> sowie deren </a:t>
+            </a:r>
+            <a:r>
+              <a:rPr lang="de-DE" i="1" dirty="0">
+                <a:solidFill>
+                  <a:schemeClr val="accent2">
+                    <a:lumMod val="75000"/>
+                  </a:schemeClr>
+                </a:solidFill>
+              </a:rPr>
+              <a:t>dritte Potenz</a:t>
+            </a:r>
+            <a:r>
+              <a:rPr lang="de-DE" dirty="0"/>
+              <a:t> ausgibt, aber nur </a:t>
+            </a:r>
+            <a:r>
+              <a:rPr lang="de-DE" i="1" dirty="0">
+                <a:solidFill>
+                  <a:schemeClr val="accent2">
+                    <a:lumMod val="75000"/>
+                  </a:schemeClr>
+                </a:solidFill>
+              </a:rPr>
+              <a:t>wenn</a:t>
+            </a:r>
+            <a:r>
+              <a:rPr lang="de-DE" dirty="0"/>
+              <a:t> das </a:t>
+            </a:r>
+            <a:r>
+              <a:rPr lang="de-DE" i="1" dirty="0">
+                <a:solidFill>
+                  <a:schemeClr val="accent2">
+                    <a:lumMod val="75000"/>
+                  </a:schemeClr>
+                </a:solidFill>
+              </a:rPr>
+              <a:t>Quadrat</a:t>
+            </a:r>
+            <a:r>
+              <a:rPr lang="de-DE" dirty="0"/>
+              <a:t> </a:t>
+            </a:r>
+            <a:r>
+              <a:rPr lang="de-DE" i="1" dirty="0">
+                <a:solidFill>
+                  <a:schemeClr val="accent2">
+                    <a:lumMod val="75000"/>
+                  </a:schemeClr>
+                </a:solidFill>
+              </a:rPr>
+              <a:t>größer 8</a:t>
+            </a:r>
+            <a:r>
+              <a:rPr lang="de-DE" dirty="0"/>
+              <a:t> </a:t>
+            </a:r>
+            <a:r>
+              <a:rPr lang="de-DE" i="1" dirty="0">
+                <a:solidFill>
+                  <a:schemeClr val="accent2">
+                    <a:lumMod val="75000"/>
+                  </a:schemeClr>
+                </a:solidFill>
+              </a:rPr>
+              <a:t>und</a:t>
+            </a:r>
+            <a:r>
+              <a:rPr lang="de-DE" dirty="0"/>
+              <a:t> die </a:t>
+            </a:r>
+            <a:r>
+              <a:rPr lang="de-DE" i="1" dirty="0">
+                <a:solidFill>
+                  <a:schemeClr val="accent2">
+                    <a:lumMod val="75000"/>
+                  </a:schemeClr>
+                </a:solidFill>
+              </a:rPr>
+              <a:t>dritte Potenz kleiner</a:t>
+            </a:r>
+            <a:r>
+              <a:rPr lang="de-DE" dirty="0"/>
+              <a:t> als eine vom Benutzer </a:t>
+            </a:r>
+            <a:r>
+              <a:rPr lang="de-DE" i="1" dirty="0">
+                <a:solidFill>
+                  <a:schemeClr val="accent2">
+                    <a:lumMod val="75000"/>
+                  </a:schemeClr>
+                </a:solidFill>
+              </a:rPr>
+              <a:t>eingegebene</a:t>
+            </a:r>
+            <a:r>
+              <a:rPr lang="de-DE" dirty="0"/>
+              <a:t> </a:t>
+            </a:r>
+            <a:r>
+              <a:rPr lang="de-DE" i="1" dirty="0">
+                <a:solidFill>
+                  <a:schemeClr val="accent2">
+                    <a:lumMod val="75000"/>
+                  </a:schemeClr>
+                </a:solidFill>
+              </a:rPr>
+              <a:t>Zahl</a:t>
+            </a:r>
+            <a:r>
+              <a:rPr lang="de-DE" dirty="0"/>
+              <a:t> ist</a:t>
+            </a:r>
+            <a:r>
+              <a:rPr lang="de-DE" dirty="0" smtClean="0"/>
+              <a:t>.</a:t>
+            </a:r>
+          </a:p>
+          <a:p>
+            <a:pPr lvl="1"/>
+            <a:endParaRPr lang="de-DE" dirty="0" smtClean="0"/>
+          </a:p>
+          <a:p>
+            <a:pPr lvl="1"/>
+            <a:r>
+              <a:rPr lang="de-DE" dirty="0" smtClean="0"/>
+              <a:t>Benutzer gibt </a:t>
+            </a:r>
+            <a:r>
+              <a:rPr lang="de-DE" i="1" dirty="0" smtClean="0">
+                <a:solidFill>
+                  <a:schemeClr val="accent2">
+                    <a:lumMod val="75000"/>
+                  </a:schemeClr>
+                </a:solidFill>
+              </a:rPr>
+              <a:t>126 </a:t>
+            </a:r>
+            <a:r>
+              <a:rPr lang="de-DE" dirty="0" smtClean="0"/>
+              <a:t>ein</a:t>
+            </a:r>
+          </a:p>
+          <a:p>
+            <a:pPr lvl="1"/>
+            <a:r>
+              <a:rPr lang="de-DE" dirty="0" smtClean="0"/>
+              <a:t>Ausgabe: </a:t>
+            </a:r>
+          </a:p>
+          <a:p>
+            <a:pPr lvl="1"/>
+            <a:r>
+              <a:rPr lang="de-DE" dirty="0" smtClean="0"/>
+              <a:t>Reihe: </a:t>
+            </a:r>
+            <a:r>
+              <a:rPr lang="de-DE" i="1" dirty="0" smtClean="0">
+                <a:solidFill>
+                  <a:schemeClr val="accent2">
+                    <a:lumMod val="75000"/>
+                  </a:schemeClr>
+                </a:solidFill>
+              </a:rPr>
+              <a:t>3,4,5 </a:t>
+            </a:r>
+            <a:endParaRPr lang="de-DE" i="1" dirty="0">
+              <a:solidFill>
+                <a:schemeClr val="accent2">
+                  <a:lumMod val="75000"/>
+                </a:schemeClr>
+              </a:solidFill>
+            </a:endParaRPr>
+          </a:p>
+          <a:p>
+            <a:pPr lvl="1"/>
+            <a:r>
+              <a:rPr lang="de-DE" dirty="0" smtClean="0"/>
+              <a:t>Quadrat: </a:t>
+            </a:r>
+            <a:r>
+              <a:rPr lang="de-DE" i="1" dirty="0" smtClean="0">
+                <a:solidFill>
+                  <a:schemeClr val="accent2">
+                    <a:lumMod val="75000"/>
+                  </a:schemeClr>
+                </a:solidFill>
+              </a:rPr>
+              <a:t>9,16,25</a:t>
+            </a:r>
+            <a:endParaRPr lang="de-DE" i="1" dirty="0">
+              <a:solidFill>
+                <a:schemeClr val="accent2">
+                  <a:lumMod val="75000"/>
+                </a:schemeClr>
+              </a:solidFill>
+            </a:endParaRPr>
+          </a:p>
+          <a:p>
+            <a:pPr lvl="1"/>
+            <a:r>
+              <a:rPr lang="de-DE" dirty="0"/>
+              <a:t>dritte </a:t>
+            </a:r>
+            <a:r>
+              <a:rPr lang="de-DE" dirty="0" smtClean="0"/>
+              <a:t>Potenz: </a:t>
+            </a:r>
+            <a:r>
+              <a:rPr lang="de-DE" i="1" dirty="0" smtClean="0">
+                <a:solidFill>
+                  <a:schemeClr val="accent2">
+                    <a:lumMod val="75000"/>
+                  </a:schemeClr>
+                </a:solidFill>
+              </a:rPr>
+              <a:t>27,64,125</a:t>
+            </a:r>
+            <a:endParaRPr lang="de-DE" i="1" dirty="0">
+              <a:solidFill>
+                <a:schemeClr val="accent2">
+                  <a:lumMod val="75000"/>
+                </a:schemeClr>
+              </a:solidFill>
+            </a:endParaRPr>
+          </a:p>
+          <a:p>
+            <a:pPr lvl="1"/>
+            <a:endParaRPr lang="de-DE" dirty="0"/>
+          </a:p>
+        </p:txBody>
+      </p:sp>
+      <p:sp>
+        <p:nvSpPr>
+          <p:cNvPr id="4" name="Datumsplatzhalter 3"/>
+          <p:cNvSpPr>
+            <a:spLocks noGrp="1"/>
+          </p:cNvSpPr>
+          <p:nvPr>
+            <p:ph type="dt" sz="half" idx="10"/>
+          </p:nvPr>
+        </p:nvSpPr>
+        <p:spPr/>
+        <p:txBody>
+          <a:bodyPr/>
+          <a:lstStyle/>
+          <a:p>
+            <a:fld id="{BC49A95B-55CA-44C6-BB71-C8E504F09771}" type="datetime1">
+              <a:rPr lang="de-DE" smtClean="0"/>
+              <a:t>27.03.2018</a:t>
+            </a:fld>
+            <a:endParaRPr lang="de-DE"/>
+          </a:p>
+        </p:txBody>
+      </p:sp>
+      <p:sp>
+        <p:nvSpPr>
+          <p:cNvPr id="5" name="Fußzeilenplatzhalter 4"/>
+          <p:cNvSpPr>
+            <a:spLocks noGrp="1"/>
+          </p:cNvSpPr>
+          <p:nvPr>
+            <p:ph type="ftr" sz="quarter" idx="11"/>
+          </p:nvPr>
+        </p:nvSpPr>
+        <p:spPr/>
+        <p:txBody>
+          <a:bodyPr/>
+          <a:lstStyle/>
+          <a:p>
+            <a:r>
+              <a:rPr lang="de-DE" smtClean="0"/>
+              <a:t>Python Einführung</a:t>
+            </a:r>
+            <a:endParaRPr lang="de-DE" dirty="0"/>
+          </a:p>
+        </p:txBody>
+      </p:sp>
+      <p:sp>
+        <p:nvSpPr>
+          <p:cNvPr id="6" name="Foliennummernplatzhalter 5"/>
+          <p:cNvSpPr>
+            <a:spLocks noGrp="1"/>
+          </p:cNvSpPr>
+          <p:nvPr>
+            <p:ph type="sldNum" sz="quarter" idx="12"/>
+          </p:nvPr>
+        </p:nvSpPr>
+        <p:spPr/>
+        <p:txBody>
+          <a:bodyPr/>
+          <a:lstStyle/>
+          <a:p>
+            <a:fld id="{3A1F27E2-D58A-4028-9FF2-B12D897F257E}" type="slidenum">
+              <a:rPr lang="de-DE" smtClean="0"/>
+              <a:t>57</a:t>
+            </a:fld>
+            <a:endParaRPr lang="de-DE"/>
+          </a:p>
+        </p:txBody>
+      </p:sp>
+    </p:spTree>
+    <p:extLst>
+      <p:ext uri="{BB962C8B-B14F-4D97-AF65-F5344CB8AC3E}">
+        <p14:creationId xmlns:p14="http://schemas.microsoft.com/office/powerpoint/2010/main" val="2172558873"/>
+      </p:ext>
+    </p:extLst>
+  </p:cSld>
+  <p:clrMapOvr>
+    <a:masterClrMapping/>
+  </p:clrMapOvr>
+  <mc:AlternateContent xmlns:mc="http://schemas.openxmlformats.org/markup-compatibility/2006" xmlns:p14="http://schemas.microsoft.com/office/powerpoint/2010/main">
+    <mc:Choice Requires="p14">
+      <p:transition p14:dur="0"/>
+    </mc:Choice>
+    <mc:Fallback xmlns="">
+      <p:transition/>
+    </mc:Fallback>
+  </mc:AlternateContent>
+  <p:timing>
+    <p:tnLst>
+      <p:par>
+        <p:cTn id="1" dur="indefinite" restart="never" nodeType="tmRoot"/>
+      </p:par>
+    </p:tnLst>
+  </p:timing>
+</p:sld>
+</file>
+
 <file path=ppt/slides/slide58.xml><?xml version="1.0" encoding="utf-8"?>
 <p:sld xmlns:a="http://schemas.openxmlformats.org/drawingml/2006/main" xmlns:r="http://schemas.openxmlformats.org/officeDocument/2006/relationships" xmlns:p="http://schemas.openxmlformats.org/presentationml/2006/main">
   <p:cSld>
@@ -27159,7 +27397,7 @@
       </p:grpSpPr>
       <p:sp>
         <p:nvSpPr>
-          <p:cNvPr id="2" name="Titel 1"/>
+          <p:cNvPr id="4" name="Titel 3"/>
           <p:cNvSpPr>
             <a:spLocks noGrp="1"/>
           </p:cNvSpPr>
@@ -27167,27 +27405,60 @@
             <p:ph type="title"/>
           </p:nvPr>
         </p:nvSpPr>
-        <p:spPr>
-          <a:xfrm>
-            <a:off x="838200" y="365126"/>
-            <a:ext cx="11252200" cy="1240116"/>
-          </a:xfrm>
-        </p:spPr>
-        <p:txBody>
-          <a:bodyPr>
-            <a:normAutofit/>
-          </a:bodyPr>
-          <a:lstStyle/>
-          <a:p>
-            <a:r>
-              <a:rPr lang="de-DE" dirty="0" smtClean="0"/>
+        <p:spPr/>
+        <p:txBody>
+          <a:bodyPr/>
+          <a:lstStyle/>
+          <a:p>
+            <a:r>
+              <a:rPr lang="de-DE" dirty="0" smtClean="0"/>
+              <a:t>Agenda</a:t>
+            </a:r>
+            <a:endParaRPr lang="de-DE" dirty="0"/>
+          </a:p>
+        </p:txBody>
+      </p:sp>
+      <p:sp>
+        <p:nvSpPr>
+          <p:cNvPr id="9" name="Inhaltsplatzhalter 8"/>
+          <p:cNvSpPr>
+            <a:spLocks noGrp="1"/>
+          </p:cNvSpPr>
+          <p:nvPr>
+            <p:ph idx="1"/>
+          </p:nvPr>
+        </p:nvSpPr>
+        <p:spPr/>
+        <p:txBody>
+          <a:bodyPr/>
+          <a:lstStyle/>
+          <a:p>
+            <a:r>
+              <a:rPr lang="de-DE" dirty="0"/>
+              <a:t>Programmiersprachen</a:t>
+            </a:r>
+          </a:p>
+          <a:p>
+            <a:r>
+              <a:rPr lang="de-DE" dirty="0"/>
+              <a:t>Installation von Python</a:t>
+            </a:r>
+          </a:p>
+          <a:p>
+            <a:r>
+              <a:rPr lang="de-DE" dirty="0"/>
+              <a:t>Entwicklungsumgebung</a:t>
+            </a:r>
+          </a:p>
+          <a:p>
+            <a:r>
+              <a:rPr lang="de-DE" dirty="0"/>
               <a:t>Python Grundlagen</a:t>
             </a:r>
-            <a:br>
-              <a:rPr lang="de-DE" dirty="0" smtClean="0"/>
-            </a:br>
-            <a:r>
-              <a:rPr lang="de-DE" sz="2800" b="1" dirty="0" smtClean="0">
+          </a:p>
+          <a:p>
+            <a:r>
+              <a:rPr lang="de-DE" b="1" dirty="0">
                 <a:solidFill>
                   <a:schemeClr val="accent1">
                     <a:lumMod val="75000"/>
@@ -27200,343 +27471,23 @@
                     </a:prstClr>
                   </a:outerShdw>
                 </a:effectLst>
-              </a:rPr>
-              <a:t>Aufgabe 7</a:t>
-            </a:r>
-            <a:endParaRPr lang="de-DE" sz="2800" b="1" dirty="0">
-              <a:solidFill>
-                <a:schemeClr val="accent1">
-                  <a:lumMod val="75000"/>
-                </a:schemeClr>
-              </a:solidFill>
-              <a:effectLst>
-                <a:outerShdw blurRad="60007" dir="2000400" sy="-30000" kx="-800400" algn="bl" rotWithShape="0">
-                  <a:prstClr val="black">
-                    <a:alpha val="20000"/>
-                  </a:prstClr>
-                </a:outerShdw>
-              </a:effectLst>
-            </a:endParaRPr>
-          </a:p>
-        </p:txBody>
-      </p:sp>
-      <p:sp>
-        <p:nvSpPr>
-          <p:cNvPr id="3" name="Inhaltsplatzhalter 2"/>
-          <p:cNvSpPr>
-            <a:spLocks noGrp="1"/>
-          </p:cNvSpPr>
-          <p:nvPr>
-            <p:ph idx="1"/>
-          </p:nvPr>
-        </p:nvSpPr>
-        <p:spPr>
-          <a:xfrm>
-            <a:off x="838200" y="1993900"/>
-            <a:ext cx="10591800" cy="4267200"/>
-          </a:xfrm>
-        </p:spPr>
-        <p:txBody>
-          <a:bodyPr>
-            <a:normAutofit/>
-          </a:bodyPr>
-          <a:lstStyle/>
-          <a:p>
-            <a:pPr lvl="1"/>
-            <a:r>
-              <a:rPr lang="de-DE" dirty="0"/>
-              <a:t>Schreibe ein Programm, das die </a:t>
-            </a:r>
-            <a:r>
-              <a:rPr lang="de-DE" i="1" dirty="0">
-                <a:solidFill>
-                  <a:schemeClr val="accent2">
-                    <a:lumMod val="75000"/>
-                  </a:schemeClr>
-                </a:solidFill>
-              </a:rPr>
-              <a:t>Zahlen</a:t>
-            </a:r>
-            <a:r>
-              <a:rPr lang="de-DE" dirty="0"/>
-              <a:t> </a:t>
-            </a:r>
-            <a:r>
-              <a:rPr lang="de-DE" i="1" dirty="0">
-                <a:solidFill>
-                  <a:schemeClr val="accent2">
-                    <a:lumMod val="75000"/>
-                  </a:schemeClr>
-                </a:solidFill>
-              </a:rPr>
-              <a:t>1</a:t>
-            </a:r>
-            <a:r>
-              <a:rPr lang="de-DE" dirty="0"/>
-              <a:t> bis </a:t>
-            </a:r>
-            <a:r>
-              <a:rPr lang="de-DE" i="1" dirty="0">
-                <a:solidFill>
-                  <a:schemeClr val="accent2">
-                    <a:lumMod val="75000"/>
-                  </a:schemeClr>
-                </a:solidFill>
-              </a:rPr>
-              <a:t>10</a:t>
-            </a:r>
-            <a:r>
-              <a:rPr lang="de-DE" dirty="0"/>
-              <a:t> und deren </a:t>
-            </a:r>
-            <a:r>
-              <a:rPr lang="de-DE" i="1" dirty="0">
-                <a:solidFill>
-                  <a:schemeClr val="accent2">
-                    <a:lumMod val="75000"/>
-                  </a:schemeClr>
-                </a:solidFill>
-              </a:rPr>
-              <a:t>Quadrat</a:t>
-            </a:r>
-            <a:r>
-              <a:rPr lang="de-DE" dirty="0"/>
-              <a:t> sowie deren </a:t>
-            </a:r>
-            <a:r>
-              <a:rPr lang="de-DE" i="1" dirty="0">
-                <a:solidFill>
-                  <a:schemeClr val="accent2">
-                    <a:lumMod val="75000"/>
-                  </a:schemeClr>
-                </a:solidFill>
-              </a:rPr>
-              <a:t>dritte Potenz</a:t>
-            </a:r>
-            <a:r>
-              <a:rPr lang="de-DE" dirty="0"/>
-              <a:t> ausgibt, aber nur </a:t>
-            </a:r>
-            <a:r>
-              <a:rPr lang="de-DE" i="1" dirty="0">
-                <a:solidFill>
-                  <a:schemeClr val="accent2">
-                    <a:lumMod val="75000"/>
-                  </a:schemeClr>
-                </a:solidFill>
-              </a:rPr>
-              <a:t>wenn</a:t>
-            </a:r>
-            <a:r>
-              <a:rPr lang="de-DE" dirty="0"/>
-              <a:t> das </a:t>
-            </a:r>
-            <a:r>
-              <a:rPr lang="de-DE" i="1" dirty="0">
-                <a:solidFill>
-                  <a:schemeClr val="accent2">
-                    <a:lumMod val="75000"/>
-                  </a:schemeClr>
-                </a:solidFill>
-              </a:rPr>
-              <a:t>Quadrat</a:t>
-            </a:r>
-            <a:r>
-              <a:rPr lang="de-DE" dirty="0"/>
-              <a:t> </a:t>
-            </a:r>
-            <a:r>
-              <a:rPr lang="de-DE" i="1" dirty="0">
-                <a:solidFill>
-                  <a:schemeClr val="accent2">
-                    <a:lumMod val="75000"/>
-                  </a:schemeClr>
-                </a:solidFill>
-              </a:rPr>
-              <a:t>größer 8</a:t>
-            </a:r>
-            <a:r>
-              <a:rPr lang="de-DE" dirty="0"/>
-              <a:t> </a:t>
-            </a:r>
-            <a:r>
-              <a:rPr lang="de-DE" i="1" dirty="0">
-                <a:solidFill>
-                  <a:schemeClr val="accent2">
-                    <a:lumMod val="75000"/>
-                  </a:schemeClr>
-                </a:solidFill>
-              </a:rPr>
-              <a:t>und</a:t>
-            </a:r>
-            <a:r>
-              <a:rPr lang="de-DE" dirty="0"/>
-              <a:t> die </a:t>
-            </a:r>
-            <a:r>
-              <a:rPr lang="de-DE" i="1" dirty="0">
-                <a:solidFill>
-                  <a:schemeClr val="accent2">
-                    <a:lumMod val="75000"/>
-                  </a:schemeClr>
-                </a:solidFill>
-              </a:rPr>
-              <a:t>dritte Potenz kleiner</a:t>
-            </a:r>
-            <a:r>
-              <a:rPr lang="de-DE" dirty="0"/>
-              <a:t> als eine vom Benutzer </a:t>
-            </a:r>
-            <a:r>
-              <a:rPr lang="de-DE" i="1" dirty="0">
-                <a:solidFill>
-                  <a:schemeClr val="accent2">
-                    <a:lumMod val="75000"/>
-                  </a:schemeClr>
-                </a:solidFill>
-              </a:rPr>
-              <a:t>eingegebene</a:t>
-            </a:r>
-            <a:r>
-              <a:rPr lang="de-DE" dirty="0"/>
-              <a:t> </a:t>
-            </a:r>
-            <a:r>
-              <a:rPr lang="de-DE" i="1" dirty="0">
-                <a:solidFill>
-                  <a:schemeClr val="accent2">
-                    <a:lumMod val="75000"/>
-                  </a:schemeClr>
-                </a:solidFill>
-              </a:rPr>
-              <a:t>Zahl</a:t>
-            </a:r>
-            <a:r>
-              <a:rPr lang="de-DE" dirty="0"/>
-              <a:t> ist</a:t>
-            </a:r>
-            <a:r>
-              <a:rPr lang="de-DE" dirty="0" smtClean="0"/>
-              <a:t>.</a:t>
-            </a:r>
-          </a:p>
-          <a:p>
-            <a:pPr lvl="1"/>
-            <a:endParaRPr lang="de-DE" dirty="0" smtClean="0"/>
-          </a:p>
-          <a:p>
-            <a:pPr lvl="1"/>
-            <a:r>
-              <a:rPr lang="de-DE" dirty="0" smtClean="0"/>
-              <a:t>Benutzer gibt </a:t>
-            </a:r>
-            <a:r>
-              <a:rPr lang="de-DE" i="1" dirty="0" smtClean="0">
-                <a:solidFill>
-                  <a:schemeClr val="accent2">
-                    <a:lumMod val="75000"/>
-                  </a:schemeClr>
-                </a:solidFill>
-              </a:rPr>
-              <a:t>126 </a:t>
-            </a:r>
-            <a:r>
-              <a:rPr lang="de-DE" dirty="0" smtClean="0"/>
-              <a:t>ein</a:t>
-            </a:r>
-          </a:p>
-          <a:p>
-            <a:pPr lvl="1"/>
-            <a:r>
-              <a:rPr lang="de-DE" dirty="0" smtClean="0"/>
-              <a:t>Ausgabe: </a:t>
-            </a:r>
-          </a:p>
-          <a:p>
-            <a:pPr lvl="1"/>
-            <a:r>
-              <a:rPr lang="de-DE" dirty="0" smtClean="0"/>
-              <a:t>Reihe: </a:t>
-            </a:r>
-            <a:r>
-              <a:rPr lang="de-DE" i="1" dirty="0" smtClean="0">
-                <a:solidFill>
-                  <a:schemeClr val="accent2">
-                    <a:lumMod val="75000"/>
-                  </a:schemeClr>
-                </a:solidFill>
-              </a:rPr>
-              <a:t>3,4,5 </a:t>
-            </a:r>
-            <a:endParaRPr lang="de-DE" i="1" dirty="0">
-              <a:solidFill>
-                <a:schemeClr val="accent2">
-                  <a:lumMod val="75000"/>
-                </a:schemeClr>
-              </a:solidFill>
-            </a:endParaRPr>
-          </a:p>
-          <a:p>
-            <a:pPr lvl="1"/>
-            <a:r>
-              <a:rPr lang="de-DE" dirty="0" smtClean="0"/>
-              <a:t>Quadrat: </a:t>
-            </a:r>
-            <a:r>
-              <a:rPr lang="de-DE" i="1" dirty="0" smtClean="0">
-                <a:solidFill>
-                  <a:schemeClr val="accent2">
-                    <a:lumMod val="75000"/>
-                  </a:schemeClr>
-                </a:solidFill>
-              </a:rPr>
-              <a:t>9,16,25</a:t>
-            </a:r>
-            <a:endParaRPr lang="de-DE" i="1" dirty="0">
-              <a:solidFill>
-                <a:schemeClr val="accent2">
-                  <a:lumMod val="75000"/>
-                </a:schemeClr>
-              </a:solidFill>
-            </a:endParaRPr>
-          </a:p>
-          <a:p>
-            <a:pPr lvl="1"/>
-            <a:r>
-              <a:rPr lang="de-DE" dirty="0"/>
-              <a:t>dritte </a:t>
-            </a:r>
-            <a:r>
-              <a:rPr lang="de-DE" dirty="0" smtClean="0"/>
-              <a:t>Potenz: </a:t>
-            </a:r>
-            <a:r>
-              <a:rPr lang="de-DE" i="1" dirty="0" smtClean="0">
-                <a:solidFill>
-                  <a:schemeClr val="accent2">
-                    <a:lumMod val="75000"/>
-                  </a:schemeClr>
-                </a:solidFill>
-              </a:rPr>
-              <a:t>27,64,125</a:t>
-            </a:r>
-            <a:endParaRPr lang="de-DE" i="1" dirty="0">
-              <a:solidFill>
-                <a:schemeClr val="accent2">
-                  <a:lumMod val="75000"/>
-                </a:schemeClr>
-              </a:solidFill>
-            </a:endParaRPr>
-          </a:p>
-          <a:p>
-            <a:pPr lvl="1"/>
+                <a:ea typeface="+mj-ea"/>
+              </a:rPr>
+              <a:t>Erweitertes Python</a:t>
+            </a:r>
+          </a:p>
+          <a:p>
+            <a:r>
+              <a:rPr lang="de-DE" dirty="0" smtClean="0"/>
+              <a:t>Ausblick</a:t>
+            </a:r>
             <a:endParaRPr lang="de-DE" dirty="0"/>
           </a:p>
         </p:txBody>
       </p:sp>
       <p:sp>
         <p:nvSpPr>
-          <p:cNvPr id="4" name="Datumsplatzhalter 3"/>
+          <p:cNvPr id="6" name="Datumsplatzhalter 5"/>
           <p:cNvSpPr>
             <a:spLocks noGrp="1"/>
           </p:cNvSpPr>
@@ -27549,9 +27500,9 @@
           <a:bodyPr/>
           <a:lstStyle/>
           <a:p>
-            <a:fld id="{D3B4AE11-6847-4A98-9145-2F7B754CAADC}" type="datetime1">
+            <a:fld id="{6670F01A-53A9-4978-82FC-4564A88CF32F}" type="datetime1">
               <a:rPr lang="de-DE" smtClean="0"/>
-              <a:t>22.02.2018</a:t>
+              <a:t>27.03.2018</a:t>
             </a:fld>
             <a:endParaRPr lang="de-DE"/>
           </a:p>
@@ -27559,7 +27510,7 @@
       </p:sp>
       <p:sp>
         <p:nvSpPr>
-          <p:cNvPr id="5" name="Fußzeilenplatzhalter 4"/>
+          <p:cNvPr id="7" name="Fußzeilenplatzhalter 6"/>
           <p:cNvSpPr>
             <a:spLocks noGrp="1"/>
           </p:cNvSpPr>
@@ -27572,13 +27523,17 @@
           <a:bodyPr/>
           <a:lstStyle/>
           <a:p>
-            <a:endParaRPr lang="de-DE" dirty="0"/>
-          </a:p>
-        </p:txBody>
-      </p:sp>
-      <p:sp>
-        <p:nvSpPr>
-          <p:cNvPr id="6" name="Foliennummernplatzhalter 5"/>
+            <a:r>
+              <a:rPr lang="de-DE" smtClean="0"/>
+              <a:t>Python Einführung</a:t>
+            </a:r>
+            <a:endParaRPr lang="de-DE"/>
+          </a:p>
+        </p:txBody>
+      </p:sp>
+      <p:sp>
+        <p:nvSpPr>
+          <p:cNvPr id="8" name="Foliennummernplatzhalter 7"/>
           <p:cNvSpPr>
             <a:spLocks noGrp="1"/>
           </p:cNvSpPr>
@@ -27602,7 +27557,7 @@
     </p:spTree>
     <p:extLst>
       <p:ext uri="{BB962C8B-B14F-4D97-AF65-F5344CB8AC3E}">
-        <p14:creationId xmlns:p14="http://schemas.microsoft.com/office/powerpoint/2010/main" val="2172558873"/>
+        <p14:creationId xmlns:p14="http://schemas.microsoft.com/office/powerpoint/2010/main" val="2657388772"/>
       </p:ext>
     </p:extLst>
   </p:cSld>
@@ -27646,7 +27601,7 @@
       </p:grpSpPr>
       <p:sp>
         <p:nvSpPr>
-          <p:cNvPr id="4" name="Titel 3"/>
+          <p:cNvPr id="2" name="Titel 1"/>
           <p:cNvSpPr>
             <a:spLocks noGrp="1"/>
           </p:cNvSpPr>
@@ -27654,60 +27609,27 @@
             <p:ph type="title"/>
           </p:nvPr>
         </p:nvSpPr>
-        <p:spPr/>
-        <p:txBody>
-          <a:bodyPr/>
-          <a:lstStyle/>
-          <a:p>
-            <a:r>
-              <a:rPr lang="de-DE" dirty="0" smtClean="0"/>
-              <a:t>Agenda</a:t>
-            </a:r>
-            <a:endParaRPr lang="de-DE" dirty="0"/>
-          </a:p>
-        </p:txBody>
-      </p:sp>
-      <p:sp>
-        <p:nvSpPr>
-          <p:cNvPr id="9" name="Inhaltsplatzhalter 8"/>
-          <p:cNvSpPr>
-            <a:spLocks noGrp="1"/>
-          </p:cNvSpPr>
-          <p:nvPr>
-            <p:ph idx="1"/>
-          </p:nvPr>
-        </p:nvSpPr>
-        <p:spPr/>
-        <p:txBody>
-          <a:bodyPr/>
-          <a:lstStyle/>
-          <a:p>
-            <a:r>
-              <a:rPr lang="de-DE" dirty="0"/>
-              <a:t>Programmiersprachen</a:t>
-            </a:r>
-          </a:p>
-          <a:p>
-            <a:r>
-              <a:rPr lang="de-DE" dirty="0"/>
-              <a:t>Installation von Python</a:t>
-            </a:r>
-          </a:p>
-          <a:p>
-            <a:r>
-              <a:rPr lang="de-DE" dirty="0"/>
-              <a:t>Entwicklungsumgebung</a:t>
-            </a:r>
-          </a:p>
-          <a:p>
-            <a:r>
-              <a:rPr lang="de-DE" dirty="0"/>
-              <a:t>Python Grundlagen</a:t>
-            </a:r>
-          </a:p>
-          <a:p>
-            <a:r>
-              <a:rPr lang="de-DE" b="1" dirty="0">
+        <p:spPr>
+          <a:xfrm>
+            <a:off x="838200" y="365126"/>
+            <a:ext cx="11252200" cy="1240116"/>
+          </a:xfrm>
+        </p:spPr>
+        <p:txBody>
+          <a:bodyPr>
+            <a:normAutofit/>
+          </a:bodyPr>
+          <a:lstStyle/>
+          <a:p>
+            <a:r>
+              <a:rPr lang="de-DE" dirty="0" smtClean="0"/>
+              <a:t>Erweitertes Python</a:t>
+            </a:r>
+            <a:br>
+              <a:rPr lang="de-DE" dirty="0" smtClean="0"/>
+            </a:br>
+            <a:r>
+              <a:rPr lang="de-DE" sz="2800" b="1" dirty="0" smtClean="0">
                 <a:solidFill>
                   <a:schemeClr val="accent1">
                     <a:lumMod val="75000"/>
@@ -27720,23 +27642,226 @@
                     </a:prstClr>
                   </a:outerShdw>
                 </a:effectLst>
-                <a:ea typeface="+mj-ea"/>
-              </a:rPr>
-              <a:t>Erweitertes Python</a:t>
-            </a:r>
-          </a:p>
-          <a:p>
-            <a:r>
-              <a:rPr lang="de-DE" dirty="0" smtClean="0"/>
-              <a:t>Ausblick</a:t>
-            </a:r>
-            <a:endParaRPr lang="de-DE" dirty="0"/>
-          </a:p>
-        </p:txBody>
-      </p:sp>
-      <p:sp>
-        <p:nvSpPr>
-          <p:cNvPr id="6" name="Datumsplatzhalter 5"/>
+              </a:rPr>
+              <a:t>Tupel</a:t>
+            </a:r>
+            <a:r>
+              <a:rPr lang="de-DE" sz="2400" dirty="0">
+                <a:solidFill>
+                  <a:schemeClr val="tx1"/>
+                </a:solidFill>
+              </a:rPr>
+              <a:t> </a:t>
+            </a:r>
+            <a:r>
+              <a:rPr lang="de-DE" sz="2400" dirty="0" smtClean="0">
+                <a:solidFill>
+                  <a:schemeClr val="tx1"/>
+                </a:solidFill>
+              </a:rPr>
+              <a:t>	Mengen 	Wörterbuch 		Bibliotheken</a:t>
+            </a:r>
+            <a:endParaRPr lang="de-DE" sz="2800" b="1" dirty="0">
+              <a:solidFill>
+                <a:schemeClr val="accent1">
+                  <a:lumMod val="75000"/>
+                </a:schemeClr>
+              </a:solidFill>
+              <a:effectLst>
+                <a:outerShdw blurRad="60007" dir="2000400" sy="-30000" kx="-800400" algn="bl" rotWithShape="0">
+                  <a:prstClr val="black">
+                    <a:alpha val="20000"/>
+                  </a:prstClr>
+                </a:outerShdw>
+              </a:effectLst>
+            </a:endParaRPr>
+          </a:p>
+        </p:txBody>
+      </p:sp>
+      <p:sp>
+        <p:nvSpPr>
+          <p:cNvPr id="3" name="Inhaltsplatzhalter 2"/>
+          <p:cNvSpPr>
+            <a:spLocks noGrp="1"/>
+          </p:cNvSpPr>
+          <p:nvPr>
+            <p:ph idx="1"/>
+          </p:nvPr>
+        </p:nvSpPr>
+        <p:spPr>
+          <a:xfrm>
+            <a:off x="838200" y="1993900"/>
+            <a:ext cx="10591800" cy="4267200"/>
+          </a:xfrm>
+        </p:spPr>
+        <p:txBody>
+          <a:bodyPr>
+            <a:normAutofit/>
+          </a:bodyPr>
+          <a:lstStyle/>
+          <a:p>
+            <a:r>
+              <a:rPr lang="de-DE" dirty="0" smtClean="0"/>
+              <a:t>Variablen</a:t>
+            </a:r>
+          </a:p>
+          <a:p>
+            <a:pPr lvl="1"/>
+            <a:r>
+              <a:rPr lang="de-DE" dirty="0" smtClean="0"/>
+              <a:t>mit mehreren Werten, die zusammen gehören</a:t>
+            </a:r>
+          </a:p>
+          <a:p>
+            <a:pPr lvl="1"/>
+            <a:r>
+              <a:rPr lang="de-DE" dirty="0" smtClean="0"/>
+              <a:t>können eingepackt und wieder ausgepackt werden</a:t>
+            </a:r>
+          </a:p>
+          <a:p>
+            <a:pPr lvl="1"/>
+            <a:r>
+              <a:rPr lang="de-DE" dirty="0" smtClean="0"/>
+              <a:t>Einpacken: </a:t>
+            </a:r>
+            <a:r>
+              <a:rPr lang="de-DE" i="1" dirty="0" err="1">
+                <a:solidFill>
+                  <a:schemeClr val="accent2">
+                    <a:lumMod val="75000"/>
+                  </a:schemeClr>
+                </a:solidFill>
+              </a:rPr>
+              <a:t>tupel</a:t>
+            </a:r>
+            <a:r>
+              <a:rPr lang="de-DE" dirty="0" smtClean="0"/>
+              <a:t> = </a:t>
+            </a:r>
+            <a:r>
+              <a:rPr lang="de-DE" b="1" dirty="0" smtClean="0">
+                <a:solidFill>
+                  <a:schemeClr val="accent1">
+                    <a:lumMod val="75000"/>
+                  </a:schemeClr>
+                </a:solidFill>
+              </a:rPr>
+              <a:t>(</a:t>
+            </a:r>
+            <a:r>
+              <a:rPr lang="de-DE" i="1" dirty="0" smtClean="0">
+                <a:solidFill>
+                  <a:schemeClr val="accent2">
+                    <a:lumMod val="75000"/>
+                  </a:schemeClr>
+                </a:solidFill>
+              </a:rPr>
+              <a:t>Wert1</a:t>
+            </a:r>
+            <a:r>
+              <a:rPr lang="de-DE" b="1" dirty="0" smtClean="0">
+                <a:solidFill>
+                  <a:schemeClr val="accent1">
+                    <a:lumMod val="75000"/>
+                  </a:schemeClr>
+                </a:solidFill>
+              </a:rPr>
+              <a:t>,</a:t>
+            </a:r>
+            <a:r>
+              <a:rPr lang="de-DE" i="1" dirty="0" smtClean="0">
+                <a:solidFill>
+                  <a:schemeClr val="accent2">
+                    <a:lumMod val="75000"/>
+                  </a:schemeClr>
+                </a:solidFill>
+              </a:rPr>
+              <a:t> Wert2</a:t>
+            </a:r>
+            <a:r>
+              <a:rPr lang="de-DE" b="1" dirty="0" smtClean="0">
+                <a:solidFill>
+                  <a:schemeClr val="accent1">
+                    <a:lumMod val="75000"/>
+                  </a:schemeClr>
+                </a:solidFill>
+              </a:rPr>
+              <a:t>)</a:t>
+            </a:r>
+            <a:r>
+              <a:rPr lang="de-DE" dirty="0"/>
+              <a:t> </a:t>
+            </a:r>
+            <a:endParaRPr lang="de-DE" dirty="0" smtClean="0"/>
+          </a:p>
+          <a:p>
+            <a:pPr lvl="1"/>
+            <a:r>
+              <a:rPr lang="de-DE" dirty="0" smtClean="0"/>
+              <a:t>Auspacken: </a:t>
+            </a:r>
+            <a:r>
+              <a:rPr lang="de-DE" i="1" dirty="0">
+                <a:solidFill>
+                  <a:schemeClr val="accent2">
+                    <a:lumMod val="75000"/>
+                  </a:schemeClr>
+                </a:solidFill>
+              </a:rPr>
+              <a:t>Wert1</a:t>
+            </a:r>
+            <a:r>
+              <a:rPr lang="de-DE" b="1" dirty="0">
+                <a:solidFill>
+                  <a:schemeClr val="accent1">
+                    <a:lumMod val="75000"/>
+                  </a:schemeClr>
+                </a:solidFill>
+              </a:rPr>
+              <a:t>,</a:t>
+            </a:r>
+            <a:r>
+              <a:rPr lang="de-DE" i="1" dirty="0">
+                <a:solidFill>
+                  <a:schemeClr val="accent2">
+                    <a:lumMod val="75000"/>
+                  </a:schemeClr>
+                </a:solidFill>
+              </a:rPr>
+              <a:t> Wert2</a:t>
+            </a:r>
+            <a:r>
+              <a:rPr lang="de-DE" dirty="0" smtClean="0"/>
+              <a:t> </a:t>
+            </a:r>
+            <a:r>
+              <a:rPr lang="de-DE" dirty="0"/>
+              <a:t>= </a:t>
+            </a:r>
+            <a:r>
+              <a:rPr lang="de-DE" i="1" dirty="0" err="1">
+                <a:solidFill>
+                  <a:schemeClr val="accent2">
+                    <a:lumMod val="75000"/>
+                  </a:schemeClr>
+                </a:solidFill>
+              </a:rPr>
+              <a:t>tupel</a:t>
+            </a:r>
+            <a:endParaRPr lang="de-DE" i="1" dirty="0">
+              <a:solidFill>
+                <a:schemeClr val="accent2">
+                  <a:lumMod val="75000"/>
+                </a:schemeClr>
+              </a:solidFill>
+            </a:endParaRPr>
+          </a:p>
+        </p:txBody>
+      </p:sp>
+      <p:sp>
+        <p:nvSpPr>
+          <p:cNvPr id="4" name="Datumsplatzhalter 3"/>
           <p:cNvSpPr>
             <a:spLocks noGrp="1"/>
           </p:cNvSpPr>
@@ -27749,9 +27874,9 @@
           <a:bodyPr/>
           <a:lstStyle/>
           <a:p>
-            <a:fld id="{905A4CF4-35CC-4668-96ED-1D8C985AD6DE}" type="datetime1">
+            <a:fld id="{F7E50691-51A9-4140-A0EE-65B13D20BDB0}" type="datetime1">
               <a:rPr lang="de-DE" smtClean="0"/>
-              <a:t>22.02.2018</a:t>
+              <a:t>27.03.2018</a:t>
             </a:fld>
             <a:endParaRPr lang="de-DE"/>
           </a:p>
@@ -27759,7 +27884,7 @@
       </p:sp>
       <p:sp>
         <p:nvSpPr>
-          <p:cNvPr id="7" name="Fußzeilenplatzhalter 6"/>
+          <p:cNvPr id="5" name="Fußzeilenplatzhalter 4"/>
           <p:cNvSpPr>
             <a:spLocks noGrp="1"/>
           </p:cNvSpPr>
@@ -27772,13 +27897,17 @@
           <a:bodyPr/>
           <a:lstStyle/>
           <a:p>
-            <a:endParaRPr lang="de-DE"/>
-          </a:p>
-        </p:txBody>
-      </p:sp>
-      <p:sp>
-        <p:nvSpPr>
-          <p:cNvPr id="8" name="Foliennummernplatzhalter 7"/>
+            <a:r>
+              <a:rPr lang="de-DE" smtClean="0"/>
+              <a:t>Python Einführung</a:t>
+            </a:r>
+            <a:endParaRPr lang="de-DE" dirty="0"/>
+          </a:p>
+        </p:txBody>
+      </p:sp>
+      <p:sp>
+        <p:nvSpPr>
+          <p:cNvPr id="6" name="Foliennummernplatzhalter 5"/>
           <p:cNvSpPr>
             <a:spLocks noGrp="1"/>
           </p:cNvSpPr>
@@ -27799,10 +27928,40 @@
           </a:p>
         </p:txBody>
       </p:sp>
+      <p:pic>
+        <p:nvPicPr>
+          <p:cNvPr id="8" name="Grafik 7"/>
+          <p:cNvPicPr>
+            <a:picLocks noChangeAspect="1"/>
+          </p:cNvPicPr>
+          <p:nvPr/>
+        </p:nvPicPr>
+        <p:blipFill>
+          <a:blip r:embed="rId3">
+            <a:extLst>
+              <a:ext uri="{28A0092B-C50C-407E-A947-70E740481C1C}">
+                <a14:useLocalDpi xmlns:a14="http://schemas.microsoft.com/office/drawing/2010/main" val="0"/>
+              </a:ext>
+            </a:extLst>
+          </a:blip>
+          <a:stretch>
+            <a:fillRect/>
+          </a:stretch>
+        </p:blipFill>
+        <p:spPr>
+          <a:xfrm>
+            <a:off x="1407840" y="4118387"/>
+            <a:ext cx="5400600" cy="1851635"/>
+          </a:xfrm>
+          <a:prstGeom prst="rect">
+            <a:avLst/>
+          </a:prstGeom>
+        </p:spPr>
+      </p:pic>
     </p:spTree>
     <p:extLst>
       <p:ext uri="{BB962C8B-B14F-4D97-AF65-F5344CB8AC3E}">
-        <p14:creationId xmlns:p14="http://schemas.microsoft.com/office/powerpoint/2010/main" val="2657388772"/>
+        <p14:creationId xmlns:p14="http://schemas.microsoft.com/office/powerpoint/2010/main" val="3397192928"/>
       </p:ext>
     </p:extLst>
   </p:cSld>
@@ -28056,9 +28215,9 @@
           <a:bodyPr/>
           <a:lstStyle/>
           <a:p>
-            <a:fld id="{D3B4AE11-6847-4A98-9145-2F7B754CAADC}" type="datetime1">
+            <a:fld id="{8E075C87-E077-4B9A-A783-FA839FDB07B3}" type="datetime1">
               <a:rPr lang="de-DE" smtClean="0"/>
-              <a:t>22.02.2018</a:t>
+              <a:t>27.03.2018</a:t>
             </a:fld>
             <a:endParaRPr lang="de-DE"/>
           </a:p>
@@ -28079,6 +28238,10 @@
           <a:bodyPr/>
           <a:lstStyle/>
           <a:p>
+            <a:r>
+              <a:rPr lang="de-DE" smtClean="0"/>
+              <a:t>Python Einführung</a:t>
+            </a:r>
             <a:endParaRPr lang="de-DE"/>
           </a:p>
         </p:txBody>
@@ -28409,7 +28572,23 @@
               <a:rPr lang="de-DE" dirty="0" smtClean="0"/>
             </a:br>
             <a:r>
-              <a:rPr lang="de-DE" sz="2800" b="1" dirty="0" smtClean="0">
+              <a:rPr lang="de-DE" sz="2400" dirty="0">
+                <a:solidFill>
+                  <a:schemeClr val="tx1"/>
+                </a:solidFill>
+              </a:rPr>
+              <a:t>Tupel </a:t>
+            </a:r>
+            <a:r>
+              <a:rPr lang="de-DE" sz="2400" dirty="0" smtClean="0">
+                <a:solidFill>
+                  <a:schemeClr val="tx1"/>
+                </a:solidFill>
+              </a:rPr>
+              <a:t>		</a:t>
+            </a:r>
+            <a:r>
+              <a:rPr lang="de-DE" sz="2800" b="1" dirty="0">
                 <a:solidFill>
                   <a:schemeClr val="accent1">
                     <a:lumMod val="75000"/>
@@ -28423,23 +28602,15 @@
                   </a:outerShdw>
                 </a:effectLst>
               </a:rPr>
-              <a:t>Tupel</a:t>
-            </a:r>
-            <a:r>
-              <a:rPr lang="de-DE" sz="2400" dirty="0">
+              <a:t>Mengen</a:t>
+            </a:r>
+            <a:r>
+              <a:rPr lang="de-DE" sz="2400" dirty="0" smtClean="0">
                 <a:solidFill>
                   <a:schemeClr val="tx1"/>
                 </a:solidFill>
               </a:rPr>
-              <a:t> </a:t>
-            </a:r>
-            <a:r>
-              <a:rPr lang="de-DE" sz="2400" dirty="0" smtClean="0">
-                <a:solidFill>
-                  <a:schemeClr val="tx1"/>
-                </a:solidFill>
-              </a:rPr>
-              <a:t>	Mengen 	Wörterbuch 		Bibliotheken</a:t>
+              <a:t> 	Wörterbuch 		Bibliotheken</a:t>
             </a:r>
             <a:endParaRPr lang="de-DE" sz="2800" b="1" dirty="0">
               <a:solidFill>
@@ -28482,160 +28653,16 @@
           <a:p>
             <a:r>
               <a:rPr lang="de-DE" dirty="0" smtClean="0"/>
-              <a:t>Variablen</a:t>
-            </a:r>
-          </a:p>
-          <a:p>
-            <a:pPr lvl="1"/>
-            <a:r>
-              <a:rPr lang="de-DE" dirty="0" smtClean="0"/>
-              <a:t>mit mehreren Werten, die zusammen gehören</a:t>
-            </a:r>
-          </a:p>
-          <a:p>
-            <a:pPr lvl="1"/>
-            <a:r>
-              <a:rPr lang="de-DE" dirty="0" smtClean="0"/>
-              <a:t>können eingepackt und wieder ausgepackt werden</a:t>
-            </a:r>
-          </a:p>
-          <a:p>
-            <a:pPr lvl="1"/>
-            <a:r>
-              <a:rPr lang="de-DE" dirty="0" smtClean="0"/>
-              <a:t>Einpacken: </a:t>
-            </a:r>
-            <a:r>
-              <a:rPr lang="de-DE" i="1" dirty="0" err="1">
-                <a:solidFill>
-                  <a:schemeClr val="accent2">
-                    <a:lumMod val="75000"/>
-                  </a:schemeClr>
-                </a:solidFill>
-              </a:rPr>
-              <a:t>tupel</a:t>
-            </a:r>
-            <a:r>
-              <a:rPr lang="de-DE" dirty="0" smtClean="0"/>
-              <a:t> = </a:t>
-            </a:r>
-            <a:r>
-              <a:rPr lang="de-DE" b="1" dirty="0" smtClean="0">
-                <a:solidFill>
-                  <a:schemeClr val="accent1">
-                    <a:lumMod val="75000"/>
-                  </a:schemeClr>
-                </a:solidFill>
-              </a:rPr>
-              <a:t>(</a:t>
-            </a:r>
-            <a:r>
-              <a:rPr lang="de-DE" i="1" dirty="0" smtClean="0">
-                <a:solidFill>
-                  <a:schemeClr val="accent2">
-                    <a:lumMod val="75000"/>
-                  </a:schemeClr>
-                </a:solidFill>
-              </a:rPr>
-              <a:t>Wert1</a:t>
-            </a:r>
-            <a:r>
-              <a:rPr lang="de-DE" b="1" dirty="0" smtClean="0">
-                <a:solidFill>
-                  <a:schemeClr val="accent1">
-                    <a:lumMod val="75000"/>
-                  </a:schemeClr>
-                </a:solidFill>
-              </a:rPr>
-              <a:t>,</a:t>
-            </a:r>
-            <a:r>
-              <a:rPr lang="de-DE" i="1" dirty="0" smtClean="0">
-                <a:solidFill>
-                  <a:schemeClr val="accent2">
-                    <a:lumMod val="75000"/>
-                  </a:schemeClr>
-                </a:solidFill>
-              </a:rPr>
-              <a:t> Wert2</a:t>
-            </a:r>
-            <a:r>
-              <a:rPr lang="de-DE" b="1" dirty="0" smtClean="0">
-                <a:solidFill>
-                  <a:schemeClr val="accent1">
-                    <a:lumMod val="75000"/>
-                  </a:schemeClr>
-                </a:solidFill>
-              </a:rPr>
-              <a:t>)</a:t>
-            </a:r>
-            <a:r>
-              <a:rPr lang="de-DE" dirty="0"/>
-              <a:t> </a:t>
-            </a:r>
-            <a:endParaRPr lang="de-DE" dirty="0" smtClean="0"/>
-          </a:p>
-          <a:p>
-            <a:pPr lvl="1"/>
-            <a:r>
-              <a:rPr lang="de-DE" dirty="0" smtClean="0"/>
-              <a:t>Auspacken: </a:t>
-            </a:r>
-            <a:r>
-              <a:rPr lang="de-DE" i="1" dirty="0">
-                <a:solidFill>
-                  <a:schemeClr val="accent2">
-                    <a:lumMod val="75000"/>
-                  </a:schemeClr>
-                </a:solidFill>
-              </a:rPr>
-              <a:t>Wert1</a:t>
-            </a:r>
-            <a:r>
-              <a:rPr lang="de-DE" b="1" dirty="0">
-                <a:solidFill>
-                  <a:schemeClr val="accent1">
-                    <a:lumMod val="75000"/>
-                  </a:schemeClr>
-                </a:solidFill>
-              </a:rPr>
-              <a:t>,</a:t>
-            </a:r>
-            <a:r>
-              <a:rPr lang="de-DE" i="1" dirty="0">
-                <a:solidFill>
-                  <a:schemeClr val="accent2">
-                    <a:lumMod val="75000"/>
-                  </a:schemeClr>
-                </a:solidFill>
-              </a:rPr>
-              <a:t> Wert2</a:t>
-            </a:r>
-            <a:r>
-              <a:rPr lang="de-DE" dirty="0" smtClean="0"/>
-              <a:t> </a:t>
-            </a:r>
-            <a:r>
-              <a:rPr lang="de-DE" dirty="0"/>
-              <a:t>= </a:t>
-            </a:r>
-            <a:r>
-              <a:rPr lang="de-DE" i="1" dirty="0" err="1">
-                <a:solidFill>
-                  <a:schemeClr val="accent2">
-                    <a:lumMod val="75000"/>
-                  </a:schemeClr>
-                </a:solidFill>
-              </a:rPr>
-              <a:t>tupel</a:t>
-            </a:r>
-            <a:endParaRPr lang="de-DE" i="1" dirty="0">
-              <a:solidFill>
-                <a:schemeClr val="accent2">
-                  <a:lumMod val="75000"/>
-                </a:schemeClr>
-              </a:solidFill>
-            </a:endParaRPr>
+              <a:t>Mengen („</a:t>
+            </a:r>
+            <a:r>
+              <a:rPr lang="de-DE" dirty="0" err="1" smtClean="0"/>
+              <a:t>set</a:t>
+            </a:r>
+            <a:r>
+              <a:rPr lang="de-DE" dirty="0" smtClean="0"/>
+              <a:t>“)</a:t>
+            </a:r>
           </a:p>
         </p:txBody>
       </p:sp>
@@ -28654,9 +28681,9 @@
           <a:bodyPr/>
           <a:lstStyle/>
           <a:p>
-            <a:fld id="{D3B4AE11-6847-4A98-9145-2F7B754CAADC}" type="datetime1">
+            <a:fld id="{4F38BD0A-546F-41BC-82E8-2F02A3E91B8C}" type="datetime1">
               <a:rPr lang="de-DE" smtClean="0"/>
-              <a:t>22.02.2018</a:t>
+              <a:t>27.03.2018</a:t>
             </a:fld>
             <a:endParaRPr lang="de-DE"/>
           </a:p>
@@ -28677,6 +28704,10 @@
           <a:bodyPr/>
           <a:lstStyle/>
           <a:p>
+            <a:r>
+              <a:rPr lang="de-DE" smtClean="0"/>
+              <a:t>Python Einführung</a:t>
+            </a:r>
             <a:endParaRPr lang="de-DE" dirty="0"/>
           </a:p>
         </p:txBody>
@@ -28699,270 +28730,6 @@
             <a:fld id="{3A1F27E2-D58A-4028-9FF2-B12D897F257E}" type="slidenum">
               <a:rPr lang="de-DE" smtClean="0"/>
               <a:t>60</a:t>
-            </a:fld>
-            <a:endParaRPr lang="de-DE"/>
-          </a:p>
-        </p:txBody>
-      </p:sp>
-      <p:pic>
-        <p:nvPicPr>
-          <p:cNvPr id="8" name="Grafik 7"/>
-          <p:cNvPicPr>
-            <a:picLocks noChangeAspect="1"/>
-          </p:cNvPicPr>
-          <p:nvPr/>
-        </p:nvPicPr>
-        <p:blipFill>
-          <a:blip r:embed="rId3">
-            <a:extLst>
-              <a:ext uri="{28A0092B-C50C-407E-A947-70E740481C1C}">
-                <a14:useLocalDpi xmlns:a14="http://schemas.microsoft.com/office/drawing/2010/main" val="0"/>
-              </a:ext>
-            </a:extLst>
-          </a:blip>
-          <a:stretch>
-            <a:fillRect/>
-          </a:stretch>
-        </p:blipFill>
-        <p:spPr>
-          <a:xfrm>
-            <a:off x="1407840" y="4118387"/>
-            <a:ext cx="5400600" cy="1851635"/>
-          </a:xfrm>
-          <a:prstGeom prst="rect">
-            <a:avLst/>
-          </a:prstGeom>
-        </p:spPr>
-      </p:pic>
-    </p:spTree>
-    <p:extLst>
-      <p:ext uri="{BB962C8B-B14F-4D97-AF65-F5344CB8AC3E}">
-        <p14:creationId xmlns:p14="http://schemas.microsoft.com/office/powerpoint/2010/main" val="3397192928"/>
-      </p:ext>
-    </p:extLst>
-  </p:cSld>
-  <p:clrMapOvr>
-    <a:masterClrMapping/>
-  </p:clrMapOvr>
-  <mc:AlternateContent xmlns:mc="http://schemas.openxmlformats.org/markup-compatibility/2006" xmlns:p14="http://schemas.microsoft.com/office/powerpoint/2010/main">
-    <mc:Choice Requires="p14">
-      <p:transition p14:dur="0"/>
-    </mc:Choice>
-    <mc:Fallback xmlns="">
-      <p:transition/>
-    </mc:Fallback>
-  </mc:AlternateContent>
-  <p:timing>
-    <p:tnLst>
-      <p:par>
-        <p:cTn id="1" dur="indefinite" restart="never" nodeType="tmRoot"/>
-      </p:par>
-    </p:tnLst>
-  </p:timing>
-</p:sld>
-</file>
-
-<file path=ppt/slides/slide61.xml><?xml version="1.0" encoding="utf-8"?>
-<p:sld xmlns:a="http://schemas.openxmlformats.org/drawingml/2006/main" xmlns:r="http://schemas.openxmlformats.org/officeDocument/2006/relationships" xmlns:p="http://schemas.openxmlformats.org/presentationml/2006/main">
-  <p:cSld>
-    <p:spTree>
-      <p:nvGrpSpPr>
-        <p:cNvPr id="1" name=""/>
-        <p:cNvGrpSpPr/>
-        <p:nvPr/>
-      </p:nvGrpSpPr>
-      <p:grpSpPr>
-        <a:xfrm>
-          <a:off x="0" y="0"/>
-          <a:ext cx="0" cy="0"/>
-          <a:chOff x="0" y="0"/>
-          <a:chExt cx="0" cy="0"/>
-        </a:xfrm>
-      </p:grpSpPr>
-      <p:sp>
-        <p:nvSpPr>
-          <p:cNvPr id="2" name="Titel 1"/>
-          <p:cNvSpPr>
-            <a:spLocks noGrp="1"/>
-          </p:cNvSpPr>
-          <p:nvPr>
-            <p:ph type="title"/>
-          </p:nvPr>
-        </p:nvSpPr>
-        <p:spPr>
-          <a:xfrm>
-            <a:off x="838200" y="365126"/>
-            <a:ext cx="11252200" cy="1240116"/>
-          </a:xfrm>
-        </p:spPr>
-        <p:txBody>
-          <a:bodyPr>
-            <a:normAutofit/>
-          </a:bodyPr>
-          <a:lstStyle/>
-          <a:p>
-            <a:r>
-              <a:rPr lang="de-DE" dirty="0" smtClean="0"/>
-              <a:t>Erweitertes Python</a:t>
-            </a:r>
-            <a:br>
-              <a:rPr lang="de-DE" dirty="0" smtClean="0"/>
-            </a:br>
-            <a:r>
-              <a:rPr lang="de-DE" sz="2400" dirty="0">
-                <a:solidFill>
-                  <a:schemeClr val="tx1"/>
-                </a:solidFill>
-              </a:rPr>
-              <a:t>Tupel </a:t>
-            </a:r>
-            <a:r>
-              <a:rPr lang="de-DE" sz="2400" dirty="0" smtClean="0">
-                <a:solidFill>
-                  <a:schemeClr val="tx1"/>
-                </a:solidFill>
-              </a:rPr>
-              <a:t>		</a:t>
-            </a:r>
-            <a:r>
-              <a:rPr lang="de-DE" sz="2800" b="1" dirty="0">
-                <a:solidFill>
-                  <a:schemeClr val="accent1">
-                    <a:lumMod val="75000"/>
-                  </a:schemeClr>
-                </a:solidFill>
-                <a:effectLst>
-                  <a:outerShdw blurRad="60007" dir="2000400" sy="-30000" kx="-800400" algn="bl" rotWithShape="0">
-                    <a:prstClr val="black">
-                      <a:alpha val="20000"/>
-                    </a:prstClr>
-                  </a:outerShdw>
-                </a:effectLst>
-              </a:rPr>
-              <a:t>Mengen</a:t>
-            </a:r>
-            <a:r>
-              <a:rPr lang="de-DE" sz="2400" dirty="0" smtClean="0">
-                <a:solidFill>
-                  <a:schemeClr val="tx1"/>
-                </a:solidFill>
-              </a:rPr>
-              <a:t> 	Wörterbuch 		Bibliotheken</a:t>
-            </a:r>
-            <a:endParaRPr lang="de-DE" sz="2800" b="1" dirty="0">
-              <a:solidFill>
-                <a:schemeClr val="accent1">
-                  <a:lumMod val="75000"/>
-                </a:schemeClr>
-              </a:solidFill>
-              <a:effectLst>
-                <a:outerShdw blurRad="60007" dir="2000400" sy="-30000" kx="-800400" algn="bl" rotWithShape="0">
-                  <a:prstClr val="black">
-                    <a:alpha val="20000"/>
-                  </a:prstClr>
-                </a:outerShdw>
-              </a:effectLst>
-            </a:endParaRPr>
-          </a:p>
-        </p:txBody>
-      </p:sp>
-      <p:sp>
-        <p:nvSpPr>
-          <p:cNvPr id="3" name="Inhaltsplatzhalter 2"/>
-          <p:cNvSpPr>
-            <a:spLocks noGrp="1"/>
-          </p:cNvSpPr>
-          <p:nvPr>
-            <p:ph idx="1"/>
-          </p:nvPr>
-        </p:nvSpPr>
-        <p:spPr>
-          <a:xfrm>
-            <a:off x="838200" y="1993900"/>
-            <a:ext cx="10591800" cy="4267200"/>
-          </a:xfrm>
-        </p:spPr>
-        <p:txBody>
-          <a:bodyPr>
-            <a:normAutofit/>
-          </a:bodyPr>
-          <a:lstStyle/>
-          <a:p>
-            <a:r>
-              <a:rPr lang="de-DE" dirty="0" smtClean="0"/>
-              <a:t>Mengen („</a:t>
-            </a:r>
-            <a:r>
-              <a:rPr lang="de-DE" dirty="0" err="1" smtClean="0"/>
-              <a:t>set</a:t>
-            </a:r>
-            <a:r>
-              <a:rPr lang="de-DE" dirty="0" smtClean="0"/>
-              <a:t>“)</a:t>
-            </a:r>
-          </a:p>
-        </p:txBody>
-      </p:sp>
-      <p:sp>
-        <p:nvSpPr>
-          <p:cNvPr id="4" name="Datumsplatzhalter 3"/>
-          <p:cNvSpPr>
-            <a:spLocks noGrp="1"/>
-          </p:cNvSpPr>
-          <p:nvPr>
-            <p:ph type="dt" sz="half" idx="10"/>
-          </p:nvPr>
-        </p:nvSpPr>
-        <p:spPr/>
-        <p:txBody>
-          <a:bodyPr/>
-          <a:lstStyle/>
-          <a:p>
-            <a:fld id="{D3B4AE11-6847-4A98-9145-2F7B754CAADC}" type="datetime1">
-              <a:rPr lang="de-DE" smtClean="0"/>
-              <a:t>22.02.2018</a:t>
-            </a:fld>
-            <a:endParaRPr lang="de-DE"/>
-          </a:p>
-        </p:txBody>
-      </p:sp>
-      <p:sp>
-        <p:nvSpPr>
-          <p:cNvPr id="5" name="Fußzeilenplatzhalter 4"/>
-          <p:cNvSpPr>
-            <a:spLocks noGrp="1"/>
-          </p:cNvSpPr>
-          <p:nvPr>
-            <p:ph type="ftr" sz="quarter" idx="11"/>
-          </p:nvPr>
-        </p:nvSpPr>
-        <p:spPr/>
-        <p:txBody>
-          <a:bodyPr/>
-          <a:lstStyle/>
-          <a:p>
-            <a:endParaRPr lang="de-DE" dirty="0"/>
-          </a:p>
-        </p:txBody>
-      </p:sp>
-      <p:sp>
-        <p:nvSpPr>
-          <p:cNvPr id="6" name="Foliennummernplatzhalter 5"/>
-          <p:cNvSpPr>
-            <a:spLocks noGrp="1"/>
-          </p:cNvSpPr>
-          <p:nvPr>
-            <p:ph type="sldNum" sz="quarter" idx="12"/>
-          </p:nvPr>
-        </p:nvSpPr>
-        <p:spPr/>
-        <p:txBody>
-          <a:bodyPr/>
-          <a:lstStyle/>
-          <a:p>
-            <a:fld id="{3A1F27E2-D58A-4028-9FF2-B12D897F257E}" type="slidenum">
-              <a:rPr lang="de-DE" smtClean="0"/>
-              <a:t>61</a:t>
             </a:fld>
             <a:endParaRPr lang="de-DE"/>
           </a:p>
@@ -29038,7 +28805,7 @@
 </p:sld>
 </file>
 
-<file path=ppt/slides/slide62.xml><?xml version="1.0" encoding="utf-8"?>
+<file path=ppt/slides/slide61.xml><?xml version="1.0" encoding="utf-8"?>
 <p:sld xmlns:a="http://schemas.openxmlformats.org/drawingml/2006/main" xmlns:r="http://schemas.openxmlformats.org/officeDocument/2006/relationships" xmlns:p="http://schemas.openxmlformats.org/presentationml/2006/main">
   <p:cSld>
     <p:spTree>
@@ -29358,9 +29125,9 @@
           <a:bodyPr/>
           <a:lstStyle/>
           <a:p>
-            <a:fld id="{D3B4AE11-6847-4A98-9145-2F7B754CAADC}" type="datetime1">
+            <a:fld id="{93BDE5D8-0EF8-43C8-A803-F2A4680D245A}" type="datetime1">
               <a:rPr lang="de-DE" smtClean="0"/>
-              <a:t>22.02.2018</a:t>
+              <a:t>27.03.2018</a:t>
             </a:fld>
             <a:endParaRPr lang="de-DE"/>
           </a:p>
@@ -29381,6 +29148,10 @@
           <a:bodyPr/>
           <a:lstStyle/>
           <a:p>
+            <a:r>
+              <a:rPr lang="de-DE" smtClean="0"/>
+              <a:t>Python Einführung</a:t>
+            </a:r>
             <a:endParaRPr lang="de-DE" dirty="0"/>
           </a:p>
         </p:txBody>
@@ -29402,7 +29173,7 @@
           <a:p>
             <a:fld id="{3A1F27E2-D58A-4028-9FF2-B12D897F257E}" type="slidenum">
               <a:rPr lang="de-DE" smtClean="0"/>
-              <a:t>62</a:t>
+              <a:t>61</a:t>
             </a:fld>
             <a:endParaRPr lang="de-DE"/>
           </a:p>
@@ -29478,7 +29249,7 @@
 </p:sld>
 </file>
 
-<file path=ppt/slides/slide63.xml><?xml version="1.0" encoding="utf-8"?>
+<file path=ppt/slides/slide62.xml><?xml version="1.0" encoding="utf-8"?>
 <p:sld xmlns:a="http://schemas.openxmlformats.org/drawingml/2006/main" xmlns:r="http://schemas.openxmlformats.org/officeDocument/2006/relationships" xmlns:p="http://schemas.openxmlformats.org/presentationml/2006/main">
   <p:cSld>
     <p:spTree>
@@ -29750,9 +29521,9 @@
           <a:bodyPr/>
           <a:lstStyle/>
           <a:p>
-            <a:fld id="{D3B4AE11-6847-4A98-9145-2F7B754CAADC}" type="datetime1">
+            <a:fld id="{8D8B82FA-64B0-40BF-B50C-04C47CA9AC1D}" type="datetime1">
               <a:rPr lang="de-DE" smtClean="0"/>
-              <a:t>22.02.2018</a:t>
+              <a:t>27.03.2018</a:t>
             </a:fld>
             <a:endParaRPr lang="de-DE"/>
           </a:p>
@@ -29773,6 +29544,10 @@
           <a:bodyPr/>
           <a:lstStyle/>
           <a:p>
+            <a:r>
+              <a:rPr lang="de-DE" smtClean="0"/>
+              <a:t>Python Einführung</a:t>
+            </a:r>
             <a:endParaRPr lang="de-DE" dirty="0"/>
           </a:p>
         </p:txBody>
@@ -29794,7 +29569,7 @@
           <a:p>
             <a:fld id="{3A1F27E2-D58A-4028-9FF2-B12D897F257E}" type="slidenum">
               <a:rPr lang="de-DE" smtClean="0"/>
-              <a:t>63</a:t>
+              <a:t>62</a:t>
             </a:fld>
             <a:endParaRPr lang="de-DE"/>
           </a:p>
@@ -29870,7 +29645,7 @@
 </p:sld>
 </file>
 
-<file path=ppt/slides/slide64.xml><?xml version="1.0" encoding="utf-8"?>
+<file path=ppt/slides/slide63.xml><?xml version="1.0" encoding="utf-8"?>
 <p:sld xmlns:a="http://schemas.openxmlformats.org/drawingml/2006/main" xmlns:r="http://schemas.openxmlformats.org/officeDocument/2006/relationships" xmlns:p="http://schemas.openxmlformats.org/presentationml/2006/main">
   <p:cSld>
     <p:spTree>
@@ -30121,9 +29896,9 @@
           <a:bodyPr/>
           <a:lstStyle/>
           <a:p>
-            <a:fld id="{D3B4AE11-6847-4A98-9145-2F7B754CAADC}" type="datetime1">
+            <a:fld id="{FE3EABC3-5E07-44ED-B9F0-0D657265B4EC}" type="datetime1">
               <a:rPr lang="de-DE" smtClean="0"/>
-              <a:t>22.02.2018</a:t>
+              <a:t>27.03.2018</a:t>
             </a:fld>
             <a:endParaRPr lang="de-DE"/>
           </a:p>
@@ -30144,6 +29919,10 @@
           <a:bodyPr/>
           <a:lstStyle/>
           <a:p>
+            <a:r>
+              <a:rPr lang="de-DE" smtClean="0"/>
+              <a:t>Python Einführung</a:t>
+            </a:r>
             <a:endParaRPr lang="de-DE" dirty="0"/>
           </a:p>
         </p:txBody>
@@ -30165,7 +29944,7 @@
           <a:p>
             <a:fld id="{3A1F27E2-D58A-4028-9FF2-B12D897F257E}" type="slidenum">
               <a:rPr lang="de-DE" smtClean="0"/>
-              <a:t>64</a:t>
+              <a:t>63</a:t>
             </a:fld>
             <a:endParaRPr lang="de-DE"/>
           </a:p>
@@ -30241,6 +30020,209 @@
 </p:sld>
 </file>
 
+<file path=ppt/slides/slide64.xml><?xml version="1.0" encoding="utf-8"?>
+<p:sld xmlns:a="http://schemas.openxmlformats.org/drawingml/2006/main" xmlns:r="http://schemas.openxmlformats.org/officeDocument/2006/relationships" xmlns:p="http://schemas.openxmlformats.org/presentationml/2006/main">
+  <p:cSld>
+    <p:spTree>
+      <p:nvGrpSpPr>
+        <p:cNvPr id="1" name=""/>
+        <p:cNvGrpSpPr/>
+        <p:nvPr/>
+      </p:nvGrpSpPr>
+      <p:grpSpPr>
+        <a:xfrm>
+          <a:off x="0" y="0"/>
+          <a:ext cx="0" cy="0"/>
+          <a:chOff x="0" y="0"/>
+          <a:chExt cx="0" cy="0"/>
+        </a:xfrm>
+      </p:grpSpPr>
+      <p:sp>
+        <p:nvSpPr>
+          <p:cNvPr id="4" name="Titel 3"/>
+          <p:cNvSpPr>
+            <a:spLocks noGrp="1"/>
+          </p:cNvSpPr>
+          <p:nvPr>
+            <p:ph type="title"/>
+          </p:nvPr>
+        </p:nvSpPr>
+        <p:spPr/>
+        <p:txBody>
+          <a:bodyPr/>
+          <a:lstStyle/>
+          <a:p>
+            <a:r>
+              <a:rPr lang="de-DE" dirty="0" smtClean="0"/>
+              <a:t>Agenda</a:t>
+            </a:r>
+            <a:endParaRPr lang="de-DE" dirty="0"/>
+          </a:p>
+        </p:txBody>
+      </p:sp>
+      <p:sp>
+        <p:nvSpPr>
+          <p:cNvPr id="9" name="Inhaltsplatzhalter 8"/>
+          <p:cNvSpPr>
+            <a:spLocks noGrp="1"/>
+          </p:cNvSpPr>
+          <p:nvPr>
+            <p:ph idx="1"/>
+          </p:nvPr>
+        </p:nvSpPr>
+        <p:spPr/>
+        <p:txBody>
+          <a:bodyPr/>
+          <a:lstStyle/>
+          <a:p>
+            <a:r>
+              <a:rPr lang="de-DE" dirty="0"/>
+              <a:t>Programmiersprachen</a:t>
+            </a:r>
+          </a:p>
+          <a:p>
+            <a:r>
+              <a:rPr lang="de-DE" dirty="0"/>
+              <a:t>Installation von Python</a:t>
+            </a:r>
+          </a:p>
+          <a:p>
+            <a:r>
+              <a:rPr lang="de-DE" dirty="0"/>
+              <a:t>Entwicklungsumgebung</a:t>
+            </a:r>
+          </a:p>
+          <a:p>
+            <a:r>
+              <a:rPr lang="de-DE" dirty="0"/>
+              <a:t>Python Grundlagen</a:t>
+            </a:r>
+          </a:p>
+          <a:p>
+            <a:r>
+              <a:rPr lang="de-DE" dirty="0"/>
+              <a:t>Erweitertes Python</a:t>
+            </a:r>
+          </a:p>
+          <a:p>
+            <a:r>
+              <a:rPr lang="de-DE" b="1" dirty="0">
+                <a:solidFill>
+                  <a:schemeClr val="accent1">
+                    <a:lumMod val="75000"/>
+                  </a:schemeClr>
+                </a:solidFill>
+                <a:effectLst>
+                  <a:outerShdw blurRad="60007" dir="2000400" sy="-30000" kx="-800400" algn="bl" rotWithShape="0">
+                    <a:prstClr val="black">
+                      <a:alpha val="20000"/>
+                    </a:prstClr>
+                  </a:outerShdw>
+                </a:effectLst>
+                <a:ea typeface="+mj-ea"/>
+              </a:rPr>
+              <a:t>Ausblick</a:t>
+            </a:r>
+          </a:p>
+        </p:txBody>
+      </p:sp>
+      <p:sp>
+        <p:nvSpPr>
+          <p:cNvPr id="6" name="Datumsplatzhalter 5"/>
+          <p:cNvSpPr>
+            <a:spLocks noGrp="1"/>
+          </p:cNvSpPr>
+          <p:nvPr>
+            <p:ph type="dt" sz="half" idx="10"/>
+          </p:nvPr>
+        </p:nvSpPr>
+        <p:spPr/>
+        <p:txBody>
+          <a:bodyPr/>
+          <a:lstStyle/>
+          <a:p>
+            <a:fld id="{3DBE6251-D249-4153-B088-0066E4BFCF17}" type="datetime1">
+              <a:rPr lang="de-DE" smtClean="0"/>
+              <a:t>27.03.2018</a:t>
+            </a:fld>
+            <a:endParaRPr lang="de-DE"/>
+          </a:p>
+        </p:txBody>
+      </p:sp>
+      <p:sp>
+        <p:nvSpPr>
+          <p:cNvPr id="7" name="Fußzeilenplatzhalter 6"/>
+          <p:cNvSpPr>
+            <a:spLocks noGrp="1"/>
+          </p:cNvSpPr>
+          <p:nvPr>
+            <p:ph type="ftr" sz="quarter" idx="11"/>
+          </p:nvPr>
+        </p:nvSpPr>
+        <p:spPr/>
+        <p:txBody>
+          <a:bodyPr/>
+          <a:lstStyle/>
+          <a:p>
+            <a:r>
+              <a:rPr lang="de-DE" smtClean="0"/>
+              <a:t>Python Einführung</a:t>
+            </a:r>
+            <a:endParaRPr lang="de-DE"/>
+          </a:p>
+        </p:txBody>
+      </p:sp>
+      <p:sp>
+        <p:nvSpPr>
+          <p:cNvPr id="8" name="Foliennummernplatzhalter 7"/>
+          <p:cNvSpPr>
+            <a:spLocks noGrp="1"/>
+          </p:cNvSpPr>
+          <p:nvPr>
+            <p:ph type="sldNum" sz="quarter" idx="12"/>
+          </p:nvPr>
+        </p:nvSpPr>
+        <p:spPr/>
+        <p:txBody>
+          <a:bodyPr/>
+          <a:lstStyle/>
+          <a:p>
+            <a:fld id="{3A1F27E2-D58A-4028-9FF2-B12D897F257E}" type="slidenum">
+              <a:rPr lang="de-DE" smtClean="0"/>
+              <a:t>64</a:t>
+            </a:fld>
+            <a:endParaRPr lang="de-DE"/>
+          </a:p>
+        </p:txBody>
+      </p:sp>
+    </p:spTree>
+    <p:extLst>
+      <p:ext uri="{BB962C8B-B14F-4D97-AF65-F5344CB8AC3E}">
+        <p14:creationId xmlns:p14="http://schemas.microsoft.com/office/powerpoint/2010/main" val="2723456045"/>
+      </p:ext>
+    </p:extLst>
+  </p:cSld>
+  <p:clrMapOvr>
+    <a:masterClrMapping/>
+  </p:clrMapOvr>
+  <mc:AlternateContent xmlns:mc="http://schemas.openxmlformats.org/markup-compatibility/2006" xmlns:p14="http://schemas.microsoft.com/office/powerpoint/2010/main">
+    <mc:Choice Requires="p14">
+      <p:transition p14:dur="0"/>
+    </mc:Choice>
+    <mc:Fallback xmlns="">
+      <p:transition/>
+    </mc:Fallback>
+  </mc:AlternateContent>
+  <p:timing>
+    <p:tnLst>
+      <p:par>
+        <p:cTn id="1" dur="indefinite" restart="never" nodeType="tmRoot"/>
+      </p:par>
+    </p:tnLst>
+  </p:timing>
+</p:sld>
+</file>
+
 <file path=ppt/slides/slide65.xml><?xml version="1.0" encoding="utf-8"?>
 <p:sld xmlns:a="http://schemas.openxmlformats.org/drawingml/2006/main" xmlns:r="http://schemas.openxmlformats.org/officeDocument/2006/relationships" xmlns:p="http://schemas.openxmlformats.org/presentationml/2006/main">
   <p:cSld>
@@ -30260,7 +30242,7 @@
       </p:grpSpPr>
       <p:sp>
         <p:nvSpPr>
-          <p:cNvPr id="4" name="Titel 3"/>
+          <p:cNvPr id="2" name="Titel 1"/>
           <p:cNvSpPr>
             <a:spLocks noGrp="1"/>
           </p:cNvSpPr>
@@ -30268,103 +30250,115 @@
             <p:ph type="title"/>
           </p:nvPr>
         </p:nvSpPr>
+        <p:spPr>
+          <a:xfrm>
+            <a:off x="838200" y="365126"/>
+            <a:ext cx="11252200" cy="1240116"/>
+          </a:xfrm>
+        </p:spPr>
+        <p:txBody>
+          <a:bodyPr>
+            <a:normAutofit/>
+          </a:bodyPr>
+          <a:lstStyle/>
+          <a:p>
+            <a:r>
+              <a:rPr lang="de-DE" dirty="0" smtClean="0"/>
+              <a:t>Ausblick</a:t>
+            </a:r>
+            <a:br>
+              <a:rPr lang="de-DE" dirty="0" smtClean="0"/>
+            </a:br>
+            <a:endParaRPr lang="de-DE" sz="2800" b="1" dirty="0">
+              <a:solidFill>
+                <a:schemeClr val="accent1">
+                  <a:lumMod val="75000"/>
+                </a:schemeClr>
+              </a:solidFill>
+              <a:effectLst>
+                <a:outerShdw blurRad="60007" dir="2000400" sy="-30000" kx="-800400" algn="bl" rotWithShape="0">
+                  <a:prstClr val="black">
+                    <a:alpha val="20000"/>
+                  </a:prstClr>
+                </a:outerShdw>
+              </a:effectLst>
+            </a:endParaRPr>
+          </a:p>
+        </p:txBody>
+      </p:sp>
+      <p:sp>
+        <p:nvSpPr>
+          <p:cNvPr id="3" name="Inhaltsplatzhalter 2"/>
+          <p:cNvSpPr>
+            <a:spLocks noGrp="1"/>
+          </p:cNvSpPr>
+          <p:nvPr>
+            <p:ph idx="1"/>
+          </p:nvPr>
+        </p:nvSpPr>
+        <p:spPr>
+          <a:xfrm>
+            <a:off x="838200" y="1993900"/>
+            <a:ext cx="10591800" cy="4267200"/>
+          </a:xfrm>
+        </p:spPr>
+        <p:txBody>
+          <a:bodyPr>
+            <a:normAutofit/>
+          </a:bodyPr>
+          <a:lstStyle/>
+          <a:p>
+            <a:r>
+              <a:rPr lang="de-DE" dirty="0" smtClean="0"/>
+              <a:t>Klassen und Objekte</a:t>
+            </a:r>
+          </a:p>
+          <a:p>
+            <a:r>
+              <a:rPr lang="de-DE" dirty="0" smtClean="0"/>
+              <a:t>Ausnahmen („</a:t>
+            </a:r>
+            <a:r>
+              <a:rPr lang="de-DE" dirty="0" err="1" smtClean="0"/>
+              <a:t>exceptions</a:t>
+            </a:r>
+            <a:r>
+              <a:rPr lang="de-DE" dirty="0" smtClean="0"/>
+              <a:t>“)</a:t>
+            </a:r>
+          </a:p>
+          <a:p>
+            <a:r>
+              <a:rPr lang="de-DE" dirty="0" smtClean="0"/>
+              <a:t>Standardbibliothek</a:t>
+            </a:r>
+          </a:p>
+          <a:p>
+            <a:r>
+              <a:rPr lang="de-DE" dirty="0" smtClean="0"/>
+              <a:t>…</a:t>
+            </a:r>
+          </a:p>
+        </p:txBody>
+      </p:sp>
+      <p:sp>
+        <p:nvSpPr>
+          <p:cNvPr id="4" name="Datumsplatzhalter 3"/>
+          <p:cNvSpPr>
+            <a:spLocks noGrp="1"/>
+          </p:cNvSpPr>
+          <p:nvPr>
+            <p:ph type="dt" sz="half" idx="10"/>
+          </p:nvPr>
+        </p:nvSpPr>
         <p:spPr/>
         <p:txBody>
           <a:bodyPr/>
           <a:lstStyle/>
           <a:p>
-            <a:r>
-              <a:rPr lang="de-DE" dirty="0" smtClean="0"/>
-              <a:t>Agenda</a:t>
-            </a:r>
-            <a:endParaRPr lang="de-DE" dirty="0"/>
-          </a:p>
-        </p:txBody>
-      </p:sp>
-      <p:sp>
-        <p:nvSpPr>
-          <p:cNvPr id="9" name="Inhaltsplatzhalter 8"/>
-          <p:cNvSpPr>
-            <a:spLocks noGrp="1"/>
-          </p:cNvSpPr>
-          <p:nvPr>
-            <p:ph idx="1"/>
-          </p:nvPr>
-        </p:nvSpPr>
-        <p:spPr/>
-        <p:txBody>
-          <a:bodyPr/>
-          <a:lstStyle/>
-          <a:p>
-            <a:r>
-              <a:rPr lang="de-DE" dirty="0"/>
-              <a:t>Programmiersprachen</a:t>
-            </a:r>
-          </a:p>
-          <a:p>
-            <a:r>
-              <a:rPr lang="de-DE" dirty="0"/>
-              <a:t>Installation von Python</a:t>
-            </a:r>
-          </a:p>
-          <a:p>
-            <a:r>
-              <a:rPr lang="de-DE" dirty="0"/>
-              <a:t>Entwicklungsumgebung</a:t>
-            </a:r>
-          </a:p>
-          <a:p>
-            <a:r>
-              <a:rPr lang="de-DE" dirty="0"/>
-              <a:t>Python Grundlagen</a:t>
-            </a:r>
-          </a:p>
-          <a:p>
-            <a:r>
-              <a:rPr lang="de-DE" dirty="0"/>
-              <a:t>Erweitertes Python</a:t>
-            </a:r>
-          </a:p>
-          <a:p>
-            <a:r>
-              <a:rPr lang="de-DE" b="1" dirty="0">
-                <a:solidFill>
-                  <a:schemeClr val="accent1">
-                    <a:lumMod val="75000"/>
-                  </a:schemeClr>
-                </a:solidFill>
-                <a:effectLst>
-                  <a:outerShdw blurRad="60007" dir="2000400" sy="-30000" kx="-800400" algn="bl" rotWithShape="0">
-                    <a:prstClr val="black">
-                      <a:alpha val="20000"/>
-                    </a:prstClr>
-                  </a:outerShdw>
-                </a:effectLst>
-                <a:ea typeface="+mj-ea"/>
-              </a:rPr>
-              <a:t>Ausblick</a:t>
-            </a:r>
-          </a:p>
-        </p:txBody>
-      </p:sp>
-      <p:sp>
-        <p:nvSpPr>
-          <p:cNvPr id="6" name="Datumsplatzhalter 5"/>
-          <p:cNvSpPr>
-            <a:spLocks noGrp="1"/>
-          </p:cNvSpPr>
-          <p:nvPr>
-            <p:ph type="dt" sz="half" idx="10"/>
-          </p:nvPr>
-        </p:nvSpPr>
-        <p:spPr/>
-        <p:txBody>
-          <a:bodyPr/>
-          <a:lstStyle/>
-          <a:p>
-            <a:fld id="{905A4CF4-35CC-4668-96ED-1D8C985AD6DE}" type="datetime1">
+            <a:fld id="{EB4AC1AA-53E0-448A-B2F2-C4EF9442D4CA}" type="datetime1">
               <a:rPr lang="de-DE" smtClean="0"/>
-              <a:t>22.02.2018</a:t>
+              <a:t>27.03.2018</a:t>
             </a:fld>
             <a:endParaRPr lang="de-DE"/>
           </a:p>
@@ -30372,7 +30366,7 @@
       </p:sp>
       <p:sp>
         <p:nvSpPr>
-          <p:cNvPr id="7" name="Fußzeilenplatzhalter 6"/>
+          <p:cNvPr id="5" name="Fußzeilenplatzhalter 4"/>
           <p:cNvSpPr>
             <a:spLocks noGrp="1"/>
           </p:cNvSpPr>
@@ -30385,13 +30379,17 @@
           <a:bodyPr/>
           <a:lstStyle/>
           <a:p>
-            <a:endParaRPr lang="de-DE"/>
-          </a:p>
-        </p:txBody>
-      </p:sp>
-      <p:sp>
-        <p:nvSpPr>
-          <p:cNvPr id="8" name="Foliennummernplatzhalter 7"/>
+            <a:r>
+              <a:rPr lang="de-DE" smtClean="0"/>
+              <a:t>Python Einführung</a:t>
+            </a:r>
+            <a:endParaRPr lang="de-DE" dirty="0"/>
+          </a:p>
+        </p:txBody>
+      </p:sp>
+      <p:sp>
+        <p:nvSpPr>
+          <p:cNvPr id="6" name="Foliennummernplatzhalter 5"/>
           <p:cNvSpPr>
             <a:spLocks noGrp="1"/>
           </p:cNvSpPr>
@@ -30415,7 +30413,7 @@
     </p:spTree>
     <p:extLst>
       <p:ext uri="{BB962C8B-B14F-4D97-AF65-F5344CB8AC3E}">
-        <p14:creationId xmlns:p14="http://schemas.microsoft.com/office/powerpoint/2010/main" val="2723456045"/>
+        <p14:creationId xmlns:p14="http://schemas.microsoft.com/office/powerpoint/2010/main" val="1987333078"/>
       </p:ext>
     </p:extLst>
   </p:cSld>
@@ -30459,7 +30457,7 @@
       </p:grpSpPr>
       <p:sp>
         <p:nvSpPr>
-          <p:cNvPr id="2" name="Titel 1"/>
+          <p:cNvPr id="4" name="Titel 3"/>
           <p:cNvSpPr>
             <a:spLocks noGrp="1"/>
           </p:cNvSpPr>
@@ -30467,100 +30465,438 @@
             <p:ph type="title"/>
           </p:nvPr>
         </p:nvSpPr>
-        <p:spPr>
-          <a:xfrm>
-            <a:off x="838200" y="365126"/>
-            <a:ext cx="11252200" cy="1240116"/>
-          </a:xfrm>
-        </p:spPr>
+        <p:spPr/>
+        <p:txBody>
+          <a:bodyPr/>
+          <a:lstStyle/>
+          <a:p>
+            <a:r>
+              <a:rPr lang="de-DE" dirty="0" smtClean="0"/>
+              <a:t>Zusammenfassung</a:t>
+            </a:r>
+            <a:endParaRPr lang="de-DE" dirty="0"/>
+          </a:p>
+        </p:txBody>
+      </p:sp>
+      <p:sp>
+        <p:nvSpPr>
+          <p:cNvPr id="7" name="Inhaltsplatzhalter 6"/>
+          <p:cNvSpPr>
+            <a:spLocks noGrp="1"/>
+          </p:cNvSpPr>
+          <p:nvPr>
+            <p:ph idx="1"/>
+          </p:nvPr>
+        </p:nvSpPr>
+        <p:spPr/>
         <p:txBody>
           <a:bodyPr>
-            <a:normAutofit/>
+            <a:normAutofit fontScale="92500" lnSpcReduction="20000"/>
           </a:bodyPr>
           <a:lstStyle/>
           <a:p>
             <a:r>
-              <a:rPr lang="de-DE" dirty="0" smtClean="0"/>
-              <a:t>Ausblick</a:t>
-            </a:r>
-            <a:br>
-              <a:rPr lang="de-DE" dirty="0" smtClean="0"/>
-            </a:br>
-            <a:endParaRPr lang="de-DE" sz="2800" b="1" dirty="0">
+              <a:rPr lang="de-DE" dirty="0"/>
+              <a:t>Python ist eine General-</a:t>
+            </a:r>
+            <a:r>
+              <a:rPr lang="de-DE" dirty="0" err="1"/>
+              <a:t>Purpose</a:t>
+            </a:r>
+            <a:r>
+              <a:rPr lang="de-DE" dirty="0"/>
+              <a:t> Hochsprache</a:t>
+            </a:r>
+          </a:p>
+          <a:p>
+            <a:r>
+              <a:rPr lang="de-DE" dirty="0"/>
+              <a:t>Python ist kostenlos für Raspberry und Windows</a:t>
+            </a:r>
+          </a:p>
+          <a:p>
+            <a:r>
+              <a:rPr lang="de-DE" dirty="0"/>
+              <a:t>Zum Programmieren verwendet man eine IDE</a:t>
+            </a:r>
+          </a:p>
+          <a:p>
+            <a:r>
+              <a:rPr lang="de-DE" dirty="0"/>
+              <a:t>Text: </a:t>
+            </a:r>
+            <a:r>
+              <a:rPr lang="de-DE" sz="2600" b="1" dirty="0">
+                <a:solidFill>
+                  <a:schemeClr val="accent1">
+                    <a:lumMod val="75000"/>
+                  </a:schemeClr>
+                </a:solidFill>
+              </a:rPr>
+              <a:t>"</a:t>
+            </a:r>
+            <a:r>
+              <a:rPr lang="de-DE" dirty="0"/>
+              <a:t>mit </a:t>
+            </a:r>
+            <a:r>
+              <a:rPr lang="de-DE" sz="2600" b="1" dirty="0">
+                <a:solidFill>
+                  <a:schemeClr val="accent1">
+                    <a:lumMod val="75000"/>
+                  </a:schemeClr>
+                </a:solidFill>
+              </a:rPr>
+              <a:t>\n</a:t>
+            </a:r>
+            <a:r>
+              <a:rPr lang="de-DE" dirty="0"/>
+              <a:t> Zeilenumbruch</a:t>
+            </a:r>
+            <a:r>
+              <a:rPr lang="de-DE" sz="2600" b="1" dirty="0">
+                <a:solidFill>
+                  <a:schemeClr val="accent1">
+                    <a:lumMod val="75000"/>
+                  </a:schemeClr>
+                </a:solidFill>
+              </a:rPr>
+              <a:t>"</a:t>
+            </a:r>
+            <a:r>
+              <a:rPr lang="de-DE" dirty="0"/>
+              <a:t>, auch </a:t>
+            </a:r>
+            <a:r>
+              <a:rPr lang="de-DE" dirty="0" err="1"/>
+              <a:t>zerschnippelt</a:t>
+            </a:r>
+            <a:endParaRPr lang="de-DE" dirty="0"/>
+          </a:p>
+          <a:p>
+            <a:r>
+              <a:rPr lang="de-DE" dirty="0"/>
+              <a:t>Rechnen: variable </a:t>
+            </a:r>
+            <a:r>
+              <a:rPr lang="de-DE" sz="2600" b="1" dirty="0">
+                <a:solidFill>
+                  <a:schemeClr val="accent1">
+                    <a:lumMod val="75000"/>
+                  </a:schemeClr>
+                </a:solidFill>
+              </a:rPr>
+              <a:t>=</a:t>
+            </a:r>
+            <a:r>
+              <a:rPr lang="de-DE" dirty="0"/>
+              <a:t> wert </a:t>
+            </a:r>
+            <a:r>
+              <a:rPr lang="de-DE" sz="2600" b="1" dirty="0">
+                <a:solidFill>
+                  <a:schemeClr val="accent1">
+                    <a:lumMod val="75000"/>
+                  </a:schemeClr>
+                </a:solidFill>
+              </a:rPr>
+              <a:t>+</a:t>
+            </a:r>
+            <a:r>
+              <a:rPr lang="de-DE" dirty="0"/>
+              <a:t> zahl </a:t>
+            </a:r>
+            <a:r>
+              <a:rPr lang="de-DE" sz="2600" b="1" dirty="0">
+                <a:solidFill>
+                  <a:schemeClr val="accent1">
+                    <a:lumMod val="75000"/>
+                  </a:schemeClr>
+                </a:solidFill>
+              </a:rPr>
+              <a:t>#</a:t>
+            </a:r>
+            <a:r>
+              <a:rPr lang="de-DE" dirty="0">
+                <a:solidFill>
+                  <a:srgbClr val="F37637"/>
+                </a:solidFill>
+              </a:rPr>
+              <a:t> </a:t>
+            </a:r>
+            <a:r>
+              <a:rPr lang="de-DE" dirty="0"/>
+              <a:t>Anmerkung</a:t>
+            </a:r>
+          </a:p>
+          <a:p>
+            <a:r>
+              <a:rPr lang="de-DE" dirty="0"/>
+              <a:t>Logik: </a:t>
+            </a:r>
+            <a:r>
+              <a:rPr lang="de-DE" dirty="0" err="1"/>
+              <a:t>ergebnis</a:t>
+            </a:r>
+            <a:r>
+              <a:rPr lang="de-DE" dirty="0"/>
+              <a:t> </a:t>
+            </a:r>
+            <a:r>
+              <a:rPr lang="de-DE" sz="2600" b="1" dirty="0">
+                <a:solidFill>
+                  <a:schemeClr val="accent1">
+                    <a:lumMod val="75000"/>
+                  </a:schemeClr>
+                </a:solidFill>
+              </a:rPr>
+              <a:t>=</a:t>
+            </a:r>
+            <a:r>
+              <a:rPr lang="de-DE" dirty="0"/>
+              <a:t> aussage </a:t>
+            </a:r>
+            <a:r>
+              <a:rPr lang="de-DE" sz="2600" b="1" dirty="0" err="1">
+                <a:solidFill>
+                  <a:schemeClr val="accent1">
+                    <a:lumMod val="75000"/>
+                  </a:schemeClr>
+                </a:solidFill>
+              </a:rPr>
+              <a:t>and</a:t>
+            </a:r>
+            <a:r>
+              <a:rPr lang="de-DE" sz="2600" b="1" dirty="0">
+                <a:solidFill>
+                  <a:schemeClr val="accent1">
+                    <a:lumMod val="75000"/>
+                  </a:schemeClr>
+                </a:solidFill>
+              </a:rPr>
+              <a:t> </a:t>
+            </a:r>
+            <a:r>
+              <a:rPr lang="de-DE" dirty="0"/>
+              <a:t>aussage</a:t>
+            </a:r>
+          </a:p>
+          <a:p>
+            <a:r>
+              <a:rPr lang="de-DE" dirty="0"/>
+              <a:t>Verzweigungen: </a:t>
+            </a:r>
+            <a:r>
+              <a:rPr lang="de-DE" sz="2600" b="1" dirty="0" err="1">
+                <a:solidFill>
+                  <a:schemeClr val="accent1">
+                    <a:lumMod val="75000"/>
+                  </a:schemeClr>
+                </a:solidFill>
+              </a:rPr>
+              <a:t>if</a:t>
+            </a:r>
+            <a:endParaRPr lang="de-DE" sz="2600" b="1" dirty="0">
               <a:solidFill>
                 <a:schemeClr val="accent1">
                   <a:lumMod val="75000"/>
                 </a:schemeClr>
               </a:solidFill>
-              <a:effectLst>
-                <a:outerShdw blurRad="60007" dir="2000400" sy="-30000" kx="-800400" algn="bl" rotWithShape="0">
-                  <a:prstClr val="black">
-                    <a:alpha val="20000"/>
-                  </a:prstClr>
-                </a:outerShdw>
-              </a:effectLst>
             </a:endParaRPr>
           </a:p>
-        </p:txBody>
-      </p:sp>
-      <p:sp>
-        <p:nvSpPr>
-          <p:cNvPr id="3" name="Inhaltsplatzhalter 2"/>
-          <p:cNvSpPr>
-            <a:spLocks noGrp="1"/>
-          </p:cNvSpPr>
-          <p:nvPr>
-            <p:ph idx="1"/>
-          </p:nvPr>
-        </p:nvSpPr>
-        <p:spPr>
-          <a:xfrm>
-            <a:off x="838200" y="1993900"/>
-            <a:ext cx="10591800" cy="4267200"/>
-          </a:xfrm>
-        </p:spPr>
-        <p:txBody>
-          <a:bodyPr>
-            <a:normAutofit/>
-          </a:bodyPr>
-          <a:lstStyle/>
-          <a:p>
-            <a:r>
-              <a:rPr lang="de-DE" dirty="0" smtClean="0"/>
-              <a:t>Klassen und Objekte</a:t>
-            </a:r>
-          </a:p>
-          <a:p>
-            <a:r>
-              <a:rPr lang="de-DE" dirty="0" smtClean="0"/>
-              <a:t>Ausnahmen („</a:t>
-            </a:r>
-            <a:r>
-              <a:rPr lang="de-DE" dirty="0" err="1" smtClean="0"/>
-              <a:t>exceptions</a:t>
-            </a:r>
-            <a:r>
-              <a:rPr lang="de-DE" dirty="0" smtClean="0"/>
-              <a:t>“)</a:t>
-            </a:r>
-          </a:p>
-          <a:p>
-            <a:r>
-              <a:rPr lang="de-DE" dirty="0" smtClean="0"/>
-              <a:t>Standardbibliothek</a:t>
-            </a:r>
-          </a:p>
-          <a:p>
-            <a:r>
-              <a:rPr lang="de-DE" dirty="0" smtClean="0"/>
+          <a:p>
+            <a:r>
+              <a:rPr lang="de-DE" dirty="0"/>
+              <a:t>Schleifen: </a:t>
+            </a:r>
+            <a:r>
+              <a:rPr lang="de-DE" sz="2600" b="1" dirty="0" err="1">
+                <a:solidFill>
+                  <a:schemeClr val="accent1">
+                    <a:lumMod val="75000"/>
+                  </a:schemeClr>
+                </a:solidFill>
+              </a:rPr>
+              <a:t>for</a:t>
+            </a:r>
+            <a:r>
+              <a:rPr lang="de-DE" dirty="0">
+                <a:solidFill>
+                  <a:srgbClr val="F37637"/>
+                </a:solidFill>
+              </a:rPr>
+              <a:t> </a:t>
+            </a:r>
+            <a:r>
+              <a:rPr lang="de-DE" dirty="0"/>
+              <a:t>/ </a:t>
+            </a:r>
+            <a:r>
+              <a:rPr lang="de-DE" sz="2600" b="1" dirty="0" err="1">
+                <a:solidFill>
+                  <a:schemeClr val="accent1">
+                    <a:lumMod val="75000"/>
+                  </a:schemeClr>
+                </a:solidFill>
+              </a:rPr>
+              <a:t>while</a:t>
+            </a:r>
+            <a:endParaRPr lang="de-DE" sz="2600" b="1" dirty="0">
+              <a:solidFill>
+                <a:schemeClr val="accent1">
+                  <a:lumMod val="75000"/>
+                </a:schemeClr>
+              </a:solidFill>
+            </a:endParaRPr>
+          </a:p>
+          <a:p>
+            <a:r>
+              <a:rPr lang="de-DE" dirty="0"/>
+              <a:t>Listen / Tupel / Sets / </a:t>
+            </a:r>
+            <a:r>
+              <a:rPr lang="de-DE" dirty="0" err="1"/>
+              <a:t>Dictionaries</a:t>
+            </a:r>
+            <a:r>
+              <a:rPr lang="de-DE" dirty="0"/>
+              <a:t>: </a:t>
+            </a:r>
+            <a:r>
+              <a:rPr lang="de-DE" sz="2600" b="1" dirty="0">
+                <a:solidFill>
+                  <a:schemeClr val="accent1">
+                    <a:lumMod val="75000"/>
+                  </a:schemeClr>
+                </a:solidFill>
+              </a:rPr>
+              <a:t>[</a:t>
+            </a:r>
+            <a:r>
+              <a:rPr lang="de-DE" dirty="0"/>
               <a:t>…</a:t>
             </a:r>
-          </a:p>
-        </p:txBody>
-      </p:sp>
-      <p:sp>
-        <p:nvSpPr>
-          <p:cNvPr id="4" name="Datumsplatzhalter 3"/>
+            <a:r>
+              <a:rPr lang="de-DE" sz="2600" b="1" dirty="0">
+                <a:solidFill>
+                  <a:schemeClr val="accent1">
+                    <a:lumMod val="75000"/>
+                  </a:schemeClr>
+                </a:solidFill>
+              </a:rPr>
+              <a:t>]</a:t>
+            </a:r>
+            <a:r>
+              <a:rPr lang="de-DE" dirty="0"/>
+              <a:t> / </a:t>
+            </a:r>
+            <a:r>
+              <a:rPr lang="de-DE" sz="2600" b="1" dirty="0">
+                <a:solidFill>
+                  <a:schemeClr val="accent1">
+                    <a:lumMod val="75000"/>
+                  </a:schemeClr>
+                </a:solidFill>
+              </a:rPr>
+              <a:t>(</a:t>
+            </a:r>
+            <a:r>
+              <a:rPr lang="de-DE" dirty="0"/>
+              <a:t>…</a:t>
+            </a:r>
+            <a:r>
+              <a:rPr lang="de-DE" sz="2600" b="1" dirty="0">
+                <a:solidFill>
+                  <a:schemeClr val="accent1">
+                    <a:lumMod val="75000"/>
+                  </a:schemeClr>
+                </a:solidFill>
+              </a:rPr>
+              <a:t>)</a:t>
+            </a:r>
+            <a:r>
+              <a:rPr lang="de-DE" dirty="0"/>
+              <a:t> / </a:t>
+            </a:r>
+            <a:r>
+              <a:rPr lang="de-DE" sz="2600" b="1" dirty="0">
+                <a:solidFill>
+                  <a:schemeClr val="accent1">
+                    <a:lumMod val="75000"/>
+                  </a:schemeClr>
+                </a:solidFill>
+              </a:rPr>
+              <a:t>{</a:t>
+            </a:r>
+            <a:r>
+              <a:rPr lang="de-DE" dirty="0"/>
+              <a:t>…</a:t>
+            </a:r>
+            <a:r>
+              <a:rPr lang="de-DE" sz="2600" b="1" dirty="0">
+                <a:solidFill>
+                  <a:schemeClr val="accent1">
+                    <a:lumMod val="75000"/>
+                  </a:schemeClr>
+                </a:solidFill>
+              </a:rPr>
+              <a:t>}</a:t>
+            </a:r>
+            <a:r>
+              <a:rPr lang="de-DE" dirty="0"/>
+              <a:t> / </a:t>
+            </a:r>
+            <a:r>
+              <a:rPr lang="de-DE" sz="2600" b="1" dirty="0">
+                <a:solidFill>
+                  <a:schemeClr val="accent1">
+                    <a:lumMod val="75000"/>
+                  </a:schemeClr>
+                </a:solidFill>
+              </a:rPr>
+              <a:t>{</a:t>
+            </a:r>
+            <a:r>
+              <a:rPr lang="de-DE" dirty="0"/>
+              <a:t>… </a:t>
+            </a:r>
+            <a:r>
+              <a:rPr lang="de-DE" dirty="0">
+                <a:solidFill>
+                  <a:srgbClr val="F37637"/>
+                </a:solidFill>
+              </a:rPr>
+              <a:t>:</a:t>
+            </a:r>
+            <a:r>
+              <a:rPr lang="de-DE" dirty="0"/>
+              <a:t> …</a:t>
+            </a:r>
+            <a:r>
+              <a:rPr lang="de-DE" sz="2600" b="1" dirty="0">
+                <a:solidFill>
+                  <a:schemeClr val="accent1">
+                    <a:lumMod val="75000"/>
+                  </a:schemeClr>
+                </a:solidFill>
+              </a:rPr>
+              <a:t>}</a:t>
+            </a:r>
+          </a:p>
+          <a:p>
+            <a:r>
+              <a:rPr lang="de-DE" dirty="0"/>
+              <a:t>Bibliotheken</a:t>
+            </a:r>
+          </a:p>
+          <a:p>
+            <a:endParaRPr lang="de-DE" dirty="0"/>
+          </a:p>
+        </p:txBody>
+      </p:sp>
+      <p:sp>
+        <p:nvSpPr>
+          <p:cNvPr id="2" name="Datumsplatzhalter 1"/>
           <p:cNvSpPr>
             <a:spLocks noGrp="1"/>
           </p:cNvSpPr>
@@ -30573,9 +30909,9 @@
           <a:bodyPr/>
           <a:lstStyle/>
           <a:p>
-            <a:fld id="{D3B4AE11-6847-4A98-9145-2F7B754CAADC}" type="datetime1">
+            <a:fld id="{52E05894-614A-4FA2-8964-A13B04AD0751}" type="datetime1">
               <a:rPr lang="de-DE" smtClean="0"/>
-              <a:t>22.02.2018</a:t>
+              <a:t>27.03.2018</a:t>
             </a:fld>
             <a:endParaRPr lang="de-DE"/>
           </a:p>
@@ -30583,7 +30919,7 @@
       </p:sp>
       <p:sp>
         <p:nvSpPr>
-          <p:cNvPr id="5" name="Fußzeilenplatzhalter 4"/>
+          <p:cNvPr id="3" name="Fußzeilenplatzhalter 2"/>
           <p:cNvSpPr>
             <a:spLocks noGrp="1"/>
           </p:cNvSpPr>
@@ -30596,7 +30932,11 @@
           <a:bodyPr/>
           <a:lstStyle/>
           <a:p>
-            <a:endParaRPr lang="de-DE" dirty="0"/>
+            <a:r>
+              <a:rPr lang="de-DE" smtClean="0"/>
+              <a:t>Python Einführung</a:t>
+            </a:r>
+            <a:endParaRPr lang="de-DE"/>
           </a:p>
         </p:txBody>
       </p:sp>
@@ -30626,7 +30966,7 @@
     </p:spTree>
     <p:extLst>
       <p:ext uri="{BB962C8B-B14F-4D97-AF65-F5344CB8AC3E}">
-        <p14:creationId xmlns:p14="http://schemas.microsoft.com/office/powerpoint/2010/main" val="1987333078"/>
+        <p14:creationId xmlns:p14="http://schemas.microsoft.com/office/powerpoint/2010/main" val="2637983416"/>
       </p:ext>
     </p:extLst>
   </p:cSld>
@@ -30685,555 +31025,6 @@
           <a:p>
             <a:r>
               <a:rPr lang="de-DE" dirty="0" smtClean="0"/>
-              <a:t>Zusammenfassung</a:t>
-            </a:r>
-            <a:endParaRPr lang="de-DE" dirty="0"/>
-          </a:p>
-        </p:txBody>
-      </p:sp>
-      <p:sp>
-        <p:nvSpPr>
-          <p:cNvPr id="7" name="Inhaltsplatzhalter 6"/>
-          <p:cNvSpPr>
-            <a:spLocks noGrp="1"/>
-          </p:cNvSpPr>
-          <p:nvPr>
-            <p:ph idx="1"/>
-          </p:nvPr>
-        </p:nvSpPr>
-        <p:spPr/>
-        <p:txBody>
-          <a:bodyPr>
-            <a:normAutofit fontScale="92500" lnSpcReduction="20000"/>
-          </a:bodyPr>
-          <a:lstStyle/>
-          <a:p>
-            <a:r>
-              <a:rPr lang="de-DE" dirty="0"/>
-              <a:t>Python ist eine General-</a:t>
-            </a:r>
-            <a:r>
-              <a:rPr lang="de-DE" dirty="0" err="1"/>
-              <a:t>Purpose</a:t>
-            </a:r>
-            <a:r>
-              <a:rPr lang="de-DE" dirty="0"/>
-              <a:t> Hochsprache</a:t>
-            </a:r>
-          </a:p>
-          <a:p>
-            <a:r>
-              <a:rPr lang="de-DE" dirty="0"/>
-              <a:t>Python ist kostenlos für Raspberry und Windows</a:t>
-            </a:r>
-          </a:p>
-          <a:p>
-            <a:r>
-              <a:rPr lang="de-DE" dirty="0"/>
-              <a:t>Zum Programmieren verwendet man eine IDE</a:t>
-            </a:r>
-          </a:p>
-          <a:p>
-            <a:r>
-              <a:rPr lang="de-DE" dirty="0"/>
-              <a:t>Text: </a:t>
-            </a:r>
-            <a:r>
-              <a:rPr lang="de-DE" sz="2600" b="1" dirty="0">
-                <a:solidFill>
-                  <a:schemeClr val="accent1">
-                    <a:lumMod val="75000"/>
-                  </a:schemeClr>
-                </a:solidFill>
-              </a:rPr>
-              <a:t>"</a:t>
-            </a:r>
-            <a:r>
-              <a:rPr lang="de-DE" dirty="0"/>
-              <a:t>mit </a:t>
-            </a:r>
-            <a:r>
-              <a:rPr lang="de-DE" sz="2600" b="1" dirty="0">
-                <a:solidFill>
-                  <a:schemeClr val="accent1">
-                    <a:lumMod val="75000"/>
-                  </a:schemeClr>
-                </a:solidFill>
-              </a:rPr>
-              <a:t>\n</a:t>
-            </a:r>
-            <a:r>
-              <a:rPr lang="de-DE" dirty="0"/>
-              <a:t> Zeilenumbruch</a:t>
-            </a:r>
-            <a:r>
-              <a:rPr lang="de-DE" sz="2600" b="1" dirty="0">
-                <a:solidFill>
-                  <a:schemeClr val="accent1">
-                    <a:lumMod val="75000"/>
-                  </a:schemeClr>
-                </a:solidFill>
-              </a:rPr>
-              <a:t>"</a:t>
-            </a:r>
-            <a:r>
-              <a:rPr lang="de-DE" dirty="0"/>
-              <a:t>, auch </a:t>
-            </a:r>
-            <a:r>
-              <a:rPr lang="de-DE" dirty="0" err="1"/>
-              <a:t>zerschnippelt</a:t>
-            </a:r>
-            <a:endParaRPr lang="de-DE" dirty="0"/>
-          </a:p>
-          <a:p>
-            <a:r>
-              <a:rPr lang="de-DE" dirty="0"/>
-              <a:t>Rechnen: variable </a:t>
-            </a:r>
-            <a:r>
-              <a:rPr lang="de-DE" sz="2600" b="1" dirty="0">
-                <a:solidFill>
-                  <a:schemeClr val="accent1">
-                    <a:lumMod val="75000"/>
-                  </a:schemeClr>
-                </a:solidFill>
-              </a:rPr>
-              <a:t>=</a:t>
-            </a:r>
-            <a:r>
-              <a:rPr lang="de-DE" dirty="0"/>
-              <a:t> wert </a:t>
-            </a:r>
-            <a:r>
-              <a:rPr lang="de-DE" sz="2600" b="1" dirty="0">
-                <a:solidFill>
-                  <a:schemeClr val="accent1">
-                    <a:lumMod val="75000"/>
-                  </a:schemeClr>
-                </a:solidFill>
-              </a:rPr>
-              <a:t>+</a:t>
-            </a:r>
-            <a:r>
-              <a:rPr lang="de-DE" dirty="0"/>
-              <a:t> zahl </a:t>
-            </a:r>
-            <a:r>
-              <a:rPr lang="de-DE" sz="2600" b="1" dirty="0">
-                <a:solidFill>
-                  <a:schemeClr val="accent1">
-                    <a:lumMod val="75000"/>
-                  </a:schemeClr>
-                </a:solidFill>
-              </a:rPr>
-              <a:t>#</a:t>
-            </a:r>
-            <a:r>
-              <a:rPr lang="de-DE" dirty="0">
-                <a:solidFill>
-                  <a:srgbClr val="F37637"/>
-                </a:solidFill>
-              </a:rPr>
-              <a:t> </a:t>
-            </a:r>
-            <a:r>
-              <a:rPr lang="de-DE" dirty="0"/>
-              <a:t>Anmerkung</a:t>
-            </a:r>
-          </a:p>
-          <a:p>
-            <a:r>
-              <a:rPr lang="de-DE" dirty="0"/>
-              <a:t>Logik: </a:t>
-            </a:r>
-            <a:r>
-              <a:rPr lang="de-DE" dirty="0" err="1"/>
-              <a:t>ergebnis</a:t>
-            </a:r>
-            <a:r>
-              <a:rPr lang="de-DE" dirty="0"/>
-              <a:t> </a:t>
-            </a:r>
-            <a:r>
-              <a:rPr lang="de-DE" sz="2600" b="1" dirty="0">
-                <a:solidFill>
-                  <a:schemeClr val="accent1">
-                    <a:lumMod val="75000"/>
-                  </a:schemeClr>
-                </a:solidFill>
-              </a:rPr>
-              <a:t>=</a:t>
-            </a:r>
-            <a:r>
-              <a:rPr lang="de-DE" dirty="0"/>
-              <a:t> aussage </a:t>
-            </a:r>
-            <a:r>
-              <a:rPr lang="de-DE" sz="2600" b="1" dirty="0" err="1">
-                <a:solidFill>
-                  <a:schemeClr val="accent1">
-                    <a:lumMod val="75000"/>
-                  </a:schemeClr>
-                </a:solidFill>
-              </a:rPr>
-              <a:t>and</a:t>
-            </a:r>
-            <a:r>
-              <a:rPr lang="de-DE" sz="2600" b="1" dirty="0">
-                <a:solidFill>
-                  <a:schemeClr val="accent1">
-                    <a:lumMod val="75000"/>
-                  </a:schemeClr>
-                </a:solidFill>
-              </a:rPr>
-              <a:t> </a:t>
-            </a:r>
-            <a:r>
-              <a:rPr lang="de-DE" dirty="0"/>
-              <a:t>aussage</a:t>
-            </a:r>
-          </a:p>
-          <a:p>
-            <a:r>
-              <a:rPr lang="de-DE" dirty="0"/>
-              <a:t>Verzweigungen: </a:t>
-            </a:r>
-            <a:r>
-              <a:rPr lang="de-DE" sz="2600" b="1" dirty="0" err="1">
-                <a:solidFill>
-                  <a:schemeClr val="accent1">
-                    <a:lumMod val="75000"/>
-                  </a:schemeClr>
-                </a:solidFill>
-              </a:rPr>
-              <a:t>if</a:t>
-            </a:r>
-            <a:endParaRPr lang="de-DE" sz="2600" b="1" dirty="0">
-              <a:solidFill>
-                <a:schemeClr val="accent1">
-                  <a:lumMod val="75000"/>
-                </a:schemeClr>
-              </a:solidFill>
-            </a:endParaRPr>
-          </a:p>
-          <a:p>
-            <a:r>
-              <a:rPr lang="de-DE" dirty="0"/>
-              <a:t>Schleifen: </a:t>
-            </a:r>
-            <a:r>
-              <a:rPr lang="de-DE" sz="2600" b="1" dirty="0" err="1">
-                <a:solidFill>
-                  <a:schemeClr val="accent1">
-                    <a:lumMod val="75000"/>
-                  </a:schemeClr>
-                </a:solidFill>
-              </a:rPr>
-              <a:t>for</a:t>
-            </a:r>
-            <a:r>
-              <a:rPr lang="de-DE" dirty="0">
-                <a:solidFill>
-                  <a:srgbClr val="F37637"/>
-                </a:solidFill>
-              </a:rPr>
-              <a:t> </a:t>
-            </a:r>
-            <a:r>
-              <a:rPr lang="de-DE" dirty="0"/>
-              <a:t>/ </a:t>
-            </a:r>
-            <a:r>
-              <a:rPr lang="de-DE" sz="2600" b="1" dirty="0" err="1">
-                <a:solidFill>
-                  <a:schemeClr val="accent1">
-                    <a:lumMod val="75000"/>
-                  </a:schemeClr>
-                </a:solidFill>
-              </a:rPr>
-              <a:t>while</a:t>
-            </a:r>
-            <a:endParaRPr lang="de-DE" sz="2600" b="1" dirty="0">
-              <a:solidFill>
-                <a:schemeClr val="accent1">
-                  <a:lumMod val="75000"/>
-                </a:schemeClr>
-              </a:solidFill>
-            </a:endParaRPr>
-          </a:p>
-          <a:p>
-            <a:r>
-              <a:rPr lang="de-DE" dirty="0"/>
-              <a:t>Listen / Tupel / Sets / </a:t>
-            </a:r>
-            <a:r>
-              <a:rPr lang="de-DE" dirty="0" err="1"/>
-              <a:t>Dictionaries</a:t>
-            </a:r>
-            <a:r>
-              <a:rPr lang="de-DE" dirty="0"/>
-              <a:t>: </a:t>
-            </a:r>
-            <a:r>
-              <a:rPr lang="de-DE" sz="2600" b="1" dirty="0">
-                <a:solidFill>
-                  <a:schemeClr val="accent1">
-                    <a:lumMod val="75000"/>
-                  </a:schemeClr>
-                </a:solidFill>
-              </a:rPr>
-              <a:t>[</a:t>
-            </a:r>
-            <a:r>
-              <a:rPr lang="de-DE" dirty="0"/>
-              <a:t>…</a:t>
-            </a:r>
-            <a:r>
-              <a:rPr lang="de-DE" sz="2600" b="1" dirty="0">
-                <a:solidFill>
-                  <a:schemeClr val="accent1">
-                    <a:lumMod val="75000"/>
-                  </a:schemeClr>
-                </a:solidFill>
-              </a:rPr>
-              <a:t>]</a:t>
-            </a:r>
-            <a:r>
-              <a:rPr lang="de-DE" dirty="0"/>
-              <a:t> / </a:t>
-            </a:r>
-            <a:r>
-              <a:rPr lang="de-DE" sz="2600" b="1" dirty="0">
-                <a:solidFill>
-                  <a:schemeClr val="accent1">
-                    <a:lumMod val="75000"/>
-                  </a:schemeClr>
-                </a:solidFill>
-              </a:rPr>
-              <a:t>(</a:t>
-            </a:r>
-            <a:r>
-              <a:rPr lang="de-DE" dirty="0"/>
-              <a:t>…</a:t>
-            </a:r>
-            <a:r>
-              <a:rPr lang="de-DE" sz="2600" b="1" dirty="0">
-                <a:solidFill>
-                  <a:schemeClr val="accent1">
-                    <a:lumMod val="75000"/>
-                  </a:schemeClr>
-                </a:solidFill>
-              </a:rPr>
-              <a:t>)</a:t>
-            </a:r>
-            <a:r>
-              <a:rPr lang="de-DE" dirty="0"/>
-              <a:t> / </a:t>
-            </a:r>
-            <a:r>
-              <a:rPr lang="de-DE" sz="2600" b="1" dirty="0">
-                <a:solidFill>
-                  <a:schemeClr val="accent1">
-                    <a:lumMod val="75000"/>
-                  </a:schemeClr>
-                </a:solidFill>
-              </a:rPr>
-              <a:t>{</a:t>
-            </a:r>
-            <a:r>
-              <a:rPr lang="de-DE" dirty="0"/>
-              <a:t>…</a:t>
-            </a:r>
-            <a:r>
-              <a:rPr lang="de-DE" sz="2600" b="1" dirty="0">
-                <a:solidFill>
-                  <a:schemeClr val="accent1">
-                    <a:lumMod val="75000"/>
-                  </a:schemeClr>
-                </a:solidFill>
-              </a:rPr>
-              <a:t>}</a:t>
-            </a:r>
-            <a:r>
-              <a:rPr lang="de-DE" dirty="0"/>
-              <a:t> / </a:t>
-            </a:r>
-            <a:r>
-              <a:rPr lang="de-DE" sz="2600" b="1" dirty="0">
-                <a:solidFill>
-                  <a:schemeClr val="accent1">
-                    <a:lumMod val="75000"/>
-                  </a:schemeClr>
-                </a:solidFill>
-              </a:rPr>
-              <a:t>{</a:t>
-            </a:r>
-            <a:r>
-              <a:rPr lang="de-DE" dirty="0"/>
-              <a:t>… </a:t>
-            </a:r>
-            <a:r>
-              <a:rPr lang="de-DE" dirty="0">
-                <a:solidFill>
-                  <a:srgbClr val="F37637"/>
-                </a:solidFill>
-              </a:rPr>
-              <a:t>:</a:t>
-            </a:r>
-            <a:r>
-              <a:rPr lang="de-DE" dirty="0"/>
-              <a:t> …</a:t>
-            </a:r>
-            <a:r>
-              <a:rPr lang="de-DE" sz="2600" b="1" dirty="0">
-                <a:solidFill>
-                  <a:schemeClr val="accent1">
-                    <a:lumMod val="75000"/>
-                  </a:schemeClr>
-                </a:solidFill>
-              </a:rPr>
-              <a:t>}</a:t>
-            </a:r>
-          </a:p>
-          <a:p>
-            <a:r>
-              <a:rPr lang="de-DE" dirty="0"/>
-              <a:t>Bibliotheken</a:t>
-            </a:r>
-          </a:p>
-          <a:p>
-            <a:endParaRPr lang="de-DE" dirty="0"/>
-          </a:p>
-        </p:txBody>
-      </p:sp>
-      <p:sp>
-        <p:nvSpPr>
-          <p:cNvPr id="2" name="Datumsplatzhalter 1"/>
-          <p:cNvSpPr>
-            <a:spLocks noGrp="1"/>
-          </p:cNvSpPr>
-          <p:nvPr>
-            <p:ph type="dt" sz="half" idx="10"/>
-          </p:nvPr>
-        </p:nvSpPr>
-        <p:spPr/>
-        <p:txBody>
-          <a:bodyPr/>
-          <a:lstStyle/>
-          <a:p>
-            <a:fld id="{5012BFAC-13A2-406F-985B-15C02770A123}" type="datetime1">
-              <a:rPr lang="de-DE" smtClean="0"/>
-              <a:t>22.02.2018</a:t>
-            </a:fld>
-            <a:endParaRPr lang="de-DE"/>
-          </a:p>
-        </p:txBody>
-      </p:sp>
-      <p:sp>
-        <p:nvSpPr>
-          <p:cNvPr id="3" name="Fußzeilenplatzhalter 2"/>
-          <p:cNvSpPr>
-            <a:spLocks noGrp="1"/>
-          </p:cNvSpPr>
-          <p:nvPr>
-            <p:ph type="ftr" sz="quarter" idx="11"/>
-          </p:nvPr>
-        </p:nvSpPr>
-        <p:spPr/>
-        <p:txBody>
-          <a:bodyPr/>
-          <a:lstStyle/>
-          <a:p>
-            <a:endParaRPr lang="de-DE"/>
-          </a:p>
-        </p:txBody>
-      </p:sp>
-      <p:sp>
-        <p:nvSpPr>
-          <p:cNvPr id="6" name="Foliennummernplatzhalter 5"/>
-          <p:cNvSpPr>
-            <a:spLocks noGrp="1"/>
-          </p:cNvSpPr>
-          <p:nvPr>
-            <p:ph type="sldNum" sz="quarter" idx="12"/>
-          </p:nvPr>
-        </p:nvSpPr>
-        <p:spPr/>
-        <p:txBody>
-          <a:bodyPr/>
-          <a:lstStyle/>
-          <a:p>
-            <a:fld id="{3A1F27E2-D58A-4028-9FF2-B12D897F257E}" type="slidenum">
-              <a:rPr lang="de-DE" smtClean="0"/>
-              <a:t>67</a:t>
-            </a:fld>
-            <a:endParaRPr lang="de-DE"/>
-          </a:p>
-        </p:txBody>
-      </p:sp>
-    </p:spTree>
-    <p:extLst>
-      <p:ext uri="{BB962C8B-B14F-4D97-AF65-F5344CB8AC3E}">
-        <p14:creationId xmlns:p14="http://schemas.microsoft.com/office/powerpoint/2010/main" val="2637983416"/>
-      </p:ext>
-    </p:extLst>
-  </p:cSld>
-  <p:clrMapOvr>
-    <a:masterClrMapping/>
-  </p:clrMapOvr>
-  <mc:AlternateContent xmlns:mc="http://schemas.openxmlformats.org/markup-compatibility/2006" xmlns:p14="http://schemas.microsoft.com/office/powerpoint/2010/main">
-    <mc:Choice Requires="p14">
-      <p:transition p14:dur="0"/>
-    </mc:Choice>
-    <mc:Fallback xmlns="">
-      <p:transition/>
-    </mc:Fallback>
-  </mc:AlternateContent>
-  <p:timing>
-    <p:tnLst>
-      <p:par>
-        <p:cTn id="1" dur="indefinite" restart="never" nodeType="tmRoot"/>
-      </p:par>
-    </p:tnLst>
-  </p:timing>
-</p:sld>
-</file>
-
-<file path=ppt/slides/slide68.xml><?xml version="1.0" encoding="utf-8"?>
-<p:sld xmlns:a="http://schemas.openxmlformats.org/drawingml/2006/main" xmlns:r="http://schemas.openxmlformats.org/officeDocument/2006/relationships" xmlns:p="http://schemas.openxmlformats.org/presentationml/2006/main">
-  <p:cSld>
-    <p:spTree>
-      <p:nvGrpSpPr>
-        <p:cNvPr id="1" name=""/>
-        <p:cNvGrpSpPr/>
-        <p:nvPr/>
-      </p:nvGrpSpPr>
-      <p:grpSpPr>
-        <a:xfrm>
-          <a:off x="0" y="0"/>
-          <a:ext cx="0" cy="0"/>
-          <a:chOff x="0" y="0"/>
-          <a:chExt cx="0" cy="0"/>
-        </a:xfrm>
-      </p:grpSpPr>
-      <p:sp>
-        <p:nvSpPr>
-          <p:cNvPr id="4" name="Titel 3"/>
-          <p:cNvSpPr>
-            <a:spLocks noGrp="1"/>
-          </p:cNvSpPr>
-          <p:nvPr>
-            <p:ph type="title"/>
-          </p:nvPr>
-        </p:nvSpPr>
-        <p:spPr/>
-        <p:txBody>
-          <a:bodyPr/>
-          <a:lstStyle/>
-          <a:p>
-            <a:r>
-              <a:rPr lang="de-DE" dirty="0" smtClean="0"/>
               <a:t>Fragen</a:t>
             </a:r>
             <a:endParaRPr lang="de-DE" dirty="0"/>
@@ -31279,9 +31070,9 @@
           <a:bodyPr/>
           <a:lstStyle/>
           <a:p>
-            <a:fld id="{7DB60EA0-79E0-49D4-B7E2-5C40B5B96ECA}" type="datetime1">
+            <a:fld id="{ED3B93CF-AB26-4C9F-AAA0-3F7550F03D02}" type="datetime1">
               <a:rPr lang="de-DE" smtClean="0"/>
-              <a:t>22.02.2018</a:t>
+              <a:t>27.03.2018</a:t>
             </a:fld>
             <a:endParaRPr lang="de-DE"/>
           </a:p>
@@ -31302,6 +31093,10 @@
           <a:bodyPr/>
           <a:lstStyle/>
           <a:p>
+            <a:r>
+              <a:rPr lang="de-DE" smtClean="0"/>
+              <a:t>Python Einführung</a:t>
+            </a:r>
             <a:endParaRPr lang="de-DE"/>
           </a:p>
         </p:txBody>
@@ -31323,7 +31118,7 @@
           <a:p>
             <a:fld id="{3A1F27E2-D58A-4028-9FF2-B12D897F257E}" type="slidenum">
               <a:rPr lang="de-DE" smtClean="0"/>
-              <a:t>68</a:t>
+              <a:t>67</a:t>
             </a:fld>
             <a:endParaRPr lang="de-DE"/>
           </a:p>
@@ -31537,9 +31332,9 @@
           <a:bodyPr/>
           <a:lstStyle/>
           <a:p>
-            <a:fld id="{D3B4AE11-6847-4A98-9145-2F7B754CAADC}" type="datetime1">
+            <a:fld id="{A6B8CC01-C994-4F6F-A4B1-704737F690FD}" type="datetime1">
               <a:rPr lang="de-DE" smtClean="0"/>
-              <a:t>22.02.2018</a:t>
+              <a:t>27.03.2018</a:t>
             </a:fld>
             <a:endParaRPr lang="de-DE"/>
           </a:p>
@@ -31560,6 +31355,10 @@
           <a:bodyPr/>
           <a:lstStyle/>
           <a:p>
+            <a:r>
+              <a:rPr lang="de-DE" smtClean="0"/>
+              <a:t>Python Einführung</a:t>
+            </a:r>
             <a:endParaRPr lang="de-DE"/>
           </a:p>
         </p:txBody>
@@ -32090,9 +31889,9 @@
           <a:bodyPr/>
           <a:lstStyle/>
           <a:p>
-            <a:fld id="{D3B4AE11-6847-4A98-9145-2F7B754CAADC}" type="datetime1">
+            <a:fld id="{892083D9-D1FB-4795-8ED9-565B4526F86A}" type="datetime1">
               <a:rPr lang="de-DE" smtClean="0"/>
-              <a:t>22.02.2018</a:t>
+              <a:t>27.03.2018</a:t>
             </a:fld>
             <a:endParaRPr lang="de-DE"/>
           </a:p>
@@ -32113,6 +31912,10 @@
           <a:bodyPr/>
           <a:lstStyle/>
           <a:p>
+            <a:r>
+              <a:rPr lang="de-DE" smtClean="0"/>
+              <a:t>Python Einführung</a:t>
+            </a:r>
             <a:endParaRPr lang="de-DE"/>
           </a:p>
         </p:txBody>
@@ -32420,9 +32223,9 @@
           <a:bodyPr/>
           <a:lstStyle/>
           <a:p>
-            <a:fld id="{D3B4AE11-6847-4A98-9145-2F7B754CAADC}" type="datetime1">
+            <a:fld id="{F67820BC-C8FF-45AD-B49D-D36E11B23538}" type="datetime1">
               <a:rPr lang="de-DE" smtClean="0"/>
-              <a:t>22.02.2018</a:t>
+              <a:t>27.03.2018</a:t>
             </a:fld>
             <a:endParaRPr lang="de-DE"/>
           </a:p>
@@ -32443,6 +32246,10 @@
           <a:bodyPr/>
           <a:lstStyle/>
           <a:p>
+            <a:r>
+              <a:rPr lang="de-DE" smtClean="0"/>
+              <a:t>Python Einführung</a:t>
+            </a:r>
             <a:endParaRPr lang="de-DE"/>
           </a:p>
         </p:txBody>
@@ -32693,7 +32500,7 @@
   <a:extraClrSchemeLst/>
   <a:extLst>
     <a:ext uri="{05A4C25C-085E-4340-85A3-A5531E510DB2}">
-      <thm15:themeFamily xmlns:thm15="http://schemas.microsoft.com/office/thememl/2012/main" xmlns="" name="CTL Presentation 16x9.potx" id="{EA6CE2C0-7C14-4AB0-AD89-85B6B3D88E28}" vid="{DA3C7EDA-9E56-4E2D-BAA5-4EF18147D0C7}"/>
+      <thm15:themeFamily xmlns:thm15="http://schemas.microsoft.com/office/thememl/2012/main" name="CTL Presentation 16x9.potx" id="{EA6CE2C0-7C14-4AB0-AD89-85B6B3D88E28}" vid="{DA3C7EDA-9E56-4E2D-BAA5-4EF18147D0C7}"/>
     </a:ext>
   </a:extLst>
 </a:theme>
@@ -32894,7 +32701,7 @@
   <a:extraClrSchemeLst/>
   <a:extLst>
     <a:ext uri="{05A4C25C-085E-4340-85A3-A5531E510DB2}">
-      <thm15:themeFamily xmlns:thm15="http://schemas.microsoft.com/office/thememl/2012/main" xmlns="" name="CTL Presentation 16x9.potx" id="{EA6CE2C0-7C14-4AB0-AD89-85B6B3D88E28}" vid="{42B1E5BF-7F6B-4721-9E4F-A56C5F28A391}"/>
+      <thm15:themeFamily xmlns:thm15="http://schemas.microsoft.com/office/thememl/2012/main" name="CTL Presentation 16x9.potx" id="{EA6CE2C0-7C14-4AB0-AD89-85B6B3D88E28}" vid="{42B1E5BF-7F6B-4721-9E4F-A56C5F28A391}"/>
     </a:ext>
   </a:extLst>
 </a:theme>
@@ -33155,7 +32962,7 @@
   <a:extraClrSchemeLst/>
   <a:extLst>
     <a:ext uri="{05A4C25C-085E-4340-85A3-A5531E510DB2}">
-      <thm15:themeFamily xmlns:thm15="http://schemas.microsoft.com/office/thememl/2012/main" xmlns="" name="Office Theme" id="{62F939B6-93AF-4DB8-9C6B-D6C7DFDC589F}" vid="{4A3C46E8-61CC-4603-A589-7422A47A8E4A}"/>
+      <thm15:themeFamily xmlns:thm15="http://schemas.microsoft.com/office/thememl/2012/main" name="Office Theme" id="{62F939B6-93AF-4DB8-9C6B-D6C7DFDC589F}" vid="{4A3C46E8-61CC-4603-A589-7422A47A8E4A}"/>
     </a:ext>
   </a:extLst>
 </a:theme>
@@ -33416,7 +33223,7 @@
   <a:extraClrSchemeLst/>
   <a:extLst>
     <a:ext uri="{05A4C25C-085E-4340-85A3-A5531E510DB2}">
-      <thm15:themeFamily xmlns:thm15="http://schemas.microsoft.com/office/thememl/2012/main" xmlns="" name="Office Theme" id="{62F939B6-93AF-4DB8-9C6B-D6C7DFDC589F}" vid="{4A3C46E8-61CC-4603-A589-7422A47A8E4A}"/>
+      <thm15:themeFamily xmlns:thm15="http://schemas.microsoft.com/office/thememl/2012/main" name="Office Theme" id="{62F939B6-93AF-4DB8-9C6B-D6C7DFDC589F}" vid="{4A3C46E8-61CC-4603-A589-7422A47A8E4A}"/>
     </a:ext>
   </a:extLst>
 </a:theme>

--- a/Präsentationen/Python Einführung.pptx
+++ b/Präsentationen/Python Einführung.pptx
@@ -412,7 +412,7 @@
                   <a:schemeClr val="tx2"/>
                 </a:solidFill>
               </a:rPr>
-              <a:t>27.03.2018</a:t>
+              <a:t>07.09.2018</a:t>
             </a:fld>
             <a:endParaRPr lang="de-DE">
               <a:solidFill>
@@ -762,7 +762,7 @@
             <a:fld id="{B4113CCE-1A1A-46DB-884A-AE560F65C3AF}" type="datetimeFigureOut">
               <a:rPr lang="de-DE" smtClean="0"/>
               <a:pPr/>
-              <a:t>27.03.2018</a:t>
+              <a:t>07.09.2018</a:t>
             </a:fld>
             <a:endParaRPr lang="de-DE"/>
           </a:p>
@@ -1358,7 +1358,10 @@
           <a:bodyPr/>
           <a:lstStyle/>
           <a:p>
-            <a:endParaRPr lang="de-DE" dirty="0"/>
+            <a:r>
+              <a:rPr lang="de-DE" dirty="0" smtClean="0"/>
+              <a:t>TODO: Screenshot verbessern: es sieht so aus, als würde die Liste ggf. sortiert. Das ist nicht der Fall.</a:t>
+            </a:r>
           </a:p>
         </p:txBody>
       </p:sp>
@@ -4610,7 +4613,7 @@
           <a:p>
             <a:fld id="{B629FF5D-C1A5-48C8-8545-07B501EE72D4}" type="datetime1">
               <a:rPr lang="de-DE" smtClean="0"/>
-              <a:t>27.03.2018</a:t>
+              <a:t>07.09.2018</a:t>
             </a:fld>
             <a:endParaRPr lang="de-DE"/>
           </a:p>
@@ -4795,7 +4798,7 @@
           <a:p>
             <a:fld id="{8C4C0ABC-76E8-4FF4-86A8-DEC3D511F3B2}" type="datetime1">
               <a:rPr lang="de-DE" smtClean="0"/>
-              <a:t>27.03.2018</a:t>
+              <a:t>07.09.2018</a:t>
             </a:fld>
             <a:endParaRPr lang="de-DE"/>
           </a:p>
@@ -4952,7 +4955,7 @@
           <a:p>
             <a:fld id="{E187AA6A-184D-40F7-A482-E244A841FFB7}" type="datetime1">
               <a:rPr lang="de-DE" smtClean="0"/>
-              <a:t>27.03.2018</a:t>
+              <a:t>07.09.2018</a:t>
             </a:fld>
             <a:endParaRPr lang="de-DE"/>
           </a:p>
@@ -5219,7 +5222,7 @@
           <a:p>
             <a:fld id="{EF4D3471-921C-4F2B-95F2-45CF9F80E55E}" type="datetime1">
               <a:rPr lang="de-DE" smtClean="0"/>
-              <a:t>27.03.2018</a:t>
+              <a:t>07.09.2018</a:t>
             </a:fld>
             <a:endParaRPr lang="de-DE"/>
           </a:p>
@@ -5400,7 +5403,7 @@
           <a:p>
             <a:fld id="{98DD8D00-4265-43DF-9C4A-DE9BEC1EA000}" type="datetime1">
               <a:rPr lang="de-DE" smtClean="0"/>
-              <a:t>27.03.2018</a:t>
+              <a:t>07.09.2018</a:t>
             </a:fld>
             <a:endParaRPr lang="de-DE"/>
           </a:p>
@@ -5529,7 +5532,7 @@
           <a:p>
             <a:fld id="{B2FF20D5-ABA5-4FD3-B0E4-58D845B14A52}" type="datetime1">
               <a:rPr lang="de-DE" smtClean="0"/>
-              <a:t>27.03.2018</a:t>
+              <a:t>07.09.2018</a:t>
             </a:fld>
             <a:endParaRPr lang="de-DE"/>
           </a:p>
@@ -5635,7 +5638,7 @@
           <a:p>
             <a:fld id="{1BFEE2EF-8B70-47BE-8C03-E08F3A67F2E6}" type="datetime1">
               <a:rPr lang="de-DE" smtClean="0"/>
-              <a:t>27.03.2018</a:t>
+              <a:t>07.09.2018</a:t>
             </a:fld>
             <a:endParaRPr lang="de-DE"/>
           </a:p>
@@ -5768,7 +5771,7 @@
           <a:p>
             <a:fld id="{CDF945CE-5888-4C05-BE25-1B858D440F1B}" type="datetime1">
               <a:rPr lang="de-DE" smtClean="0"/>
-              <a:t>27.03.2018</a:t>
+              <a:t>07.09.2018</a:t>
             </a:fld>
             <a:endParaRPr lang="de-DE"/>
           </a:p>
@@ -5951,7 +5954,7 @@
           <a:p>
             <a:fld id="{A82F6A88-870F-42E1-80C8-044E8549C5CE}" type="datetime1">
               <a:rPr lang="de-DE" smtClean="0"/>
-              <a:t>27.03.2018</a:t>
+              <a:t>07.09.2018</a:t>
             </a:fld>
             <a:endParaRPr lang="de-DE" dirty="0"/>
           </a:p>
@@ -6142,7 +6145,7 @@
           <a:p>
             <a:fld id="{93E9CE4B-3359-4535-8239-A69CF3DCEA4F}" type="datetime1">
               <a:rPr lang="de-DE" smtClean="0"/>
-              <a:t>27.03.2018</a:t>
+              <a:t>07.09.2018</a:t>
             </a:fld>
             <a:endParaRPr lang="de-DE"/>
           </a:p>
@@ -6351,7 +6354,7 @@
           <a:p>
             <a:fld id="{35926458-0D16-4690-8BEF-D69D90335FEC}" type="datetime1">
               <a:rPr lang="de-DE" smtClean="0"/>
-              <a:t>27.03.2018</a:t>
+              <a:t>07.09.2018</a:t>
             </a:fld>
             <a:endParaRPr lang="de-DE"/>
           </a:p>
@@ -6776,7 +6779,7 @@
           <a:p>
             <a:fld id="{ED031EB9-BFFC-4756-816A-B229AB007552}" type="datetime1">
               <a:rPr lang="de-DE" smtClean="0"/>
-              <a:t>27.03.2018</a:t>
+              <a:t>07.09.2018</a:t>
             </a:fld>
             <a:endParaRPr lang="de-DE" dirty="0"/>
           </a:p>
@@ -7360,7 +7363,7 @@
           <a:p>
             <a:fld id="{A82F6A88-870F-42E1-80C8-044E8549C5CE}" type="datetime1">
               <a:rPr lang="de-DE" smtClean="0"/>
-              <a:t>27.03.2018</a:t>
+              <a:t>07.09.2018</a:t>
             </a:fld>
             <a:endParaRPr lang="de-DE" dirty="0"/>
           </a:p>
@@ -8000,7 +8003,7 @@
           <a:p>
             <a:fld id="{CE0EB4A9-3129-4D94-9276-6EFCF725FEB5}" type="datetime1">
               <a:rPr lang="de-DE" smtClean="0"/>
-              <a:t>27.03.2018</a:t>
+              <a:t>07.09.2018</a:t>
             </a:fld>
             <a:endParaRPr lang="de-DE"/>
           </a:p>
@@ -8204,7 +8207,7 @@
           <a:p>
             <a:fld id="{92A8BBDF-07DD-4D85-AA35-D770B117BEF8}" type="datetime1">
               <a:rPr lang="de-DE" smtClean="0"/>
-              <a:t>27.03.2018</a:t>
+              <a:t>07.09.2018</a:t>
             </a:fld>
             <a:endParaRPr lang="de-DE"/>
           </a:p>
@@ -8444,7 +8447,7 @@
           <a:p>
             <a:fld id="{32A94186-FFAA-4919-B83F-24FAACFCEBBE}" type="datetime1">
               <a:rPr lang="de-DE" smtClean="0"/>
-              <a:t>27.03.2018</a:t>
+              <a:t>07.09.2018</a:t>
             </a:fld>
             <a:endParaRPr lang="de-DE"/>
           </a:p>
@@ -8657,22 +8660,14 @@
           <a:p>
             <a:r>
               <a:rPr lang="de-DE" sz="2400" dirty="0" smtClean="0"/>
-              <a:t>Benötigte </a:t>
-            </a:r>
-            <a:r>
-              <a:rPr lang="de-DE" sz="2400" dirty="0" smtClean="0"/>
-              <a:t>Programme</a:t>
+              <a:t>Benötigte Programme</a:t>
             </a:r>
           </a:p>
           <a:p>
             <a:pPr lvl="1"/>
             <a:r>
               <a:rPr lang="de-DE" sz="2000" dirty="0" smtClean="0"/>
-              <a:t>Schreiben</a:t>
-            </a:r>
-            <a:r>
-              <a:rPr lang="de-DE" sz="2000" dirty="0" smtClean="0"/>
-              <a:t>: Editor („Notepad“)</a:t>
+              <a:t>Schreiben: Editor („Notepad“)</a:t>
             </a:r>
           </a:p>
           <a:p>
@@ -8686,33 +8681,21 @@
             <a:pPr lvl="2"/>
             <a:r>
               <a:rPr lang="de-DE" sz="1800" dirty="0" smtClean="0"/>
-              <a:t>Liste </a:t>
-            </a:r>
+              <a:t>Liste von möglichen Befehlen?</a:t>
+            </a:r>
+          </a:p>
+          <a:p>
+            <a:pPr lvl="1"/>
+            <a:r>
+              <a:rPr lang="de-DE" sz="2000" dirty="0" smtClean="0"/>
+              <a:t>Übersetzen: Compiler / Interpreter</a:t>
+            </a:r>
+          </a:p>
+          <a:p>
+            <a:pPr lvl="2"/>
             <a:r>
               <a:rPr lang="de-DE" sz="1800" dirty="0" smtClean="0"/>
-              <a:t>von möglichen Befehlen?</a:t>
-            </a:r>
-          </a:p>
-          <a:p>
-            <a:pPr lvl="1"/>
-            <a:r>
-              <a:rPr lang="de-DE" sz="2000" dirty="0" smtClean="0"/>
-              <a:t>Übersetzen</a:t>
-            </a:r>
-            <a:r>
-              <a:rPr lang="de-DE" sz="2000" dirty="0" smtClean="0"/>
-              <a:t>: Compiler / Interpreter</a:t>
-            </a:r>
-          </a:p>
-          <a:p>
-            <a:pPr lvl="2"/>
-            <a:r>
-              <a:rPr lang="de-DE" sz="1800" dirty="0" smtClean="0"/>
-              <a:t>Fehler finden</a:t>
-            </a:r>
-            <a:r>
-              <a:rPr lang="de-DE" sz="1800" dirty="0" smtClean="0"/>
-              <a:t>?</a:t>
+              <a:t>Fehler finden?</a:t>
             </a:r>
           </a:p>
           <a:p>
@@ -8741,7 +8724,6 @@
               <a:rPr lang="de-DE" sz="2600" dirty="0" smtClean="0"/>
               <a:t>Lösung: IDE = Integrated Development Environment</a:t>
             </a:r>
-            <a:endParaRPr lang="de-DE" sz="2600" dirty="0" smtClean="0"/>
           </a:p>
           <a:p>
             <a:pPr lvl="2"/>
@@ -8766,7 +8748,7 @@
           <a:p>
             <a:fld id="{83468713-7584-40CF-B812-011DDBE4027E}" type="datetime1">
               <a:rPr lang="de-DE" smtClean="0"/>
-              <a:t>27.03.2018</a:t>
+              <a:t>07.09.2018</a:t>
             </a:fld>
             <a:endParaRPr lang="de-DE"/>
           </a:p>
@@ -8931,15 +8913,7 @@
           <a:p>
             <a:r>
               <a:rPr lang="de-DE" dirty="0" smtClean="0"/>
-              <a:t>Bereits </a:t>
-            </a:r>
-            <a:r>
-              <a:rPr lang="de-DE" dirty="0" smtClean="0"/>
-              <a:t>installiert: </a:t>
-            </a:r>
-            <a:r>
-              <a:rPr lang="de-DE" dirty="0" smtClean="0"/>
-              <a:t>IDLE</a:t>
+              <a:t>Bereits installiert: IDLE</a:t>
             </a:r>
           </a:p>
           <a:p>
@@ -8955,16 +8929,11 @@
               <a:rPr lang="de-DE" dirty="0" smtClean="0"/>
               <a:t>viele Fenster</a:t>
             </a:r>
-            <a:endParaRPr lang="de-DE" dirty="0" smtClean="0"/>
-          </a:p>
-          <a:p>
-            <a:r>
-              <a:rPr lang="de-DE" dirty="0" smtClean="0"/>
-              <a:t>Besser</a:t>
-            </a:r>
-            <a:r>
-              <a:rPr lang="de-DE" dirty="0" smtClean="0"/>
-              <a:t>: </a:t>
+          </a:p>
+          <a:p>
+            <a:r>
+              <a:rPr lang="de-DE" dirty="0" smtClean="0"/>
+              <a:t>Besser: </a:t>
             </a:r>
             <a:r>
               <a:rPr lang="de-DE" dirty="0" err="1" smtClean="0"/>
@@ -8978,7 +8947,6 @@
               <a:rPr lang="de-DE" dirty="0" smtClean="0"/>
               <a:t>Kostenlos verfügbar</a:t>
             </a:r>
-            <a:endParaRPr lang="de-DE" dirty="0" smtClean="0"/>
           </a:p>
         </p:txBody>
       </p:sp>
@@ -8999,7 +8967,7 @@
           <a:p>
             <a:fld id="{A593EC17-1A47-412F-8CE6-B549CABBD4A8}" type="datetime1">
               <a:rPr lang="de-DE" smtClean="0"/>
-              <a:t>27.03.2018</a:t>
+              <a:t>07.09.2018</a:t>
             </a:fld>
             <a:endParaRPr lang="de-DE"/>
           </a:p>
@@ -9199,7 +9167,7 @@
           <a:p>
             <a:fld id="{3EFE85D8-2AAB-493B-BF38-280230E506B2}" type="datetime1">
               <a:rPr lang="de-DE" smtClean="0"/>
-              <a:t>27.03.2018</a:t>
+              <a:t>07.09.2018</a:t>
             </a:fld>
             <a:endParaRPr lang="de-DE"/>
           </a:p>
@@ -9438,13 +9406,8 @@
           <a:p>
             <a:r>
               <a:rPr lang="de-DE" dirty="0" smtClean="0"/>
-              <a:t>ohne </a:t>
-            </a:r>
-            <a:r>
-              <a:rPr lang="de-DE" dirty="0" smtClean="0"/>
-              <a:t>Debugger</a:t>
-            </a:r>
-            <a:endParaRPr lang="de-DE" dirty="0" smtClean="0"/>
+              <a:t>ohne Debugger</a:t>
+            </a:r>
           </a:p>
         </p:txBody>
       </p:sp>
@@ -9465,7 +9428,7 @@
           <a:p>
             <a:fld id="{1F15A383-2A7D-442F-A80A-F698B5F779ED}" type="datetime1">
               <a:rPr lang="de-DE" smtClean="0"/>
-              <a:t>27.03.2018</a:t>
+              <a:t>07.09.2018</a:t>
             </a:fld>
             <a:endParaRPr lang="de-DE"/>
           </a:p>
@@ -9671,11 +9634,7 @@
           <a:p>
             <a:r>
               <a:rPr lang="de-DE" dirty="0" smtClean="0"/>
-              <a:t>Python </a:t>
-            </a:r>
-            <a:r>
-              <a:rPr lang="de-DE" dirty="0" smtClean="0"/>
-              <a:t>Tutor</a:t>
+              <a:t>Python Tutor</a:t>
             </a:r>
           </a:p>
           <a:p>
@@ -9726,7 +9685,7 @@
           <a:p>
             <a:fld id="{17A47A22-FB29-4A9E-B830-EB8CE7EF8B44}" type="datetime1">
               <a:rPr lang="de-DE" smtClean="0"/>
-              <a:t>27.03.2018</a:t>
+              <a:t>07.09.2018</a:t>
             </a:fld>
             <a:endParaRPr lang="de-DE"/>
           </a:p>
@@ -9973,7 +9932,7 @@
           <a:p>
             <a:fld id="{249F8F50-D413-4C42-B728-AB71DB385A94}" type="datetime1">
               <a:rPr lang="de-DE" smtClean="0"/>
-              <a:t>27.03.2018</a:t>
+              <a:t>07.09.2018</a:t>
             </a:fld>
             <a:endParaRPr lang="de-DE"/>
           </a:p>
@@ -10275,7 +10234,7 @@
           <a:p>
             <a:fld id="{7F662C5E-2FD1-46D7-BED1-038091AD8DAE}" type="datetime1">
               <a:rPr lang="de-DE" smtClean="0"/>
-              <a:t>27.03.2018</a:t>
+              <a:t>07.09.2018</a:t>
             </a:fld>
             <a:endParaRPr lang="de-DE"/>
           </a:p>
@@ -10391,11 +10350,7 @@
           <a:p>
             <a:r>
               <a:rPr lang="de-DE" dirty="0" smtClean="0"/>
-              <a:t>Python </a:t>
-            </a:r>
-            <a:r>
-              <a:rPr lang="de-DE" dirty="0" smtClean="0"/>
-              <a:t>Grundlagen</a:t>
+              <a:t>Python Grundlagen</a:t>
             </a:r>
             <a:r>
               <a:rPr lang="de-DE" dirty="0"/>
@@ -10460,13 +10415,8 @@
             <a:pPr lvl="1"/>
             <a:r>
               <a:rPr lang="de-DE" dirty="0" smtClean="0"/>
-              <a:t>Textdatei mit UTF-8 </a:t>
-            </a:r>
-            <a:r>
-              <a:rPr lang="de-DE" dirty="0" smtClean="0"/>
-              <a:t>Encoding</a:t>
-            </a:r>
-            <a:endParaRPr lang="de-DE" dirty="0" smtClean="0"/>
+              <a:t>Textdatei mit UTF-8 Encoding</a:t>
+            </a:r>
           </a:p>
           <a:p>
             <a:r>
@@ -10502,13 +10452,8 @@
             <a:pPr lvl="1"/>
             <a:r>
               <a:rPr lang="de-DE" dirty="0" smtClean="0"/>
-              <a:t>bei anderen Sprachen oft </a:t>
-            </a:r>
-            <a:r>
-              <a:rPr lang="de-DE" dirty="0" smtClean="0"/>
-              <a:t>egal</a:t>
-            </a:r>
-            <a:endParaRPr lang="de-DE" dirty="0" smtClean="0"/>
+              <a:t>bei anderen Sprachen oft egal</a:t>
+            </a:r>
           </a:p>
           <a:p>
             <a:r>
@@ -10543,7 +10488,7 @@
           <a:p>
             <a:fld id="{4447688E-1776-4428-B0A5-F175CECF7938}" type="datetime1">
               <a:rPr lang="de-DE" smtClean="0"/>
-              <a:t>27.03.2018</a:t>
+              <a:t>07.09.2018</a:t>
             </a:fld>
             <a:endParaRPr lang="de-DE"/>
           </a:p>
@@ -10733,7 +10678,7 @@
           <a:p>
             <a:fld id="{0E7DC1E0-BDA5-44C8-9CB7-0226ECCB4287}" type="datetime1">
               <a:rPr lang="de-DE" smtClean="0"/>
-              <a:t>27.03.2018</a:t>
+              <a:t>07.09.2018</a:t>
             </a:fld>
             <a:endParaRPr lang="de-DE"/>
           </a:p>
@@ -10849,11 +10794,7 @@
           <a:p>
             <a:r>
               <a:rPr lang="de-DE" dirty="0" smtClean="0"/>
-              <a:t>Python </a:t>
-            </a:r>
-            <a:r>
-              <a:rPr lang="de-DE" dirty="0" smtClean="0"/>
-              <a:t>Grundlagen</a:t>
+              <a:t>Python Grundlagen</a:t>
             </a:r>
             <a:r>
               <a:rPr lang="de-DE" dirty="0"/>
@@ -10911,14 +10852,6 @@
               </a:rPr>
               <a:t>#</a:t>
             </a:r>
-            <a:endParaRPr lang="de-DE" b="1" dirty="0" smtClean="0">
-              <a:solidFill>
-                <a:schemeClr val="accent1">
-                  <a:lumMod val="75000"/>
-                </a:schemeClr>
-              </a:solidFill>
-              <a:ea typeface="+mj-ea"/>
-            </a:endParaRPr>
           </a:p>
         </p:txBody>
       </p:sp>
@@ -10939,7 +10872,7 @@
           <a:p>
             <a:fld id="{56B33E50-8FD2-4CEE-972A-D49A363CE77B}" type="datetime1">
               <a:rPr lang="de-DE" smtClean="0"/>
-              <a:t>27.03.2018</a:t>
+              <a:t>07.09.2018</a:t>
             </a:fld>
             <a:endParaRPr lang="de-DE"/>
           </a:p>
@@ -11091,11 +11024,7 @@
           <a:p>
             <a:r>
               <a:rPr lang="de-DE" dirty="0" smtClean="0"/>
-              <a:t>Python </a:t>
-            </a:r>
-            <a:r>
-              <a:rPr lang="de-DE" dirty="0" smtClean="0"/>
-              <a:t>Grundlagen</a:t>
+              <a:t>Python Grundlagen</a:t>
             </a:r>
             <a:r>
               <a:rPr lang="de-DE" dirty="0"/>
@@ -11142,13 +11071,7 @@
               <a:rPr lang="de-DE" dirty="0" smtClean="0">
                 <a:ea typeface="+mj-ea"/>
               </a:rPr>
-              <a:t>Zuweisung </a:t>
-            </a:r>
-            <a:r>
-              <a:rPr lang="de-DE" dirty="0" smtClean="0">
-                <a:ea typeface="+mj-ea"/>
-              </a:rPr>
-              <a:t>eines Werts mit </a:t>
+              <a:t>Zuweisung eines Werts mit </a:t>
             </a:r>
             <a:r>
               <a:rPr lang="de-DE" sz="3200" b="1" dirty="0">
@@ -11173,19 +11096,7 @@
               <a:rPr lang="de-DE" dirty="0" smtClean="0">
                 <a:ea typeface="+mj-ea"/>
               </a:rPr>
-              <a:t>athematische </a:t>
-            </a:r>
-            <a:r>
-              <a:rPr lang="de-DE" dirty="0" smtClean="0">
-                <a:ea typeface="+mj-ea"/>
-              </a:rPr>
-              <a:t>Operationen </a:t>
-            </a:r>
-            <a:r>
-              <a:rPr lang="de-DE" dirty="0" smtClean="0">
-                <a:ea typeface="+mj-ea"/>
-              </a:rPr>
-              <a:t>mit </a:t>
+              <a:t>athematische Operationen mit </a:t>
             </a:r>
             <a:r>
               <a:rPr lang="de-DE" sz="3200" b="1" dirty="0" smtClean="0">
@@ -11299,7 +11210,7 @@
           <a:p>
             <a:fld id="{C1A449D8-E3B9-4E0B-9A9A-61F4E8B35412}" type="datetime1">
               <a:rPr lang="de-DE" smtClean="0"/>
-              <a:t>27.03.2018</a:t>
+              <a:t>07.09.2018</a:t>
             </a:fld>
             <a:endParaRPr lang="de-DE"/>
           </a:p>
@@ -11451,11 +11362,7 @@
           <a:p>
             <a:r>
               <a:rPr lang="de-DE" dirty="0" smtClean="0"/>
-              <a:t>Python </a:t>
-            </a:r>
-            <a:r>
-              <a:rPr lang="de-DE" dirty="0" smtClean="0"/>
-              <a:t>Grundlagen</a:t>
+              <a:t>Python Grundlagen</a:t>
             </a:r>
             <a:r>
               <a:rPr lang="de-DE" dirty="0"/>
@@ -11666,7 +11573,7 @@
           <a:p>
             <a:fld id="{1EC4E88F-121A-4BCB-BF0E-D3797C910E03}" type="datetime1">
               <a:rPr lang="de-DE" smtClean="0"/>
-              <a:t>27.03.2018</a:t>
+              <a:t>07.09.2018</a:t>
             </a:fld>
             <a:endParaRPr lang="de-DE"/>
           </a:p>
@@ -11818,11 +11725,7 @@
           <a:p>
             <a:r>
               <a:rPr lang="de-DE" dirty="0" smtClean="0"/>
-              <a:t>Python </a:t>
-            </a:r>
-            <a:r>
-              <a:rPr lang="de-DE" dirty="0" smtClean="0"/>
-              <a:t>Grundlagen</a:t>
+              <a:t>Python Grundlagen</a:t>
             </a:r>
             <a:r>
               <a:rPr lang="de-DE" dirty="0"/>
@@ -12080,7 +11983,7 @@
               <a:t>ddition/</a:t>
             </a:r>
             <a:r>
-              <a:rPr lang="de-DE" sz="2800" dirty="0">
+              <a:rPr lang="de-DE" sz="2800" b="1" dirty="0">
                 <a:solidFill>
                   <a:schemeClr val="accent1">
                     <a:lumMod val="75000"/>
@@ -12133,7 +12036,7 @@
           <a:p>
             <a:fld id="{A8654AF1-82C6-4ADC-A7F2-B4AEE1A98348}" type="datetime1">
               <a:rPr lang="de-DE" smtClean="0"/>
-              <a:t>27.03.2018</a:t>
+              <a:t>07.09.2018</a:t>
             </a:fld>
             <a:endParaRPr lang="de-DE"/>
           </a:p>
@@ -12285,11 +12188,7 @@
           <a:p>
             <a:r>
               <a:rPr lang="de-DE" dirty="0" smtClean="0"/>
-              <a:t>Python </a:t>
-            </a:r>
-            <a:r>
-              <a:rPr lang="de-DE" dirty="0" smtClean="0"/>
-              <a:t>Grundlagen</a:t>
+              <a:t>Python Grundlagen</a:t>
             </a:r>
             <a:r>
               <a:rPr lang="de-DE" dirty="0"/>
@@ -12467,7 +12366,13 @@
                 </a:solidFill>
                 <a:ea typeface="+mj-ea"/>
               </a:rPr>
-              <a:t>**=,</a:t>
+              <a:t>**=</a:t>
+            </a:r>
+            <a:r>
+              <a:rPr lang="de-DE" sz="2800" dirty="0">
+                <a:ea typeface="+mj-ea"/>
+              </a:rPr>
+              <a:t>,</a:t>
             </a:r>
             <a:r>
               <a:rPr lang="de-DE" dirty="0" smtClean="0"/>
@@ -12482,7 +12387,13 @@
                 </a:solidFill>
                 <a:ea typeface="+mj-ea"/>
               </a:rPr>
-              <a:t>%=,</a:t>
+              <a:t>%=</a:t>
+            </a:r>
+            <a:r>
+              <a:rPr lang="de-DE" sz="2800" dirty="0">
+                <a:ea typeface="+mj-ea"/>
+              </a:rPr>
+              <a:t>,</a:t>
             </a:r>
             <a:r>
               <a:rPr lang="de-DE" dirty="0" smtClean="0"/>
@@ -12519,7 +12430,7 @@
           <a:p>
             <a:fld id="{ACD76AD2-EB50-4CAA-B749-1CA7AD92AF96}" type="datetime1">
               <a:rPr lang="de-DE" smtClean="0"/>
-              <a:t>27.03.2018</a:t>
+              <a:t>07.09.2018</a:t>
             </a:fld>
             <a:endParaRPr lang="de-DE"/>
           </a:p>
@@ -12637,10 +12548,6 @@
               <a:rPr lang="de-DE" dirty="0" smtClean="0"/>
               <a:t>Python Grundlagen</a:t>
             </a:r>
-            <a:r>
-              <a:rPr lang="de-DE" dirty="0" smtClean="0"/>
-              <a:t/>
-            </a:r>
             <a:br>
               <a:rPr lang="de-DE" dirty="0" smtClean="0"/>
             </a:br>
@@ -12670,7 +12577,7 @@
             <a:fld id="{01FACE75-9AC0-4AFD-B75F-251826FD2CBC}" type="datetime1">
               <a:rPr lang="de-DE" smtClean="0"/>
               <a:pPr/>
-              <a:t>27.03.2018</a:t>
+              <a:t>07.09.2018</a:t>
             </a:fld>
             <a:endParaRPr lang="de-DE"/>
           </a:p>
@@ -12763,18 +12670,15 @@
               <a:rPr lang="de-DE" sz="2400" dirty="0" smtClean="0">
                 <a:ea typeface="+mj-ea"/>
               </a:rPr>
-              <a:t>356</a:t>
+              <a:t>356 </a:t>
             </a:r>
             <a:r>
               <a:rPr lang="de-DE" sz="2400" dirty="0" smtClean="0">
-                <a:solidFill>
-                  <a:schemeClr val="accent1">
-                    <a:lumMod val="75000"/>
-                  </a:schemeClr>
-                </a:solidFill>
+                <a:latin typeface="Segoe UI" panose="020B0502040204020203" pitchFamily="34" charset="0"/>
                 <a:ea typeface="+mj-ea"/>
-              </a:rPr>
-              <a:t>x</a:t>
+                <a:cs typeface="Segoe UI" panose="020B0502040204020203" pitchFamily="34" charset="0"/>
+              </a:rPr>
+              <a:t>∙ </a:t>
             </a:r>
             <a:r>
               <a:rPr lang="de-DE" sz="2400" dirty="0" smtClean="0">
@@ -12858,11 +12762,7 @@
           <a:p>
             <a:r>
               <a:rPr lang="de-DE" dirty="0" smtClean="0"/>
-              <a:t>Python </a:t>
-            </a:r>
-            <a:r>
-              <a:rPr lang="de-DE" dirty="0" smtClean="0"/>
-              <a:t>Grundlagen</a:t>
+              <a:t>Python Grundlagen</a:t>
             </a:r>
             <a:r>
               <a:rPr lang="de-DE" dirty="0"/>
@@ -12907,11 +12807,7 @@
           <a:p>
             <a:r>
               <a:rPr lang="de-DE" dirty="0" smtClean="0"/>
-              <a:t>auch: Zeichenketten</a:t>
-            </a:r>
-            <a:r>
-              <a:rPr lang="de-DE" dirty="0" smtClean="0"/>
-              <a:t>, Strings</a:t>
+              <a:t>auch: Zeichenketten, Strings</a:t>
             </a:r>
           </a:p>
           <a:p>
@@ -13041,7 +12937,7 @@
           <a:p>
             <a:fld id="{1C7419EF-796B-42D8-AB5A-3E8CCB0ED8CB}" type="datetime1">
               <a:rPr lang="de-DE" smtClean="0"/>
-              <a:t>27.03.2018</a:t>
+              <a:t>07.09.2018</a:t>
             </a:fld>
             <a:endParaRPr lang="de-DE"/>
           </a:p>
@@ -13193,11 +13089,7 @@
           <a:p>
             <a:r>
               <a:rPr lang="de-DE" dirty="0" smtClean="0"/>
-              <a:t>Python </a:t>
-            </a:r>
-            <a:r>
-              <a:rPr lang="de-DE" dirty="0" smtClean="0"/>
-              <a:t>Grundlagen</a:t>
+              <a:t>Python Grundlagen</a:t>
             </a:r>
             <a:r>
               <a:rPr lang="de-DE" dirty="0"/>
@@ -13332,7 +13224,7 @@
           <a:p>
             <a:fld id="{212C206A-EE2D-4D5E-9C6B-9F484E460468}" type="datetime1">
               <a:rPr lang="de-DE" smtClean="0"/>
-              <a:t>27.03.2018</a:t>
+              <a:t>07.09.2018</a:t>
             </a:fld>
             <a:endParaRPr lang="de-DE"/>
           </a:p>
@@ -13520,11 +13412,7 @@
           <a:p>
             <a:r>
               <a:rPr lang="de-DE" dirty="0" smtClean="0"/>
-              <a:t>Python </a:t>
-            </a:r>
-            <a:r>
-              <a:rPr lang="de-DE" dirty="0" smtClean="0"/>
-              <a:t>Grundlagen</a:t>
+              <a:t>Python Grundlagen</a:t>
             </a:r>
             <a:r>
               <a:rPr lang="de-DE" dirty="0"/>
@@ -13569,11 +13457,7 @@
           <a:p>
             <a:r>
               <a:rPr lang="de-DE" dirty="0" smtClean="0"/>
-              <a:t>Neue </a:t>
-            </a:r>
-            <a:r>
-              <a:rPr lang="de-DE" dirty="0" smtClean="0"/>
-              <a:t>Zeile: </a:t>
+              <a:t>Neue Zeile: </a:t>
             </a:r>
             <a:r>
               <a:rPr lang="de-DE" sz="3200" b="1" dirty="0">
@@ -13724,7 +13608,7 @@
           <a:p>
             <a:fld id="{4B25BD17-D927-49E2-B452-E213A9E194A6}" type="datetime1">
               <a:rPr lang="de-DE" smtClean="0"/>
-              <a:t>27.03.2018</a:t>
+              <a:t>07.09.2018</a:t>
             </a:fld>
             <a:endParaRPr lang="de-DE"/>
           </a:p>
@@ -14001,7 +13885,7 @@
           <a:p>
             <a:fld id="{E1A6A946-6638-4186-B043-3EA9BD1D6DDA}" type="datetime1">
               <a:rPr lang="de-DE" smtClean="0"/>
-              <a:t>27.03.2018</a:t>
+              <a:t>07.09.2018</a:t>
             </a:fld>
             <a:endParaRPr lang="de-DE"/>
           </a:p>
@@ -14228,7 +14112,7 @@
           <a:p>
             <a:fld id="{C1921D34-303B-4044-A77B-A7659C9CFEF9}" type="datetime1">
               <a:rPr lang="de-DE" smtClean="0"/>
-              <a:t>27.03.2018</a:t>
+              <a:t>07.09.2018</a:t>
             </a:fld>
             <a:endParaRPr lang="de-DE"/>
           </a:p>
@@ -14646,11 +14530,7 @@
           <a:p>
             <a:r>
               <a:rPr lang="de-DE" dirty="0" smtClean="0"/>
-              <a:t>Python </a:t>
-            </a:r>
-            <a:r>
-              <a:rPr lang="de-DE" dirty="0" smtClean="0"/>
-              <a:t>Grundlagen</a:t>
+              <a:t>Python Grundlagen</a:t>
             </a:r>
             <a:r>
               <a:rPr lang="de-DE" dirty="0"/>
@@ -14762,11 +14642,7 @@
             <a:pPr lvl="1"/>
             <a:r>
               <a:rPr lang="de-DE" dirty="0" smtClean="0"/>
-              <a:t>Beginnt </a:t>
-            </a:r>
-            <a:r>
-              <a:rPr lang="de-DE" dirty="0" smtClean="0"/>
-              <a:t>(wie vieles beim PC) mit </a:t>
+              <a:t>Beginnt (wie vieles beim PC) mit </a:t>
             </a:r>
             <a:r>
               <a:rPr lang="de-DE" sz="2800" b="1" dirty="0" smtClean="0">
@@ -14844,7 +14720,7 @@
           <a:p>
             <a:fld id="{CF4085D9-06B7-4FD4-909D-1B487320FEF5}" type="datetime1">
               <a:rPr lang="de-DE" smtClean="0"/>
-              <a:t>27.03.2018</a:t>
+              <a:t>07.09.2018</a:t>
             </a:fld>
             <a:endParaRPr lang="de-DE"/>
           </a:p>
@@ -14996,11 +14872,7 @@
           <a:p>
             <a:r>
               <a:rPr lang="de-DE" dirty="0" smtClean="0"/>
-              <a:t>Python </a:t>
-            </a:r>
-            <a:r>
-              <a:rPr lang="de-DE" dirty="0" smtClean="0"/>
-              <a:t>Grundlagen</a:t>
+              <a:t>Python Grundlagen</a:t>
             </a:r>
             <a:r>
               <a:rPr lang="de-DE" dirty="0"/>
@@ -15052,34 +14924,17 @@
             <a:pPr lvl="1"/>
             <a:r>
               <a:rPr lang="de-DE" dirty="0" smtClean="0"/>
-              <a:t>Benutzereingaben sind </a:t>
-            </a:r>
-            <a:r>
-              <a:rPr lang="de-DE" dirty="0" smtClean="0"/>
-              <a:t>zunächst </a:t>
-            </a:r>
-            <a:r>
-              <a:rPr lang="de-DE" dirty="0" smtClean="0"/>
-              <a:t>Text</a:t>
-            </a:r>
-            <a:endParaRPr lang="de-DE" dirty="0" smtClean="0"/>
+              <a:t>Benutzereingaben sind zunächst Text</a:t>
+            </a:r>
           </a:p>
           <a:p>
             <a:pPr lvl="1"/>
             <a:r>
               <a:rPr lang="de-DE" dirty="0" smtClean="0"/>
-              <a:t>Text </a:t>
-            </a:r>
-            <a:r>
-              <a:rPr lang="de-DE" dirty="0" smtClean="0"/>
-              <a:t>zu </a:t>
-            </a:r>
-            <a:r>
-              <a:rPr lang="de-DE" dirty="0" smtClean="0"/>
-              <a:t>Ganzzahl: </a:t>
-            </a:r>
-            <a:r>
-              <a:rPr lang="de-DE" sz="2800" b="1" dirty="0" err="1" smtClean="0">
+              <a:t>Text zu Ganzzahl: </a:t>
+            </a:r>
+            <a:r>
+              <a:rPr lang="de-DE" b="1" dirty="0" err="1" smtClean="0">
                 <a:solidFill>
                   <a:schemeClr val="accent1">
                     <a:lumMod val="75000"/>
@@ -15090,7 +14945,7 @@
               <a:t>int</a:t>
             </a:r>
             <a:r>
-              <a:rPr lang="de-DE" sz="2800" b="1" dirty="0" smtClean="0">
+              <a:rPr lang="de-DE" b="1" dirty="0" smtClean="0">
                 <a:solidFill>
                   <a:schemeClr val="accent1">
                     <a:lumMod val="75000"/>
@@ -15101,13 +14956,13 @@
               <a:t>(</a:t>
             </a:r>
             <a:r>
-              <a:rPr lang="de-DE" sz="2800" dirty="0" err="1" smtClean="0">
+              <a:rPr lang="de-DE" dirty="0" err="1" smtClean="0">
                 <a:ea typeface="+mj-ea"/>
               </a:rPr>
               <a:t>text</a:t>
             </a:r>
             <a:r>
-              <a:rPr lang="de-DE" sz="2800" b="1" dirty="0" smtClean="0">
+              <a:rPr lang="de-DE" b="1" dirty="0" smtClean="0">
                 <a:solidFill>
                   <a:schemeClr val="accent1">
                     <a:lumMod val="75000"/>
@@ -15117,14 +14972,6 @@
               </a:rPr>
               <a:t>)</a:t>
             </a:r>
-            <a:endParaRPr lang="de-DE" sz="2800" b="1" dirty="0" smtClean="0">
-              <a:solidFill>
-                <a:schemeClr val="accent1">
-                  <a:lumMod val="75000"/>
-                </a:schemeClr>
-              </a:solidFill>
-              <a:ea typeface="+mj-ea"/>
-            </a:endParaRPr>
           </a:p>
           <a:p>
             <a:pPr lvl="1"/>
@@ -15134,14 +14981,10 @@
             </a:r>
             <a:r>
               <a:rPr lang="de-DE" dirty="0" smtClean="0"/>
-              <a:t>zu </a:t>
-            </a:r>
-            <a:r>
-              <a:rPr lang="de-DE" dirty="0" smtClean="0"/>
-              <a:t>Kommazahl: </a:t>
-            </a:r>
-            <a:r>
-              <a:rPr lang="de-DE" sz="3200" b="1" dirty="0" err="1" smtClean="0">
+              <a:t>zu Kommazahl: </a:t>
+            </a:r>
+            <a:r>
+              <a:rPr lang="de-DE" b="1" dirty="0" err="1" smtClean="0">
                 <a:solidFill>
                   <a:schemeClr val="accent1">
                     <a:lumMod val="75000"/>
@@ -15151,7 +14994,7 @@
               <a:t>float</a:t>
             </a:r>
             <a:r>
-              <a:rPr lang="de-DE" sz="3200" b="1" dirty="0" smtClean="0">
+              <a:rPr lang="de-DE" b="1" dirty="0" smtClean="0">
                 <a:solidFill>
                   <a:schemeClr val="accent1">
                     <a:lumMod val="75000"/>
@@ -15161,11 +15004,11 @@
               <a:t>(</a:t>
             </a:r>
             <a:r>
-              <a:rPr lang="de-DE" sz="3200" dirty="0" err="1"/>
+              <a:rPr lang="de-DE" dirty="0" err="1"/>
               <a:t>text</a:t>
             </a:r>
             <a:r>
-              <a:rPr lang="de-DE" sz="3200" b="1" dirty="0" smtClean="0">
+              <a:rPr lang="de-DE" b="1" dirty="0" smtClean="0">
                 <a:solidFill>
                   <a:schemeClr val="accent1">
                     <a:lumMod val="75000"/>
@@ -15174,7 +15017,7 @@
               </a:rPr>
               <a:t>)</a:t>
             </a:r>
-            <a:endParaRPr lang="de-DE" sz="3200" b="1" dirty="0">
+            <a:endParaRPr lang="de-DE" b="1" dirty="0">
               <a:solidFill>
                 <a:schemeClr val="accent1">
                   <a:lumMod val="75000"/>
@@ -15197,7 +15040,7 @@
               <a:t>Text: </a:t>
             </a:r>
             <a:r>
-              <a:rPr lang="de-DE" sz="3200" b="1" dirty="0" err="1" smtClean="0">
+              <a:rPr lang="de-DE" b="1" dirty="0" err="1" smtClean="0">
                 <a:solidFill>
                   <a:schemeClr val="accent1">
                     <a:lumMod val="75000"/>
@@ -15207,7 +15050,7 @@
               <a:t>str</a:t>
             </a:r>
             <a:r>
-              <a:rPr lang="de-DE" sz="3200" b="1" dirty="0" smtClean="0">
+              <a:rPr lang="de-DE" b="1" dirty="0" smtClean="0">
                 <a:solidFill>
                   <a:schemeClr val="accent1">
                     <a:lumMod val="75000"/>
@@ -15217,11 +15060,11 @@
               <a:t>(</a:t>
             </a:r>
             <a:r>
-              <a:rPr lang="de-DE" sz="3200" dirty="0" smtClean="0"/>
+              <a:rPr lang="de-DE" dirty="0" smtClean="0"/>
               <a:t>zahl</a:t>
             </a:r>
             <a:r>
-              <a:rPr lang="de-DE" sz="3200" b="1" dirty="0" smtClean="0">
+              <a:rPr lang="de-DE" b="1" dirty="0" smtClean="0">
                 <a:solidFill>
                   <a:schemeClr val="accent1">
                     <a:lumMod val="75000"/>
@@ -15230,7 +15073,7 @@
               </a:rPr>
               <a:t>)</a:t>
             </a:r>
-            <a:endParaRPr lang="de-DE" sz="3200" b="1" dirty="0">
+            <a:endParaRPr lang="de-DE" b="1" dirty="0">
               <a:solidFill>
                 <a:schemeClr val="accent1">
                   <a:lumMod val="75000"/>
@@ -15268,7 +15111,7 @@
           <a:p>
             <a:fld id="{E6477017-8420-453C-A4F5-9874759FFB1C}" type="datetime1">
               <a:rPr lang="de-DE" smtClean="0"/>
-              <a:t>27.03.2018</a:t>
+              <a:t>07.09.2018</a:t>
             </a:fld>
             <a:endParaRPr lang="de-DE"/>
           </a:p>
@@ -15414,11 +15257,7 @@
           <a:p>
             <a:r>
               <a:rPr lang="de-DE" dirty="0" smtClean="0"/>
-              <a:t>Python </a:t>
-            </a:r>
-            <a:r>
-              <a:rPr lang="de-DE" dirty="0" smtClean="0"/>
-              <a:t>Grundlagen</a:t>
+              <a:t>Python Grundlagen</a:t>
             </a:r>
             <a:r>
               <a:rPr lang="de-DE" dirty="0"/>
@@ -15456,7 +15295,7 @@
           <a:p>
             <a:fld id="{8D936150-CEBE-4D0E-AA56-CD92215D4299}" type="datetime1">
               <a:rPr lang="de-DE" smtClean="0"/>
-              <a:t>27.03.2018</a:t>
+              <a:t>07.09.2018</a:t>
             </a:fld>
             <a:endParaRPr lang="de-DE"/>
           </a:p>
@@ -15684,11 +15523,7 @@
           <a:p>
             <a:r>
               <a:rPr lang="de-DE" dirty="0" smtClean="0"/>
-              <a:t>Python </a:t>
-            </a:r>
-            <a:r>
-              <a:rPr lang="de-DE" dirty="0" smtClean="0"/>
-              <a:t>Grundlagen</a:t>
+              <a:t>Python Grundlagen</a:t>
             </a:r>
             <a:r>
               <a:rPr lang="de-DE" dirty="0"/>
@@ -15764,15 +15599,7 @@
           <a:p>
             <a:r>
               <a:rPr lang="de-DE" dirty="0" smtClean="0"/>
-              <a:t>durch </a:t>
-            </a:r>
-            <a:r>
-              <a:rPr lang="de-DE" dirty="0" smtClean="0"/>
-              <a:t>Komma getrennte </a:t>
-            </a:r>
-            <a:r>
-              <a:rPr lang="de-DE" dirty="0" smtClean="0"/>
-              <a:t>Einträge: </a:t>
+              <a:t>durch Komma getrennte Einträge: </a:t>
             </a:r>
             <a:r>
               <a:rPr lang="de-DE" sz="3200" b="1" dirty="0">
@@ -15835,13 +15662,8 @@
           <a:p>
             <a:r>
               <a:rPr lang="de-DE" dirty="0" smtClean="0"/>
-              <a:t>Zerteilen wie bei </a:t>
-            </a:r>
-            <a:r>
-              <a:rPr lang="de-DE" dirty="0" smtClean="0"/>
-              <a:t>Text</a:t>
-            </a:r>
-            <a:endParaRPr lang="de-DE" dirty="0" smtClean="0"/>
+              <a:t>Zerteilen wie bei Text</a:t>
+            </a:r>
           </a:p>
           <a:p>
             <a:pPr lvl="1"/>
@@ -16004,7 +15826,7 @@
           <a:p>
             <a:fld id="{C251BD82-81F5-4AB8-95F1-D612B114E619}" type="datetime1">
               <a:rPr lang="de-DE" smtClean="0"/>
-              <a:t>27.03.2018</a:t>
+              <a:t>07.09.2018</a:t>
             </a:fld>
             <a:endParaRPr lang="de-DE"/>
           </a:p>
@@ -16161,11 +15983,7 @@
           <a:p>
             <a:r>
               <a:rPr lang="de-DE" dirty="0" smtClean="0"/>
-              <a:t>Python </a:t>
-            </a:r>
-            <a:r>
-              <a:rPr lang="de-DE" dirty="0" smtClean="0"/>
-              <a:t>Grundlagen</a:t>
+              <a:t>Python Grundlagen</a:t>
             </a:r>
             <a:r>
               <a:rPr lang="de-DE" dirty="0"/>
@@ -16213,7 +16031,7 @@
               <a:t>Aneinanderhängen von Listen mit </a:t>
             </a:r>
             <a:r>
-              <a:rPr lang="de-DE" b="1" dirty="0">
+              <a:rPr lang="de-DE" sz="2400" b="1" dirty="0">
                 <a:solidFill>
                   <a:schemeClr val="accent1">
                     <a:lumMod val="75000"/>
@@ -16226,14 +16044,10 @@
           <a:p>
             <a:r>
               <a:rPr lang="de-DE" dirty="0" smtClean="0"/>
-              <a:t>Vervielfachen </a:t>
-            </a:r>
-            <a:r>
-              <a:rPr lang="de-DE" dirty="0" smtClean="0"/>
-              <a:t>von Listen mit </a:t>
-            </a:r>
-            <a:r>
-              <a:rPr lang="de-DE" b="1" dirty="0">
+              <a:t>Vervielfachen von Listen mit </a:t>
+            </a:r>
+            <a:r>
+              <a:rPr lang="de-DE" sz="2400" b="1" dirty="0">
                 <a:solidFill>
                   <a:schemeClr val="accent1">
                     <a:lumMod val="75000"/>
@@ -16266,7 +16080,7 @@
           <a:p>
             <a:fld id="{ABE81AD2-829D-4072-9688-6B66C98C624B}" type="datetime1">
               <a:rPr lang="de-DE" smtClean="0"/>
-              <a:t>27.03.2018</a:t>
+              <a:t>07.09.2018</a:t>
             </a:fld>
             <a:endParaRPr lang="de-DE"/>
           </a:p>
@@ -16423,11 +16237,7 @@
           <a:p>
             <a:r>
               <a:rPr lang="de-DE" dirty="0" smtClean="0"/>
-              <a:t>Python </a:t>
-            </a:r>
-            <a:r>
-              <a:rPr lang="de-DE" dirty="0" smtClean="0"/>
-              <a:t>Grundlagen</a:t>
+              <a:t>Python Grundlagen</a:t>
             </a:r>
             <a:r>
               <a:rPr lang="de-DE" dirty="0"/>
@@ -16472,11 +16282,7 @@
           <a:p>
             <a:r>
               <a:rPr lang="de-DE" dirty="0" smtClean="0"/>
-              <a:t>Ändern</a:t>
-            </a:r>
-            <a:r>
-              <a:rPr lang="de-DE" dirty="0" smtClean="0"/>
-              <a:t>: einem Slice neue Werte zuweisen</a:t>
+              <a:t>Ändern: einem Slice neue Werte zuweisen</a:t>
             </a:r>
             <a:endParaRPr lang="de-DE" b="1" dirty="0">
               <a:solidFill>
@@ -16489,19 +16295,7 @@
           <a:p>
             <a:r>
               <a:rPr lang="de-DE" dirty="0" smtClean="0"/>
-              <a:t>Löschen</a:t>
-            </a:r>
-            <a:r>
-              <a:rPr lang="de-DE" dirty="0" smtClean="0"/>
-              <a:t>: einem Slice eine </a:t>
-            </a:r>
-            <a:r>
-              <a:rPr lang="de-DE" dirty="0" smtClean="0"/>
-              <a:t>leere </a:t>
-            </a:r>
-            <a:r>
-              <a:rPr lang="de-DE" dirty="0" smtClean="0"/>
-              <a:t>Liste zuweisen</a:t>
+              <a:t>Löschen: einem Slice eine leere Liste zuweisen</a:t>
             </a:r>
             <a:endParaRPr lang="de-DE" b="1" dirty="0">
               <a:solidFill>
@@ -16534,7 +16328,7 @@
           <a:p>
             <a:fld id="{6EF1BF9D-B1FC-41DE-A4C6-8332BF0AAB8C}" type="datetime1">
               <a:rPr lang="de-DE" smtClean="0"/>
-              <a:t>27.03.2018</a:t>
+              <a:t>07.09.2018</a:t>
             </a:fld>
             <a:endParaRPr lang="de-DE"/>
           </a:p>
@@ -16691,11 +16485,7 @@
           <a:p>
             <a:r>
               <a:rPr lang="de-DE" dirty="0" smtClean="0"/>
-              <a:t>Python </a:t>
-            </a:r>
-            <a:r>
-              <a:rPr lang="de-DE" dirty="0" smtClean="0"/>
-              <a:t>Grundlagen</a:t>
+              <a:t>Python Grundlagen</a:t>
             </a:r>
             <a:r>
               <a:rPr lang="de-DE" dirty="0"/>
@@ -16823,7 +16613,7 @@
           <a:p>
             <a:fld id="{108BF655-CA69-4CA1-8392-0482341FA3AB}" type="datetime1">
               <a:rPr lang="de-DE" smtClean="0"/>
-              <a:t>27.03.2018</a:t>
+              <a:t>07.09.2018</a:t>
             </a:fld>
             <a:endParaRPr lang="de-DE"/>
           </a:p>
@@ -16975,11 +16765,7 @@
           <a:p>
             <a:r>
               <a:rPr lang="de-DE" dirty="0" smtClean="0"/>
-              <a:t>Python </a:t>
-            </a:r>
-            <a:r>
-              <a:rPr lang="de-DE" dirty="0" smtClean="0"/>
-              <a:t>Grundlagen</a:t>
+              <a:t>Python Grundlagen</a:t>
             </a:r>
             <a:r>
               <a:rPr lang="de-DE" dirty="0"/>
@@ -17017,7 +16803,7 @@
           <a:p>
             <a:fld id="{06A903DF-1128-46CD-B417-38F6214F535A}" type="datetime1">
               <a:rPr lang="de-DE" smtClean="0"/>
-              <a:t>27.03.2018</a:t>
+              <a:t>07.09.2018</a:t>
             </a:fld>
             <a:endParaRPr lang="de-DE"/>
           </a:p>
@@ -17178,11 +16964,7 @@
           <a:p>
             <a:r>
               <a:rPr lang="de-DE" dirty="0" smtClean="0"/>
-              <a:t>Python </a:t>
-            </a:r>
-            <a:r>
-              <a:rPr lang="de-DE" dirty="0" smtClean="0"/>
-              <a:t>Grundlagen</a:t>
+              <a:t>Python Grundlagen</a:t>
             </a:r>
             <a:r>
               <a:rPr lang="de-DE" dirty="0"/>
@@ -17441,7 +17223,7 @@
           <a:p>
             <a:fld id="{540273FD-E4DC-432A-B7EC-710AF36B5BF9}" type="datetime1">
               <a:rPr lang="de-DE" smtClean="0"/>
-              <a:t>27.03.2018</a:t>
+              <a:t>07.09.2018</a:t>
             </a:fld>
             <a:endParaRPr lang="de-DE"/>
           </a:p>
@@ -17598,11 +17380,7 @@
           <a:p>
             <a:r>
               <a:rPr lang="de-DE" dirty="0" smtClean="0"/>
-              <a:t>Python </a:t>
-            </a:r>
-            <a:r>
-              <a:rPr lang="de-DE" dirty="0" smtClean="0"/>
-              <a:t>Grundlagen</a:t>
+              <a:t>Python Grundlagen</a:t>
             </a:r>
             <a:r>
               <a:rPr lang="de-DE" dirty="0"/>
@@ -17649,7 +17427,6 @@
               <a:rPr lang="de-DE" dirty="0" smtClean="0"/>
               <a:t>Operatoren</a:t>
             </a:r>
-            <a:endParaRPr lang="de-DE" dirty="0" smtClean="0"/>
           </a:p>
           <a:p>
             <a:pPr lvl="1"/>
@@ -17787,7 +17564,6 @@
               <a:rPr lang="de-DE" dirty="0"/>
               <a:t>Klammern möglich</a:t>
             </a:r>
-            <a:endParaRPr lang="de-DE" dirty="0"/>
           </a:p>
         </p:txBody>
       </p:sp>
@@ -17808,7 +17584,7 @@
           <a:p>
             <a:fld id="{F5A85240-7C7D-40AC-881C-FD470AC28E28}" type="datetime1">
               <a:rPr lang="de-DE" smtClean="0"/>
-              <a:t>27.03.2018</a:t>
+              <a:t>07.09.2018</a:t>
             </a:fld>
             <a:endParaRPr lang="de-DE"/>
           </a:p>
@@ -18090,7 +17866,7 @@
           <a:p>
             <a:fld id="{8E075C87-E077-4B9A-A783-FA839FDB07B3}" type="datetime1">
               <a:rPr lang="de-DE" smtClean="0"/>
-              <a:t>27.03.2018</a:t>
+              <a:t>07.09.2018</a:t>
             </a:fld>
             <a:endParaRPr lang="de-DE"/>
           </a:p>
@@ -18434,11 +18210,7 @@
           <a:p>
             <a:r>
               <a:rPr lang="de-DE" dirty="0" smtClean="0"/>
-              <a:t>Python </a:t>
-            </a:r>
-            <a:r>
-              <a:rPr lang="de-DE" dirty="0" smtClean="0"/>
-              <a:t>Grundlagen</a:t>
+              <a:t>Python Grundlagen</a:t>
             </a:r>
             <a:r>
               <a:rPr lang="de-DE" dirty="0"/>
@@ -18476,7 +18248,7 @@
           <a:p>
             <a:fld id="{DC06A4FB-3FEC-46DD-B898-227DF1300745}" type="datetime1">
               <a:rPr lang="de-DE" smtClean="0"/>
-              <a:t>27.03.2018</a:t>
+              <a:t>07.09.2018</a:t>
             </a:fld>
             <a:endParaRPr lang="de-DE"/>
           </a:p>
@@ -18658,11 +18430,7 @@
           <a:p>
             <a:r>
               <a:rPr lang="de-DE" dirty="0" smtClean="0"/>
-              <a:t>Python </a:t>
-            </a:r>
-            <a:r>
-              <a:rPr lang="de-DE" dirty="0" smtClean="0"/>
-              <a:t>Grundlagen</a:t>
+              <a:t>Python Grundlagen</a:t>
             </a:r>
             <a:r>
               <a:rPr lang="de-DE" dirty="0"/>
@@ -18754,11 +18522,7 @@
             <a:pPr lvl="1"/>
             <a:r>
               <a:rPr lang="de-DE" dirty="0" smtClean="0"/>
-              <a:t>Eingerückt </a:t>
-            </a:r>
-            <a:r>
-              <a:rPr lang="de-DE" dirty="0" smtClean="0"/>
-              <a:t>arbeiten</a:t>
+              <a:t>Eingerückt arbeiten</a:t>
             </a:r>
           </a:p>
           <a:p>
@@ -18787,7 +18551,7 @@
           <a:p>
             <a:fld id="{3B98499C-917A-4F26-B40E-695BD0FFC74B}" type="datetime1">
               <a:rPr lang="de-DE" smtClean="0"/>
-              <a:t>27.03.2018</a:t>
+              <a:t>07.09.2018</a:t>
             </a:fld>
             <a:endParaRPr lang="de-DE"/>
           </a:p>
@@ -18944,11 +18708,7 @@
           <a:p>
             <a:r>
               <a:rPr lang="de-DE" dirty="0" smtClean="0"/>
-              <a:t>Python </a:t>
-            </a:r>
-            <a:r>
-              <a:rPr lang="de-DE" dirty="0" smtClean="0"/>
-              <a:t>Grundlagen</a:t>
+              <a:t>Python Grundlagen</a:t>
             </a:r>
             <a:r>
               <a:rPr lang="de-DE" dirty="0"/>
@@ -19054,24 +18814,15 @@
             <a:pPr lvl="1"/>
             <a:r>
               <a:rPr lang="de-DE" dirty="0" smtClean="0"/>
-              <a:t>Eingerückt </a:t>
-            </a:r>
-            <a:r>
-              <a:rPr lang="de-DE" dirty="0" smtClean="0"/>
-              <a:t>arbeiten</a:t>
+              <a:t>Eingerückt arbeiten</a:t>
             </a:r>
           </a:p>
           <a:p>
             <a:pPr lvl="1"/>
             <a:r>
               <a:rPr lang="de-DE" dirty="0" smtClean="0"/>
-              <a:t>Am Ende nicht eingerückt </a:t>
-            </a:r>
-            <a:r>
-              <a:rPr lang="de-DE" dirty="0" smtClean="0"/>
-              <a:t>weiterarbeiten</a:t>
-            </a:r>
-            <a:endParaRPr lang="de-DE" dirty="0" smtClean="0"/>
+              <a:t>Am Ende nicht eingerückt weiterarbeiten</a:t>
+            </a:r>
           </a:p>
           <a:p>
             <a:pPr lvl="1"/>
@@ -19147,7 +18898,7 @@
           <a:p>
             <a:fld id="{5246C73B-41C6-44B0-8E99-FE85FF2BCCB2}" type="datetime1">
               <a:rPr lang="de-DE" smtClean="0"/>
-              <a:t>27.03.2018</a:t>
+              <a:t>07.09.2018</a:t>
             </a:fld>
             <a:endParaRPr lang="de-DE"/>
           </a:p>
@@ -19340,11 +19091,7 @@
           <a:p>
             <a:r>
               <a:rPr lang="de-DE" dirty="0" smtClean="0"/>
-              <a:t>Python </a:t>
-            </a:r>
-            <a:r>
-              <a:rPr lang="de-DE" dirty="0" smtClean="0"/>
-              <a:t>Grundlagen</a:t>
+              <a:t>Python Grundlagen</a:t>
             </a:r>
             <a:r>
               <a:rPr lang="de-DE" dirty="0"/>
@@ -19629,7 +19376,7 @@
           <a:p>
             <a:fld id="{49C6F141-7B96-497F-93A3-E688D5682946}" type="datetime1">
               <a:rPr lang="de-DE" smtClean="0"/>
-              <a:t>27.03.2018</a:t>
+              <a:t>07.09.2018</a:t>
             </a:fld>
             <a:endParaRPr lang="de-DE"/>
           </a:p>
@@ -19781,11 +19528,7 @@
           <a:p>
             <a:r>
               <a:rPr lang="de-DE" dirty="0" smtClean="0"/>
-              <a:t>Python </a:t>
-            </a:r>
-            <a:r>
-              <a:rPr lang="de-DE" dirty="0" smtClean="0"/>
-              <a:t>Grundlagen</a:t>
+              <a:t>Python Grundlagen</a:t>
             </a:r>
             <a:r>
               <a:rPr lang="de-DE" dirty="0"/>
@@ -19823,7 +19566,7 @@
           <a:p>
             <a:fld id="{1D88C1FA-871A-4A05-A6B3-E88443BF9D3D}" type="datetime1">
               <a:rPr lang="de-DE" smtClean="0"/>
-              <a:t>27.03.2018</a:t>
+              <a:t>07.09.2018</a:t>
             </a:fld>
             <a:endParaRPr lang="de-DE"/>
           </a:p>
@@ -20310,11 +20053,7 @@
           <a:p>
             <a:r>
               <a:rPr lang="de-DE" dirty="0" smtClean="0"/>
-              <a:t>Python </a:t>
-            </a:r>
-            <a:r>
-              <a:rPr lang="de-DE" dirty="0" smtClean="0"/>
-              <a:t>Grundlagen</a:t>
+              <a:t>Python Grundlagen</a:t>
             </a:r>
             <a:r>
               <a:rPr lang="de-DE" dirty="0"/>
@@ -20388,7 +20127,7 @@
           <a:p>
             <a:fld id="{2E0FAE72-4302-4067-A7B4-5361ED9C2922}" type="datetime1">
               <a:rPr lang="de-DE" smtClean="0"/>
-              <a:t>27.03.2018</a:t>
+              <a:t>07.09.2018</a:t>
             </a:fld>
             <a:endParaRPr lang="de-DE"/>
           </a:p>
@@ -20601,11 +20340,7 @@
           <a:p>
             <a:r>
               <a:rPr lang="de-DE" dirty="0" smtClean="0"/>
-              <a:t>Python </a:t>
-            </a:r>
-            <a:r>
-              <a:rPr lang="de-DE" dirty="0" smtClean="0"/>
-              <a:t>Grundlagen</a:t>
+              <a:t>Python Grundlagen</a:t>
             </a:r>
             <a:r>
               <a:rPr lang="de-DE" dirty="0"/>
@@ -20792,7 +20527,7 @@
           <a:p>
             <a:fld id="{BB9862A8-04CB-49F3-B3A2-15F0F5882BD1}" type="datetime1">
               <a:rPr lang="de-DE" smtClean="0"/>
-              <a:t>27.03.2018</a:t>
+              <a:t>07.09.2018</a:t>
             </a:fld>
             <a:endParaRPr lang="de-DE"/>
           </a:p>
@@ -20949,11 +20684,7 @@
           <a:p>
             <a:r>
               <a:rPr lang="de-DE" dirty="0" smtClean="0"/>
-              <a:t>Python </a:t>
-            </a:r>
-            <a:r>
-              <a:rPr lang="de-DE" dirty="0" smtClean="0"/>
-              <a:t>Grundlagen</a:t>
+              <a:t>Python Grundlagen</a:t>
             </a:r>
             <a:r>
               <a:rPr lang="de-DE" dirty="0"/>
@@ -21185,7 +20916,7 @@
           <a:p>
             <a:fld id="{793655B7-CBEA-457D-BD5B-ACC421B4D76A}" type="datetime1">
               <a:rPr lang="de-DE" smtClean="0"/>
-              <a:t>27.03.2018</a:t>
+              <a:t>07.09.2018</a:t>
             </a:fld>
             <a:endParaRPr lang="de-DE"/>
           </a:p>
@@ -21337,11 +21068,7 @@
           <a:p>
             <a:r>
               <a:rPr lang="de-DE" dirty="0" smtClean="0"/>
-              <a:t>Python </a:t>
-            </a:r>
-            <a:r>
-              <a:rPr lang="de-DE" dirty="0" smtClean="0"/>
-              <a:t>Grundlagen</a:t>
+              <a:t>Python Grundlagen</a:t>
             </a:r>
             <a:r>
               <a:rPr lang="de-DE" dirty="0"/>
@@ -21379,7 +21106,7 @@
           <a:p>
             <a:fld id="{FC061112-BDD9-4A67-BD62-58AEF83B3F31}" type="datetime1">
               <a:rPr lang="de-DE" smtClean="0"/>
-              <a:t>27.03.2018</a:t>
+              <a:t>07.09.2018</a:t>
             </a:fld>
             <a:endParaRPr lang="de-DE"/>
           </a:p>
@@ -21534,11 +21261,7 @@
           <a:p>
             <a:r>
               <a:rPr lang="de-DE" dirty="0" smtClean="0"/>
-              <a:t>Python </a:t>
-            </a:r>
-            <a:r>
-              <a:rPr lang="de-DE" dirty="0" smtClean="0"/>
-              <a:t>Grundlagen</a:t>
+              <a:t>Python Grundlagen</a:t>
             </a:r>
             <a:r>
               <a:rPr lang="de-DE" dirty="0"/>
@@ -21801,7 +21524,7 @@
           <a:p>
             <a:fld id="{3B41BE4B-80DE-4C35-9D51-52DD4B79173A}" type="datetime1">
               <a:rPr lang="de-DE" smtClean="0"/>
-              <a:t>27.03.2018</a:t>
+              <a:t>07.09.2018</a:t>
             </a:fld>
             <a:endParaRPr lang="de-DE"/>
           </a:p>
@@ -22026,7 +21749,7 @@
           <a:p>
             <a:fld id="{A6B8CC01-C994-4F6F-A4B1-704737F690FD}" type="datetime1">
               <a:rPr lang="de-DE" smtClean="0"/>
-              <a:t>27.03.2018</a:t>
+              <a:t>07.09.2018</a:t>
             </a:fld>
             <a:endParaRPr lang="de-DE"/>
           </a:p>
@@ -22375,11 +22098,7 @@
           <a:p>
             <a:r>
               <a:rPr lang="de-DE" dirty="0" smtClean="0"/>
-              <a:t>Python </a:t>
-            </a:r>
-            <a:r>
-              <a:rPr lang="de-DE" dirty="0" smtClean="0"/>
-              <a:t>Grundlagen</a:t>
+              <a:t>Python Grundlagen</a:t>
             </a:r>
             <a:r>
               <a:rPr lang="de-DE" dirty="0"/>
@@ -22724,7 +22443,7 @@
           <a:p>
             <a:fld id="{B5B31E73-7F2F-4C80-B0B3-B7B75D1A2D3F}" type="datetime1">
               <a:rPr lang="de-DE" smtClean="0"/>
-              <a:t>27.03.2018</a:t>
+              <a:t>07.09.2018</a:t>
             </a:fld>
             <a:endParaRPr lang="de-DE"/>
           </a:p>
@@ -22876,11 +22595,7 @@
           <a:p>
             <a:r>
               <a:rPr lang="de-DE" dirty="0" smtClean="0"/>
-              <a:t>Python </a:t>
-            </a:r>
-            <a:r>
-              <a:rPr lang="de-DE" dirty="0" smtClean="0"/>
-              <a:t>Grundlagen</a:t>
+              <a:t>Python Grundlagen</a:t>
             </a:r>
             <a:r>
               <a:rPr lang="de-DE" dirty="0"/>
@@ -22927,7 +22642,7 @@
           <a:p>
             <a:fld id="{BC49A95B-55CA-44C6-BB71-C8E504F09771}" type="datetime1">
               <a:rPr lang="de-DE" smtClean="0"/>
-              <a:t>27.03.2018</a:t>
+              <a:t>07.09.2018</a:t>
             </a:fld>
             <a:endParaRPr lang="de-DE"/>
           </a:p>
@@ -23331,11 +23046,7 @@
           <a:p>
             <a:r>
               <a:rPr lang="de-DE" dirty="0" smtClean="0"/>
-              <a:t>Erweitertes </a:t>
-            </a:r>
-            <a:r>
-              <a:rPr lang="de-DE" dirty="0" smtClean="0"/>
-              <a:t>Python</a:t>
+              <a:t>Erweitertes Python</a:t>
             </a:r>
             <a:r>
               <a:rPr lang="de-DE" dirty="0"/>
@@ -23389,21 +23100,13 @@
           <a:p>
             <a:r>
               <a:rPr lang="de-DE" dirty="0" smtClean="0"/>
-              <a:t>Mehrere </a:t>
-            </a:r>
-            <a:r>
-              <a:rPr lang="de-DE" dirty="0" smtClean="0"/>
-              <a:t>Werten, die zusammen gehören</a:t>
-            </a:r>
-          </a:p>
-          <a:p>
-            <a:r>
-              <a:rPr lang="de-DE" dirty="0" smtClean="0"/>
-              <a:t>Einpacken</a:t>
-            </a:r>
-            <a:r>
-              <a:rPr lang="de-DE" dirty="0" smtClean="0"/>
-              <a:t>: </a:t>
+              <a:t>Mehrere Werten, die zusammen gehören</a:t>
+            </a:r>
+          </a:p>
+          <a:p>
+            <a:r>
+              <a:rPr lang="de-DE" dirty="0" smtClean="0"/>
+              <a:t>Einpacken: </a:t>
             </a:r>
             <a:r>
               <a:rPr lang="de-DE" i="1" dirty="0" err="1">
@@ -23457,17 +23160,7 @@
                   </a:schemeClr>
                 </a:solidFill>
               </a:rPr>
-              <a:t> </a:t>
-            </a:r>
-            <a:r>
-              <a:rPr lang="de-DE" i="1" dirty="0" smtClean="0">
-                <a:solidFill>
-                  <a:schemeClr val="accent2">
-                    <a:lumMod val="75000"/>
-                  </a:schemeClr>
-                </a:solidFill>
-              </a:rPr>
-              <a:t>wert2</a:t>
+              <a:t> wert2</a:t>
             </a:r>
             <a:r>
               <a:rPr lang="de-DE" b="1" dirty="0" smtClean="0">
@@ -23575,7 +23268,7 @@
           <a:p>
             <a:fld id="{F7E50691-51A9-4140-A0EE-65B13D20BDB0}" type="datetime1">
               <a:rPr lang="de-DE" smtClean="0"/>
-              <a:t>27.03.2018</a:t>
+              <a:t>07.09.2018</a:t>
             </a:fld>
             <a:endParaRPr lang="de-DE"/>
           </a:p>
@@ -23726,11 +23419,7 @@
           <a:p>
             <a:r>
               <a:rPr lang="de-DE" dirty="0" smtClean="0"/>
-              <a:t>Erweitertes </a:t>
-            </a:r>
-            <a:r>
-              <a:rPr lang="de-DE" dirty="0" smtClean="0"/>
-              <a:t>Python</a:t>
+              <a:t>Erweitertes Python</a:t>
             </a:r>
             <a:r>
               <a:rPr lang="de-DE" dirty="0"/>
@@ -23794,7 +23483,6 @@
               <a:rPr lang="de-DE" dirty="0" smtClean="0"/>
               <a:t>“) können wie in der Mengenlehre verwendet werden</a:t>
             </a:r>
-            <a:endParaRPr lang="de-DE" dirty="0" smtClean="0"/>
           </a:p>
         </p:txBody>
       </p:sp>
@@ -23815,7 +23503,7 @@
           <a:p>
             <a:fld id="{4F38BD0A-546F-41BC-82E8-2F02A3E91B8C}" type="datetime1">
               <a:rPr lang="de-DE" smtClean="0"/>
-              <a:t>27.03.2018</a:t>
+              <a:t>07.09.2018</a:t>
             </a:fld>
             <a:endParaRPr lang="de-DE"/>
           </a:p>
@@ -23972,11 +23660,7 @@
           <a:p>
             <a:r>
               <a:rPr lang="de-DE" dirty="0" smtClean="0"/>
-              <a:t>Erweitertes </a:t>
-            </a:r>
-            <a:r>
-              <a:rPr lang="de-DE" dirty="0" smtClean="0"/>
-              <a:t>Python</a:t>
+              <a:t>Erweitertes Python</a:t>
             </a:r>
             <a:r>
               <a:rPr lang="de-DE" dirty="0"/>
@@ -24046,7 +23730,6 @@
               <a:rPr lang="de-DE" dirty="0" smtClean="0"/>
               <a:t>Name + Wert – Beziehung</a:t>
             </a:r>
-            <a:endParaRPr lang="de-DE" dirty="0" smtClean="0"/>
           </a:p>
           <a:p>
             <a:r>
@@ -24189,11 +23872,7 @@
             </a:br>
             <a:r>
               <a:rPr lang="de-DE" dirty="0" smtClean="0"/>
-              <a:t>gilt </a:t>
-            </a:r>
-            <a:r>
-              <a:rPr lang="de-DE" dirty="0" smtClean="0"/>
-              <a:t>für den Namen</a:t>
+              <a:t>gilt für den Namen</a:t>
             </a:r>
             <a:endParaRPr lang="de-DE" dirty="0"/>
           </a:p>
@@ -24220,7 +23899,7 @@
           <a:p>
             <a:fld id="{93BDE5D8-0EF8-43C8-A803-F2A4680D245A}" type="datetime1">
               <a:rPr lang="de-DE" smtClean="0"/>
-              <a:t>27.03.2018</a:t>
+              <a:t>07.09.2018</a:t>
             </a:fld>
             <a:endParaRPr lang="de-DE"/>
           </a:p>
@@ -24377,11 +24056,7 @@
           <a:p>
             <a:r>
               <a:rPr lang="de-DE" dirty="0" smtClean="0"/>
-              <a:t>Erweitertes </a:t>
-            </a:r>
-            <a:r>
-              <a:rPr lang="de-DE" dirty="0" smtClean="0"/>
-              <a:t>Python</a:t>
+              <a:t>Erweitertes Python</a:t>
             </a:r>
             <a:r>
               <a:rPr lang="de-DE" dirty="0"/>
@@ -24568,7 +24243,7 @@
           <a:p>
             <a:fld id="{8D8B82FA-64B0-40BF-B50C-04C47CA9AC1D}" type="datetime1">
               <a:rPr lang="de-DE" smtClean="0"/>
-              <a:t>27.03.2018</a:t>
+              <a:t>07.09.2018</a:t>
             </a:fld>
             <a:endParaRPr lang="de-DE"/>
           </a:p>
@@ -24725,11 +24400,7 @@
           <a:p>
             <a:r>
               <a:rPr lang="de-DE" dirty="0" smtClean="0"/>
-              <a:t>Erweitertes </a:t>
-            </a:r>
-            <a:r>
-              <a:rPr lang="de-DE" dirty="0" smtClean="0"/>
-              <a:t>Python</a:t>
+              <a:t>Erweitertes Python</a:t>
             </a:r>
             <a:r>
               <a:rPr lang="de-DE" dirty="0"/>
@@ -24908,7 +24579,7 @@
           <a:p>
             <a:fld id="{FE3EABC3-5E07-44ED-B9F0-0D657265B4EC}" type="datetime1">
               <a:rPr lang="de-DE" smtClean="0"/>
-              <a:t>27.03.2018</a:t>
+              <a:t>07.09.2018</a:t>
             </a:fld>
             <a:endParaRPr lang="de-DE"/>
           </a:p>
@@ -25159,7 +24830,7 @@
           <a:p>
             <a:fld id="{EB4AC1AA-53E0-448A-B2F2-C4EF9442D4CA}" type="datetime1">
               <a:rPr lang="de-DE" smtClean="0"/>
-              <a:t>27.03.2018</a:t>
+              <a:t>07.09.2018</a:t>
             </a:fld>
             <a:endParaRPr lang="de-DE"/>
           </a:p>
@@ -25712,7 +25383,7 @@
           <a:p>
             <a:fld id="{52E05894-614A-4FA2-8964-A13B04AD0751}" type="datetime1">
               <a:rPr lang="de-DE" smtClean="0"/>
-              <a:t>27.03.2018</a:t>
+              <a:t>07.09.2018</a:t>
             </a:fld>
             <a:endParaRPr lang="de-DE"/>
           </a:p>
@@ -25873,7 +25544,7 @@
           <a:p>
             <a:fld id="{ED3B93CF-AB26-4C9F-AAA0-3F7550F03D02}" type="datetime1">
               <a:rPr lang="de-DE" smtClean="0"/>
-              <a:t>27.03.2018</a:t>
+              <a:t>07.09.2018</a:t>
             </a:fld>
             <a:endParaRPr lang="de-DE"/>
           </a:p>
@@ -26151,7 +25822,7 @@
           <a:p>
             <a:fld id="{892083D9-D1FB-4795-8ED9-565B4526F86A}" type="datetime1">
               <a:rPr lang="de-DE" smtClean="0"/>
-              <a:t>27.03.2018</a:t>
+              <a:t>07.09.2018</a:t>
             </a:fld>
             <a:endParaRPr lang="de-DE"/>
           </a:p>
@@ -26420,7 +26091,7 @@
           <a:p>
             <a:fld id="{F67820BC-C8FF-45AD-B49D-D36E11B23538}" type="datetime1">
               <a:rPr lang="de-DE" smtClean="0"/>
-              <a:t>27.03.2018</a:t>
+              <a:t>07.09.2018</a:t>
             </a:fld>
             <a:endParaRPr lang="de-DE"/>
           </a:p>
@@ -26604,11 +26275,7 @@
             <a:pPr lvl="1"/>
             <a:r>
               <a:rPr lang="de-DE" dirty="0" smtClean="0"/>
-              <a:t>Name </a:t>
-            </a:r>
-            <a:r>
-              <a:rPr lang="de-DE" dirty="0" smtClean="0"/>
-              <a:t>stammt von Monty Python</a:t>
+              <a:t>Name stammt von Monty Python</a:t>
             </a:r>
           </a:p>
         </p:txBody>
@@ -26630,7 +26297,7 @@
           <a:p>
             <a:fld id="{5B0789DE-66C1-462D-B123-D68992F3079E}" type="datetime1">
               <a:rPr lang="de-DE" smtClean="0"/>
-              <a:t>27.03.2018</a:t>
+              <a:t>07.09.2018</a:t>
             </a:fld>
             <a:endParaRPr lang="de-DE"/>
           </a:p>
@@ -26793,152 +26460,7 @@
   <p:timing>
     <p:tnLst>
       <p:par>
-        <p:cTn id="1" dur="indefinite" restart="never" nodeType="tmRoot">
-          <p:childTnLst>
-            <p:seq concurrent="1" nextAc="seek">
-              <p:cTn id="2" dur="indefinite" nodeType="mainSeq">
-                <p:childTnLst>
-                  <p:par>
-                    <p:cTn id="3" fill="hold">
-                      <p:stCondLst>
-                        <p:cond delay="indefinite"/>
-                      </p:stCondLst>
-                      <p:childTnLst>
-                        <p:par>
-                          <p:cTn id="4" fill="hold">
-                            <p:stCondLst>
-                              <p:cond delay="0"/>
-                            </p:stCondLst>
-                            <p:childTnLst>
-                              <p:par>
-                                <p:cTn id="5" presetID="10" presetClass="entr" presetSubtype="0" fill="hold" nodeType="clickEffect">
-                                  <p:stCondLst>
-                                    <p:cond delay="0"/>
-                                  </p:stCondLst>
-                                  <p:childTnLst>
-                                    <p:set>
-                                      <p:cBhvr>
-                                        <p:cTn id="6" dur="1" fill="hold">
-                                          <p:stCondLst>
-                                            <p:cond delay="0"/>
-                                          </p:stCondLst>
-                                        </p:cTn>
-                                        <p:tgtEl>
-                                          <p:spTgt spid="3">
-                                            <p:txEl>
-                                              <p:pRg st="1" end="1"/>
-                                            </p:txEl>
-                                          </p:spTgt>
-                                        </p:tgtEl>
-                                        <p:attrNameLst>
-                                          <p:attrName>style.visibility</p:attrName>
-                                        </p:attrNameLst>
-                                      </p:cBhvr>
-                                      <p:to>
-                                        <p:strVal val="visible"/>
-                                      </p:to>
-                                    </p:set>
-                                    <p:animEffect transition="in" filter="fade">
-                                      <p:cBhvr>
-                                        <p:cTn id="7" dur="500"/>
-                                        <p:tgtEl>
-                                          <p:spTgt spid="3">
-                                            <p:txEl>
-                                              <p:pRg st="1" end="1"/>
-                                            </p:txEl>
-                                          </p:spTgt>
-                                        </p:tgtEl>
-                                      </p:cBhvr>
-                                    </p:animEffect>
-                                  </p:childTnLst>
-                                </p:cTn>
-                              </p:par>
-                            </p:childTnLst>
-                          </p:cTn>
-                        </p:par>
-                      </p:childTnLst>
-                    </p:cTn>
-                  </p:par>
-                  <p:par>
-                    <p:cTn id="8" fill="hold">
-                      <p:stCondLst>
-                        <p:cond delay="indefinite"/>
-                      </p:stCondLst>
-                      <p:childTnLst>
-                        <p:par>
-                          <p:cTn id="9" fill="hold">
-                            <p:stCondLst>
-                              <p:cond delay="0"/>
-                            </p:stCondLst>
-                            <p:childTnLst>
-                              <p:par>
-                                <p:cTn id="10" presetID="10" presetClass="entr" presetSubtype="0" fill="hold" nodeType="clickEffect">
-                                  <p:stCondLst>
-                                    <p:cond delay="0"/>
-                                  </p:stCondLst>
-                                  <p:childTnLst>
-                                    <p:set>
-                                      <p:cBhvr>
-                                        <p:cTn id="11" dur="1" fill="hold">
-                                          <p:stCondLst>
-                                            <p:cond delay="0"/>
-                                          </p:stCondLst>
-                                        </p:cTn>
-                                        <p:tgtEl>
-                                          <p:spTgt spid="3">
-                                            <p:txEl>
-                                              <p:pRg st="2" end="2"/>
-                                            </p:txEl>
-                                          </p:spTgt>
-                                        </p:tgtEl>
-                                        <p:attrNameLst>
-                                          <p:attrName>style.visibility</p:attrName>
-                                        </p:attrNameLst>
-                                      </p:cBhvr>
-                                      <p:to>
-                                        <p:strVal val="visible"/>
-                                      </p:to>
-                                    </p:set>
-                                    <p:animEffect transition="in" filter="fade">
-                                      <p:cBhvr>
-                                        <p:cTn id="12" dur="500"/>
-                                        <p:tgtEl>
-                                          <p:spTgt spid="3">
-                                            <p:txEl>
-                                              <p:pRg st="2" end="2"/>
-                                            </p:txEl>
-                                          </p:spTgt>
-                                        </p:tgtEl>
-                                      </p:cBhvr>
-                                    </p:animEffect>
-                                  </p:childTnLst>
-                                </p:cTn>
-                              </p:par>
-                            </p:childTnLst>
-                          </p:cTn>
-                        </p:par>
-                      </p:childTnLst>
-                    </p:cTn>
-                  </p:par>
-                </p:childTnLst>
-              </p:cTn>
-              <p:prevCondLst>
-                <p:cond evt="onPrev" delay="0">
-                  <p:tgtEl>
-                    <p:sldTgt/>
-                  </p:tgtEl>
-                </p:cond>
-              </p:prevCondLst>
-              <p:nextCondLst>
-                <p:cond evt="onNext" delay="0">
-                  <p:tgtEl>
-                    <p:sldTgt/>
-                  </p:tgtEl>
-                </p:cond>
-              </p:nextCondLst>
-            </p:seq>
-          </p:childTnLst>
-        </p:cTn>
+        <p:cTn id="1" dur="indefinite" restart="never" nodeType="tmRoot"/>
       </p:par>
     </p:tnLst>
   </p:timing>
@@ -27057,7 +26579,7 @@
           <a:p>
             <a:fld id="{9D3752BF-127A-43A1-9997-CD734D7352E5}" type="datetime1">
               <a:rPr lang="de-DE" smtClean="0"/>
-              <a:t>27.03.2018</a:t>
+              <a:t>07.09.2018</a:t>
             </a:fld>
             <a:endParaRPr lang="de-DE"/>
           </a:p>
